--- a/WeatherNerd - User manual.pptx
+++ b/WeatherNerd - User manual.pptx
@@ -7,10 +7,15 @@
   <p:sldIdLst>
     <p:sldId id="256" r:id="rId2"/>
     <p:sldId id="257" r:id="rId3"/>
-    <p:sldId id="258" r:id="rId4"/>
-    <p:sldId id="259" r:id="rId5"/>
-    <p:sldId id="260" r:id="rId6"/>
-    <p:sldId id="261" r:id="rId7"/>
+    <p:sldId id="262" r:id="rId4"/>
+    <p:sldId id="266" r:id="rId5"/>
+    <p:sldId id="264" r:id="rId6"/>
+    <p:sldId id="265" r:id="rId7"/>
+    <p:sldId id="263" r:id="rId8"/>
+    <p:sldId id="259" r:id="rId9"/>
+    <p:sldId id="258" r:id="rId10"/>
+    <p:sldId id="260" r:id="rId11"/>
+    <p:sldId id="261" r:id="rId12"/>
   </p:sldIdLst>
   <p:sldSz cx="12192000" cy="6858000"/>
   <p:notesSz cx="6858000" cy="9144000"/>
@@ -109,6 +114,11 @@
       </a:defRPr>
     </a:lvl9pPr>
   </p:defaultTextStyle>
+  <p:extLst>
+    <p:ext uri="{EFAFB233-063F-42B5-8137-9DF3F51BA10A}">
+      <p15:sldGuideLst xmlns:p15="http://schemas.microsoft.com/office/powerpoint/2012/main"/>
+    </p:ext>
+  </p:extLst>
 </p:presentation>
 </file>
 
@@ -5703,53 +5713,6 @@
           <a:chExt cx="0" cy="0"/>
         </a:xfrm>
       </p:grpSpPr>
-      <p:pic>
-        <p:nvPicPr>
-          <p:cNvPr id="1026" name="Picture 2">
-            <a:extLst>
-              <a:ext uri="{FF2B5EF4-FFF2-40B4-BE49-F238E27FC236}">
-                <a16:creationId xmlns:a16="http://schemas.microsoft.com/office/drawing/2014/main" id="{BC99933D-DD7B-4FF8-9D9D-A02A920FC3F2}"/>
-              </a:ext>
-            </a:extLst>
-          </p:cNvPr>
-          <p:cNvPicPr>
-            <a:picLocks noChangeAspect="1" noChangeArrowheads="1"/>
-          </p:cNvPicPr>
-          <p:nvPr/>
-        </p:nvPicPr>
-        <p:blipFill>
-          <a:blip r:embed="rId4">
-            <a:extLst>
-              <a:ext uri="{28A0092B-C50C-407E-A947-70E740481C1C}">
-                <a14:useLocalDpi xmlns:a14="http://schemas.microsoft.com/office/drawing/2010/main" val="0"/>
-              </a:ext>
-            </a:extLst>
-          </a:blip>
-          <a:srcRect/>
-          <a:stretch>
-            <a:fillRect/>
-          </a:stretch>
-        </p:blipFill>
-        <p:spPr bwMode="auto">
-          <a:xfrm>
-            <a:off x="3294530" y="-167991"/>
-            <a:ext cx="12192000" cy="6804025"/>
-          </a:xfrm>
-          <a:prstGeom prst="rect">
-            <a:avLst/>
-          </a:prstGeom>
-          <a:noFill/>
-          <a:extLst>
-            <a:ext uri="{909E8E84-426E-40DD-AFC4-6F175D3DCCD1}">
-              <a14:hiddenFill xmlns:a14="http://schemas.microsoft.com/office/drawing/2010/main">
-                <a:solidFill>
-                  <a:srgbClr val="FFFFFF"/>
-                </a:solidFill>
-              </a14:hiddenFill>
-            </a:ext>
-          </a:extLst>
-        </p:spPr>
-      </p:pic>
       <p:sp>
         <p:nvSpPr>
           <p:cNvPr id="2" name="Titolo 1">
@@ -5837,10 +5800,40 @@
       </p:sp>
       <p:pic>
         <p:nvPicPr>
-          <p:cNvPr id="5" name="Immagine 4">
+          <p:cNvPr id="6" name="Immagine 5">
             <a:extLst>
               <a:ext uri="{FF2B5EF4-FFF2-40B4-BE49-F238E27FC236}">
-                <a16:creationId xmlns:a16="http://schemas.microsoft.com/office/drawing/2014/main" id="{3EDF6CB7-D537-49AE-96A7-06875FB68472}"/>
+                <a16:creationId xmlns:a16="http://schemas.microsoft.com/office/drawing/2014/main" id="{853F450C-F36A-4C01-A881-240B7B70D9FC}"/>
+              </a:ext>
+            </a:extLst>
+          </p:cNvPr>
+          <p:cNvPicPr>
+            <a:picLocks noChangeAspect="1"/>
+          </p:cNvPicPr>
+          <p:nvPr/>
+        </p:nvPicPr>
+        <p:blipFill>
+          <a:blip r:embed="rId4"/>
+          <a:stretch>
+            <a:fillRect/>
+          </a:stretch>
+        </p:blipFill>
+        <p:spPr>
+          <a:xfrm>
+            <a:off x="3829050" y="438150"/>
+            <a:ext cx="4533900" cy="5981700"/>
+          </a:xfrm>
+          <a:prstGeom prst="rect">
+            <a:avLst/>
+          </a:prstGeom>
+        </p:spPr>
+      </p:pic>
+      <p:pic>
+        <p:nvPicPr>
+          <p:cNvPr id="12" name="Immagine 11">
+            <a:extLst>
+              <a:ext uri="{FF2B5EF4-FFF2-40B4-BE49-F238E27FC236}">
+                <a16:creationId xmlns:a16="http://schemas.microsoft.com/office/drawing/2014/main" id="{EB33698C-1559-4DBD-AB55-5106482AD632}"/>
               </a:ext>
             </a:extLst>
           </p:cNvPr>
@@ -5857,8 +5850,8 @@
         </p:blipFill>
         <p:spPr>
           <a:xfrm>
-            <a:off x="7578988" y="820965"/>
-            <a:ext cx="3724289" cy="5104845"/>
+            <a:off x="7648923" y="1360477"/>
+            <a:ext cx="3135722" cy="4137045"/>
           </a:xfrm>
           <a:prstGeom prst="rect">
             <a:avLst/>
@@ -5878,2530 +5871,7 @@
 </p:sld>
 </file>
 
-<file path=ppt/slides/slide2.xml><?xml version="1.0" encoding="utf-8"?>
-<p:sld xmlns:a="http://schemas.openxmlformats.org/drawingml/2006/main" xmlns:r="http://schemas.openxmlformats.org/officeDocument/2006/relationships" xmlns:p="http://schemas.openxmlformats.org/presentationml/2006/main">
-  <p:cSld>
-    <p:bg>
-      <p:bgPr>
-        <a:blipFill rotWithShape="1">
-          <a:blip r:embed="rId2">
-            <a:duotone>
-              <a:schemeClr val="bg2">
-                <a:shade val="28000"/>
-                <a:satMod val="94000"/>
-                <a:lumMod val="20000"/>
-              </a:schemeClr>
-              <a:schemeClr val="bg2">
-                <a:tint val="94000"/>
-                <a:shade val="84000"/>
-                <a:satMod val="148000"/>
-                <a:lumMod val="114000"/>
-              </a:schemeClr>
-            </a:duotone>
-            <a:extLst>
-              <a:ext uri="{BEBA8EAE-BF5A-486C-A8C5-ECC9F3942E4B}">
-                <a14:imgProps xmlns:a14="http://schemas.microsoft.com/office/drawing/2010/main">
-                  <a14:imgLayer r:embed="rId3">
-                    <a14:imgEffect>
-                      <a14:brightnessContrast bright="-42000"/>
-                    </a14:imgEffect>
-                  </a14:imgLayer>
-                </a14:imgProps>
-              </a:ext>
-            </a:extLst>
-          </a:blip>
-          <a:stretch/>
-        </a:blipFill>
-        <a:effectLst/>
-      </p:bgPr>
-    </p:bg>
-    <p:spTree>
-      <p:nvGrpSpPr>
-        <p:cNvPr id="1" name=""/>
-        <p:cNvGrpSpPr/>
-        <p:nvPr/>
-      </p:nvGrpSpPr>
-      <p:grpSpPr>
-        <a:xfrm>
-          <a:off x="0" y="0"/>
-          <a:ext cx="0" cy="0"/>
-          <a:chOff x="0" y="0"/>
-          <a:chExt cx="0" cy="0"/>
-        </a:xfrm>
-      </p:grpSpPr>
-      <p:sp>
-        <p:nvSpPr>
-          <p:cNvPr id="2" name="Titolo 1">
-            <a:extLst>
-              <a:ext uri="{FF2B5EF4-FFF2-40B4-BE49-F238E27FC236}">
-                <a16:creationId xmlns:a16="http://schemas.microsoft.com/office/drawing/2014/main" id="{373FE621-EF18-4E57-88EA-FD8C33792183}"/>
-              </a:ext>
-            </a:extLst>
-          </p:cNvPr>
-          <p:cNvSpPr>
-            <a:spLocks noGrp="1"/>
-          </p:cNvSpPr>
-          <p:nvPr>
-            <p:ph type="ctrTitle"/>
-          </p:nvPr>
-        </p:nvSpPr>
-        <p:spPr>
-          <a:xfrm>
-            <a:off x="1751012" y="609601"/>
-            <a:ext cx="8574366" cy="1029762"/>
-          </a:xfrm>
-        </p:spPr>
-        <p:txBody>
-          <a:bodyPr>
-            <a:normAutofit/>
-          </a:bodyPr>
-          <a:lstStyle/>
-          <a:p>
-            <a:r>
-              <a:rPr lang="it-IT" dirty="0" err="1"/>
-              <a:t>Complications</a:t>
-            </a:r>
-            <a:endParaRPr lang="it-IT" dirty="0"/>
-          </a:p>
-        </p:txBody>
-      </p:sp>
-      <p:pic>
-        <p:nvPicPr>
-          <p:cNvPr id="47" name="Immagine 46">
-            <a:extLst>
-              <a:ext uri="{FF2B5EF4-FFF2-40B4-BE49-F238E27FC236}">
-                <a16:creationId xmlns:a16="http://schemas.microsoft.com/office/drawing/2014/main" id="{7A21C428-B77D-4AC5-A626-7FFC830ACA7F}"/>
-              </a:ext>
-            </a:extLst>
-          </p:cNvPr>
-          <p:cNvPicPr>
-            <a:picLocks noChangeAspect="1"/>
-          </p:cNvPicPr>
-          <p:nvPr/>
-        </p:nvPicPr>
-        <p:blipFill>
-          <a:blip r:embed="rId4"/>
-          <a:stretch>
-            <a:fillRect/>
-          </a:stretch>
-        </p:blipFill>
-        <p:spPr>
-          <a:xfrm>
-            <a:off x="4707202" y="2342738"/>
-            <a:ext cx="3200400" cy="3200400"/>
-          </a:xfrm>
-          <a:prstGeom prst="rect">
-            <a:avLst/>
-          </a:prstGeom>
-        </p:spPr>
-      </p:pic>
-      <p:sp>
-        <p:nvSpPr>
-          <p:cNvPr id="48" name="CasellaDiTesto 47">
-            <a:extLst>
-              <a:ext uri="{FF2B5EF4-FFF2-40B4-BE49-F238E27FC236}">
-                <a16:creationId xmlns:a16="http://schemas.microsoft.com/office/drawing/2014/main" id="{FB017343-BE84-43A6-85A7-47EEF3967F96}"/>
-              </a:ext>
-            </a:extLst>
-          </p:cNvPr>
-          <p:cNvSpPr txBox="1"/>
-          <p:nvPr/>
-        </p:nvSpPr>
-        <p:spPr>
-          <a:xfrm>
-            <a:off x="9324449" y="3124199"/>
-            <a:ext cx="949299" cy="369332"/>
-          </a:xfrm>
-          <a:prstGeom prst="rect">
-            <a:avLst/>
-          </a:prstGeom>
-          <a:noFill/>
-        </p:spPr>
-        <p:txBody>
-          <a:bodyPr wrap="none" rtlCol="0">
-            <a:spAutoFit/>
-          </a:bodyPr>
-          <a:lstStyle/>
-          <a:p>
-            <a:r>
-              <a:rPr lang="it-IT" dirty="0"/>
-              <a:t>Datum</a:t>
-            </a:r>
-          </a:p>
-        </p:txBody>
-      </p:sp>
-      <p:cxnSp>
-        <p:nvCxnSpPr>
-          <p:cNvPr id="58" name="Connettore 2 57">
-            <a:extLst>
-              <a:ext uri="{FF2B5EF4-FFF2-40B4-BE49-F238E27FC236}">
-                <a16:creationId xmlns:a16="http://schemas.microsoft.com/office/drawing/2014/main" id="{216F2E8C-A307-4FE8-9ADF-8A43D09FF057}"/>
-              </a:ext>
-            </a:extLst>
-          </p:cNvPr>
-          <p:cNvCxnSpPr>
-            <a:cxnSpLocks/>
-          </p:cNvCxnSpPr>
-          <p:nvPr/>
-        </p:nvCxnSpPr>
-        <p:spPr>
-          <a:xfrm flipH="1">
-            <a:off x="7369371" y="3308865"/>
-            <a:ext cx="1948404" cy="499883"/>
-          </a:xfrm>
-          <a:prstGeom prst="straightConnector1">
-            <a:avLst/>
-          </a:prstGeom>
-          <a:ln w="25400">
-            <a:solidFill>
-              <a:schemeClr val="tx1">
-                <a:alpha val="41000"/>
-              </a:schemeClr>
-            </a:solidFill>
-            <a:prstDash val="sysDash"/>
-            <a:tailEnd type="oval"/>
-          </a:ln>
-        </p:spPr>
-        <p:style>
-          <a:lnRef idx="1">
-            <a:schemeClr val="accent1"/>
-          </a:lnRef>
-          <a:fillRef idx="0">
-            <a:schemeClr val="accent1"/>
-          </a:fillRef>
-          <a:effectRef idx="0">
-            <a:schemeClr val="accent1"/>
-          </a:effectRef>
-          <a:fontRef idx="minor">
-            <a:schemeClr val="tx1"/>
-          </a:fontRef>
-        </p:style>
-      </p:cxnSp>
-      <p:sp>
-        <p:nvSpPr>
-          <p:cNvPr id="61" name="CasellaDiTesto 60">
-            <a:extLst>
-              <a:ext uri="{FF2B5EF4-FFF2-40B4-BE49-F238E27FC236}">
-                <a16:creationId xmlns:a16="http://schemas.microsoft.com/office/drawing/2014/main" id="{528D5303-A4D1-4050-A26F-7D91C32A6EF0}"/>
-              </a:ext>
-            </a:extLst>
-          </p:cNvPr>
-          <p:cNvSpPr txBox="1"/>
-          <p:nvPr/>
-        </p:nvSpPr>
-        <p:spPr>
-          <a:xfrm>
-            <a:off x="8219981" y="2324099"/>
-            <a:ext cx="2053767" cy="369332"/>
-          </a:xfrm>
-          <a:prstGeom prst="rect">
-            <a:avLst/>
-          </a:prstGeom>
-          <a:noFill/>
-        </p:spPr>
-        <p:txBody>
-          <a:bodyPr wrap="none" rtlCol="0">
-            <a:spAutoFit/>
-          </a:bodyPr>
-          <a:lstStyle/>
-          <a:p>
-            <a:r>
-              <a:rPr lang="it-IT" dirty="0" err="1"/>
-              <a:t>Current</a:t>
-            </a:r>
-            <a:r>
-              <a:rPr lang="it-IT" dirty="0"/>
-              <a:t> </a:t>
-            </a:r>
-            <a:r>
-              <a:rPr lang="it-IT" dirty="0" err="1"/>
-              <a:t>Weather</a:t>
-            </a:r>
-            <a:endParaRPr lang="it-IT" dirty="0"/>
-          </a:p>
-        </p:txBody>
-      </p:sp>
-      <p:cxnSp>
-        <p:nvCxnSpPr>
-          <p:cNvPr id="62" name="Connettore 2 61">
-            <a:extLst>
-              <a:ext uri="{FF2B5EF4-FFF2-40B4-BE49-F238E27FC236}">
-                <a16:creationId xmlns:a16="http://schemas.microsoft.com/office/drawing/2014/main" id="{AAB0BE7F-2D3F-476F-B2CD-CE7A52B1ABB0}"/>
-              </a:ext>
-            </a:extLst>
-          </p:cNvPr>
-          <p:cNvCxnSpPr>
-            <a:cxnSpLocks/>
-          </p:cNvCxnSpPr>
-          <p:nvPr/>
-        </p:nvCxnSpPr>
-        <p:spPr>
-          <a:xfrm flipH="1">
-            <a:off x="6385271" y="2508765"/>
-            <a:ext cx="1828036" cy="651869"/>
-          </a:xfrm>
-          <a:prstGeom prst="straightConnector1">
-            <a:avLst/>
-          </a:prstGeom>
-          <a:ln w="25400">
-            <a:solidFill>
-              <a:schemeClr val="tx1">
-                <a:alpha val="41000"/>
-              </a:schemeClr>
-            </a:solidFill>
-            <a:prstDash val="sysDash"/>
-            <a:tailEnd type="oval"/>
-          </a:ln>
-        </p:spPr>
-        <p:style>
-          <a:lnRef idx="1">
-            <a:schemeClr val="accent1"/>
-          </a:lnRef>
-          <a:fillRef idx="0">
-            <a:schemeClr val="accent1"/>
-          </a:fillRef>
-          <a:effectRef idx="0">
-            <a:schemeClr val="accent1"/>
-          </a:effectRef>
-          <a:fontRef idx="minor">
-            <a:schemeClr val="tx1"/>
-          </a:fontRef>
-        </p:style>
-      </p:cxnSp>
-      <p:sp>
-        <p:nvSpPr>
-          <p:cNvPr id="68" name="CasellaDiTesto 67">
-            <a:extLst>
-              <a:ext uri="{FF2B5EF4-FFF2-40B4-BE49-F238E27FC236}">
-                <a16:creationId xmlns:a16="http://schemas.microsoft.com/office/drawing/2014/main" id="{2DB2745E-614F-414B-A368-56CF2C12A557}"/>
-              </a:ext>
-            </a:extLst>
-          </p:cNvPr>
-          <p:cNvSpPr txBox="1"/>
-          <p:nvPr/>
-        </p:nvSpPr>
-        <p:spPr>
-          <a:xfrm>
-            <a:off x="1918253" y="4497301"/>
-            <a:ext cx="1530680" cy="369332"/>
-          </a:xfrm>
-          <a:prstGeom prst="rect">
-            <a:avLst/>
-          </a:prstGeom>
-          <a:noFill/>
-        </p:spPr>
-        <p:txBody>
-          <a:bodyPr wrap="square" rtlCol="0">
-            <a:spAutoFit/>
-          </a:bodyPr>
-          <a:lstStyle/>
-          <a:p>
-            <a:r>
-              <a:rPr lang="it-IT" dirty="0"/>
-              <a:t>Fitness data</a:t>
-            </a:r>
-          </a:p>
-        </p:txBody>
-      </p:sp>
-      <p:cxnSp>
-        <p:nvCxnSpPr>
-          <p:cNvPr id="69" name="Connettore 2 68">
-            <a:extLst>
-              <a:ext uri="{FF2B5EF4-FFF2-40B4-BE49-F238E27FC236}">
-                <a16:creationId xmlns:a16="http://schemas.microsoft.com/office/drawing/2014/main" id="{182FA75B-9CB8-4CA3-BC81-65003744673F}"/>
-              </a:ext>
-            </a:extLst>
-          </p:cNvPr>
-          <p:cNvCxnSpPr>
-            <a:cxnSpLocks/>
-          </p:cNvCxnSpPr>
-          <p:nvPr/>
-        </p:nvCxnSpPr>
-        <p:spPr>
-          <a:xfrm>
-            <a:off x="3442259" y="4681967"/>
-            <a:ext cx="2170068" cy="173812"/>
-          </a:xfrm>
-          <a:prstGeom prst="straightConnector1">
-            <a:avLst/>
-          </a:prstGeom>
-          <a:ln w="25400">
-            <a:solidFill>
-              <a:schemeClr val="tx1">
-                <a:alpha val="41000"/>
-              </a:schemeClr>
-            </a:solidFill>
-            <a:prstDash val="sysDash"/>
-            <a:tailEnd type="oval"/>
-          </a:ln>
-        </p:spPr>
-        <p:style>
-          <a:lnRef idx="1">
-            <a:schemeClr val="accent1"/>
-          </a:lnRef>
-          <a:fillRef idx="0">
-            <a:schemeClr val="accent1"/>
-          </a:fillRef>
-          <a:effectRef idx="0">
-            <a:schemeClr val="accent1"/>
-          </a:effectRef>
-          <a:fontRef idx="minor">
-            <a:schemeClr val="tx1"/>
-          </a:fontRef>
-        </p:style>
-      </p:cxnSp>
-      <p:pic>
-        <p:nvPicPr>
-          <p:cNvPr id="1031" name="Immagine 1030">
-            <a:extLst>
-              <a:ext uri="{FF2B5EF4-FFF2-40B4-BE49-F238E27FC236}">
-                <a16:creationId xmlns:a16="http://schemas.microsoft.com/office/drawing/2014/main" id="{48D99D9A-3166-4CDB-B626-539C2E134E78}"/>
-              </a:ext>
-            </a:extLst>
-          </p:cNvPr>
-          <p:cNvPicPr>
-            <a:picLocks noChangeAspect="1"/>
-          </p:cNvPicPr>
-          <p:nvPr/>
-        </p:nvPicPr>
-        <p:blipFill>
-          <a:blip r:embed="rId5"/>
-          <a:stretch>
-            <a:fillRect/>
-          </a:stretch>
-        </p:blipFill>
-        <p:spPr>
-          <a:xfrm rot="20233455">
-            <a:off x="5760166" y="2409966"/>
-            <a:ext cx="133350" cy="371475"/>
-          </a:xfrm>
-          <a:prstGeom prst="rect">
-            <a:avLst/>
-          </a:prstGeom>
-        </p:spPr>
-      </p:pic>
-      <p:sp>
-        <p:nvSpPr>
-          <p:cNvPr id="75" name="CasellaDiTesto 74">
-            <a:extLst>
-              <a:ext uri="{FF2B5EF4-FFF2-40B4-BE49-F238E27FC236}">
-                <a16:creationId xmlns:a16="http://schemas.microsoft.com/office/drawing/2014/main" id="{3CC3F860-219C-4F81-994D-D2EB532A1AE0}"/>
-              </a:ext>
-            </a:extLst>
-          </p:cNvPr>
-          <p:cNvSpPr txBox="1"/>
-          <p:nvPr/>
-        </p:nvSpPr>
-        <p:spPr>
-          <a:xfrm>
-            <a:off x="8710500" y="3924299"/>
-            <a:ext cx="1563248" cy="369332"/>
-          </a:xfrm>
-          <a:prstGeom prst="rect">
-            <a:avLst/>
-          </a:prstGeom>
-          <a:noFill/>
-        </p:spPr>
-        <p:txBody>
-          <a:bodyPr wrap="none" rtlCol="0">
-            <a:spAutoFit/>
-          </a:bodyPr>
-          <a:lstStyle/>
-          <a:p>
-            <a:r>
-              <a:rPr lang="it-IT" dirty="0" err="1"/>
-              <a:t>Sunset</a:t>
-            </a:r>
-            <a:r>
-              <a:rPr lang="it-IT" dirty="0"/>
-              <a:t> hand</a:t>
-            </a:r>
-          </a:p>
-        </p:txBody>
-      </p:sp>
-      <p:cxnSp>
-        <p:nvCxnSpPr>
-          <p:cNvPr id="76" name="Connettore 2 75">
-            <a:extLst>
-              <a:ext uri="{FF2B5EF4-FFF2-40B4-BE49-F238E27FC236}">
-                <a16:creationId xmlns:a16="http://schemas.microsoft.com/office/drawing/2014/main" id="{589A5440-1E69-4595-A3BB-56B5E6CD8C47}"/>
-              </a:ext>
-            </a:extLst>
-          </p:cNvPr>
-          <p:cNvCxnSpPr>
-            <a:cxnSpLocks/>
-          </p:cNvCxnSpPr>
-          <p:nvPr/>
-        </p:nvCxnSpPr>
-        <p:spPr>
-          <a:xfrm flipH="1">
-            <a:off x="7689750" y="4108965"/>
-            <a:ext cx="1014076" cy="353471"/>
-          </a:xfrm>
-          <a:prstGeom prst="straightConnector1">
-            <a:avLst/>
-          </a:prstGeom>
-          <a:ln w="25400">
-            <a:solidFill>
-              <a:schemeClr val="tx1">
-                <a:alpha val="41000"/>
-              </a:schemeClr>
-            </a:solidFill>
-            <a:prstDash val="sysDash"/>
-            <a:tailEnd type="oval"/>
-          </a:ln>
-        </p:spPr>
-        <p:style>
-          <a:lnRef idx="1">
-            <a:schemeClr val="accent1"/>
-          </a:lnRef>
-          <a:fillRef idx="0">
-            <a:schemeClr val="accent1"/>
-          </a:fillRef>
-          <a:effectRef idx="0">
-            <a:schemeClr val="accent1"/>
-          </a:effectRef>
-          <a:fontRef idx="minor">
-            <a:schemeClr val="tx1"/>
-          </a:fontRef>
-        </p:style>
-      </p:cxnSp>
-      <p:sp>
-        <p:nvSpPr>
-          <p:cNvPr id="77" name="CasellaDiTesto 76">
-            <a:extLst>
-              <a:ext uri="{FF2B5EF4-FFF2-40B4-BE49-F238E27FC236}">
-                <a16:creationId xmlns:a16="http://schemas.microsoft.com/office/drawing/2014/main" id="{3893C9A7-80B1-43FD-90BE-14F9B8DE926F}"/>
-              </a:ext>
-            </a:extLst>
-          </p:cNvPr>
-          <p:cNvSpPr txBox="1"/>
-          <p:nvPr/>
-        </p:nvSpPr>
-        <p:spPr>
-          <a:xfrm>
-            <a:off x="1918253" y="5283535"/>
-            <a:ext cx="1600118" cy="369332"/>
-          </a:xfrm>
-          <a:prstGeom prst="rect">
-            <a:avLst/>
-          </a:prstGeom>
-          <a:noFill/>
-        </p:spPr>
-        <p:txBody>
-          <a:bodyPr wrap="none" rtlCol="0">
-            <a:spAutoFit/>
-          </a:bodyPr>
-          <a:lstStyle/>
-          <a:p>
-            <a:r>
-              <a:rPr lang="it-IT" dirty="0"/>
-              <a:t>Sunrise hand</a:t>
-            </a:r>
-          </a:p>
-        </p:txBody>
-      </p:sp>
-      <p:cxnSp>
-        <p:nvCxnSpPr>
-          <p:cNvPr id="78" name="Connettore 2 77">
-            <a:extLst>
-              <a:ext uri="{FF2B5EF4-FFF2-40B4-BE49-F238E27FC236}">
-                <a16:creationId xmlns:a16="http://schemas.microsoft.com/office/drawing/2014/main" id="{E1256AB1-CA54-44B5-B393-3F6D4B6C35AC}"/>
-              </a:ext>
-            </a:extLst>
-          </p:cNvPr>
-          <p:cNvCxnSpPr>
-            <a:cxnSpLocks/>
-          </p:cNvCxnSpPr>
-          <p:nvPr/>
-        </p:nvCxnSpPr>
-        <p:spPr>
-          <a:xfrm flipV="1">
-            <a:off x="3511697" y="5366265"/>
-            <a:ext cx="2287521" cy="101936"/>
-          </a:xfrm>
-          <a:prstGeom prst="straightConnector1">
-            <a:avLst/>
-          </a:prstGeom>
-          <a:ln w="25400">
-            <a:solidFill>
-              <a:schemeClr val="tx1">
-                <a:alpha val="41000"/>
-              </a:schemeClr>
-            </a:solidFill>
-            <a:prstDash val="sysDash"/>
-            <a:tailEnd type="oval"/>
-          </a:ln>
-        </p:spPr>
-        <p:style>
-          <a:lnRef idx="1">
-            <a:schemeClr val="accent1"/>
-          </a:lnRef>
-          <a:fillRef idx="0">
-            <a:schemeClr val="accent1"/>
-          </a:fillRef>
-          <a:effectRef idx="0">
-            <a:schemeClr val="accent1"/>
-          </a:effectRef>
-          <a:fontRef idx="minor">
-            <a:schemeClr val="tx1"/>
-          </a:fontRef>
-        </p:style>
-      </p:cxnSp>
-      <p:sp>
-        <p:nvSpPr>
-          <p:cNvPr id="79" name="CasellaDiTesto 78">
-            <a:extLst>
-              <a:ext uri="{FF2B5EF4-FFF2-40B4-BE49-F238E27FC236}">
-                <a16:creationId xmlns:a16="http://schemas.microsoft.com/office/drawing/2014/main" id="{95B2AC82-8593-47B9-82BF-F7F29E99D792}"/>
-              </a:ext>
-            </a:extLst>
-          </p:cNvPr>
-          <p:cNvSpPr txBox="1"/>
-          <p:nvPr/>
-        </p:nvSpPr>
-        <p:spPr>
-          <a:xfrm>
-            <a:off x="1918253" y="2138599"/>
-            <a:ext cx="2326278" cy="369332"/>
-          </a:xfrm>
-          <a:prstGeom prst="rect">
-            <a:avLst/>
-          </a:prstGeom>
-          <a:noFill/>
-        </p:spPr>
-        <p:txBody>
-          <a:bodyPr wrap="none" rtlCol="0">
-            <a:spAutoFit/>
-          </a:bodyPr>
-          <a:lstStyle/>
-          <a:p>
-            <a:r>
-              <a:rPr lang="it-IT" dirty="0" err="1"/>
-              <a:t>Battery</a:t>
-            </a:r>
-            <a:r>
-              <a:rPr lang="it-IT" dirty="0"/>
-              <a:t> dead hand</a:t>
-            </a:r>
-          </a:p>
-        </p:txBody>
-      </p:sp>
-      <p:cxnSp>
-        <p:nvCxnSpPr>
-          <p:cNvPr id="80" name="Connettore 2 79">
-            <a:extLst>
-              <a:ext uri="{FF2B5EF4-FFF2-40B4-BE49-F238E27FC236}">
-                <a16:creationId xmlns:a16="http://schemas.microsoft.com/office/drawing/2014/main" id="{19A7256F-3D9F-4464-BE98-27228778ACA8}"/>
-              </a:ext>
-            </a:extLst>
-          </p:cNvPr>
-          <p:cNvCxnSpPr>
-            <a:cxnSpLocks/>
-          </p:cNvCxnSpPr>
-          <p:nvPr/>
-        </p:nvCxnSpPr>
-        <p:spPr>
-          <a:xfrm>
-            <a:off x="4237857" y="2323265"/>
-            <a:ext cx="1510406" cy="101183"/>
-          </a:xfrm>
-          <a:prstGeom prst="straightConnector1">
-            <a:avLst/>
-          </a:prstGeom>
-          <a:ln w="25400">
-            <a:solidFill>
-              <a:schemeClr val="tx1">
-                <a:alpha val="41000"/>
-              </a:schemeClr>
-            </a:solidFill>
-            <a:prstDash val="sysDash"/>
-            <a:tailEnd type="oval"/>
-          </a:ln>
-        </p:spPr>
-        <p:style>
-          <a:lnRef idx="1">
-            <a:schemeClr val="accent1"/>
-          </a:lnRef>
-          <a:fillRef idx="0">
-            <a:schemeClr val="accent1"/>
-          </a:fillRef>
-          <a:effectRef idx="0">
-            <a:schemeClr val="accent1"/>
-          </a:effectRef>
-          <a:fontRef idx="minor">
-            <a:schemeClr val="tx1"/>
-          </a:fontRef>
-        </p:style>
-      </p:cxnSp>
-      <p:sp>
-        <p:nvSpPr>
-          <p:cNvPr id="87" name="CasellaDiTesto 86">
-            <a:extLst>
-              <a:ext uri="{FF2B5EF4-FFF2-40B4-BE49-F238E27FC236}">
-                <a16:creationId xmlns:a16="http://schemas.microsoft.com/office/drawing/2014/main" id="{E96058ED-615D-4A35-A2C8-2F37534BF644}"/>
-              </a:ext>
-            </a:extLst>
-          </p:cNvPr>
-          <p:cNvSpPr txBox="1"/>
-          <p:nvPr/>
-        </p:nvSpPr>
-        <p:spPr>
-          <a:xfrm>
-            <a:off x="1918253" y="3711067"/>
-            <a:ext cx="1582484" cy="369332"/>
-          </a:xfrm>
-          <a:prstGeom prst="rect">
-            <a:avLst/>
-          </a:prstGeom>
-          <a:noFill/>
-        </p:spPr>
-        <p:txBody>
-          <a:bodyPr wrap="none" rtlCol="0">
-            <a:spAutoFit/>
-          </a:bodyPr>
-          <a:lstStyle/>
-          <a:p>
-            <a:r>
-              <a:rPr lang="it-IT" dirty="0"/>
-              <a:t>Meteo </a:t>
-            </a:r>
-            <a:r>
-              <a:rPr lang="it-IT" dirty="0" err="1"/>
-              <a:t>alerts</a:t>
-            </a:r>
-            <a:endParaRPr lang="it-IT" dirty="0"/>
-          </a:p>
-        </p:txBody>
-      </p:sp>
-      <p:cxnSp>
-        <p:nvCxnSpPr>
-          <p:cNvPr id="88" name="Connettore 2 87">
-            <a:extLst>
-              <a:ext uri="{FF2B5EF4-FFF2-40B4-BE49-F238E27FC236}">
-                <a16:creationId xmlns:a16="http://schemas.microsoft.com/office/drawing/2014/main" id="{087B66DB-9CCE-4336-8E5B-96210D070480}"/>
-              </a:ext>
-            </a:extLst>
-          </p:cNvPr>
-          <p:cNvCxnSpPr>
-            <a:cxnSpLocks/>
-          </p:cNvCxnSpPr>
-          <p:nvPr/>
-        </p:nvCxnSpPr>
-        <p:spPr>
-          <a:xfrm flipV="1">
-            <a:off x="3494063" y="3808749"/>
-            <a:ext cx="1315366" cy="86984"/>
-          </a:xfrm>
-          <a:prstGeom prst="straightConnector1">
-            <a:avLst/>
-          </a:prstGeom>
-          <a:ln w="25400">
-            <a:solidFill>
-              <a:schemeClr val="tx1">
-                <a:alpha val="41000"/>
-              </a:schemeClr>
-            </a:solidFill>
-            <a:prstDash val="sysDash"/>
-            <a:tailEnd type="oval"/>
-          </a:ln>
-        </p:spPr>
-        <p:style>
-          <a:lnRef idx="1">
-            <a:schemeClr val="accent1"/>
-          </a:lnRef>
-          <a:fillRef idx="0">
-            <a:schemeClr val="accent1"/>
-          </a:fillRef>
-          <a:effectRef idx="0">
-            <a:schemeClr val="accent1"/>
-          </a:effectRef>
-          <a:fontRef idx="minor">
-            <a:schemeClr val="tx1"/>
-          </a:fontRef>
-        </p:style>
-      </p:cxnSp>
-      <p:sp>
-        <p:nvSpPr>
-          <p:cNvPr id="92" name="CasellaDiTesto 91">
-            <a:extLst>
-              <a:ext uri="{FF2B5EF4-FFF2-40B4-BE49-F238E27FC236}">
-                <a16:creationId xmlns:a16="http://schemas.microsoft.com/office/drawing/2014/main" id="{773AE9FC-270D-42CF-9EBD-03EAC47C8A34}"/>
-              </a:ext>
-            </a:extLst>
-          </p:cNvPr>
-          <p:cNvSpPr txBox="1"/>
-          <p:nvPr/>
-        </p:nvSpPr>
-        <p:spPr>
-          <a:xfrm>
-            <a:off x="1918253" y="2924833"/>
-            <a:ext cx="2071401" cy="369332"/>
-          </a:xfrm>
-          <a:prstGeom prst="rect">
-            <a:avLst/>
-          </a:prstGeom>
-          <a:noFill/>
-        </p:spPr>
-        <p:txBody>
-          <a:bodyPr wrap="none" rtlCol="0">
-            <a:spAutoFit/>
-          </a:bodyPr>
-          <a:lstStyle/>
-          <a:p>
-            <a:r>
-              <a:rPr lang="it-IT" dirty="0" err="1"/>
-              <a:t>Connetion</a:t>
-            </a:r>
-            <a:r>
-              <a:rPr lang="it-IT" dirty="0"/>
-              <a:t> status</a:t>
-            </a:r>
-          </a:p>
-        </p:txBody>
-      </p:sp>
-      <p:cxnSp>
-        <p:nvCxnSpPr>
-          <p:cNvPr id="93" name="Connettore 2 92">
-            <a:extLst>
-              <a:ext uri="{FF2B5EF4-FFF2-40B4-BE49-F238E27FC236}">
-                <a16:creationId xmlns:a16="http://schemas.microsoft.com/office/drawing/2014/main" id="{81FC07AA-8782-45C5-B3AC-92DED60706BB}"/>
-              </a:ext>
-            </a:extLst>
-          </p:cNvPr>
-          <p:cNvCxnSpPr>
-            <a:cxnSpLocks/>
-          </p:cNvCxnSpPr>
-          <p:nvPr/>
-        </p:nvCxnSpPr>
-        <p:spPr>
-          <a:xfrm flipV="1">
-            <a:off x="3982980" y="2743205"/>
-            <a:ext cx="986259" cy="366294"/>
-          </a:xfrm>
-          <a:prstGeom prst="straightConnector1">
-            <a:avLst/>
-          </a:prstGeom>
-          <a:ln w="25400">
-            <a:solidFill>
-              <a:schemeClr val="tx1">
-                <a:alpha val="41000"/>
-              </a:schemeClr>
-            </a:solidFill>
-            <a:prstDash val="sysDash"/>
-            <a:tailEnd type="oval"/>
-          </a:ln>
-        </p:spPr>
-        <p:style>
-          <a:lnRef idx="1">
-            <a:schemeClr val="accent1"/>
-          </a:lnRef>
-          <a:fillRef idx="0">
-            <a:schemeClr val="accent1"/>
-          </a:fillRef>
-          <a:effectRef idx="0">
-            <a:schemeClr val="accent1"/>
-          </a:effectRef>
-          <a:fontRef idx="minor">
-            <a:schemeClr val="tx1"/>
-          </a:fontRef>
-        </p:style>
-      </p:cxnSp>
-      <p:sp>
-        <p:nvSpPr>
-          <p:cNvPr id="105" name="CasellaDiTesto 104">
-            <a:extLst>
-              <a:ext uri="{FF2B5EF4-FFF2-40B4-BE49-F238E27FC236}">
-                <a16:creationId xmlns:a16="http://schemas.microsoft.com/office/drawing/2014/main" id="{621469ED-7768-48FA-9BF2-23F7319A7470}"/>
-              </a:ext>
-            </a:extLst>
-          </p:cNvPr>
-          <p:cNvSpPr txBox="1"/>
-          <p:nvPr/>
-        </p:nvSpPr>
-        <p:spPr>
-          <a:xfrm>
-            <a:off x="8933316" y="4724399"/>
-            <a:ext cx="1340432" cy="369332"/>
-          </a:xfrm>
-          <a:prstGeom prst="rect">
-            <a:avLst/>
-          </a:prstGeom>
-          <a:noFill/>
-        </p:spPr>
-        <p:txBody>
-          <a:bodyPr wrap="none" rtlCol="0">
-            <a:spAutoFit/>
-          </a:bodyPr>
-          <a:lstStyle/>
-          <a:p>
-            <a:r>
-              <a:rPr lang="it-IT" dirty="0"/>
-              <a:t>Hands </a:t>
-            </a:r>
-            <a:r>
-              <a:rPr lang="it-IT" dirty="0" err="1"/>
-              <a:t>rest</a:t>
-            </a:r>
-            <a:endParaRPr lang="it-IT" dirty="0"/>
-          </a:p>
-        </p:txBody>
-      </p:sp>
-      <p:cxnSp>
-        <p:nvCxnSpPr>
-          <p:cNvPr id="106" name="Connettore 2 105">
-            <a:extLst>
-              <a:ext uri="{FF2B5EF4-FFF2-40B4-BE49-F238E27FC236}">
-                <a16:creationId xmlns:a16="http://schemas.microsoft.com/office/drawing/2014/main" id="{79BAF8E4-8D74-464C-B055-F85C300B9D59}"/>
-              </a:ext>
-            </a:extLst>
-          </p:cNvPr>
-          <p:cNvCxnSpPr>
-            <a:cxnSpLocks/>
-          </p:cNvCxnSpPr>
-          <p:nvPr/>
-        </p:nvCxnSpPr>
-        <p:spPr>
-          <a:xfrm flipH="1">
-            <a:off x="7687170" y="4909065"/>
-            <a:ext cx="1239472" cy="184666"/>
-          </a:xfrm>
-          <a:prstGeom prst="straightConnector1">
-            <a:avLst/>
-          </a:prstGeom>
-          <a:ln w="25400">
-            <a:solidFill>
-              <a:schemeClr val="tx1">
-                <a:alpha val="41000"/>
-              </a:schemeClr>
-            </a:solidFill>
-            <a:prstDash val="sysDash"/>
-            <a:tailEnd type="oval"/>
-          </a:ln>
-        </p:spPr>
-        <p:style>
-          <a:lnRef idx="1">
-            <a:schemeClr val="accent1"/>
-          </a:lnRef>
-          <a:fillRef idx="0">
-            <a:schemeClr val="accent1"/>
-          </a:fillRef>
-          <a:effectRef idx="0">
-            <a:schemeClr val="accent1"/>
-          </a:effectRef>
-          <a:fontRef idx="minor">
-            <a:schemeClr val="tx1"/>
-          </a:fontRef>
-        </p:style>
-      </p:cxnSp>
-    </p:spTree>
-    <p:extLst>
-      <p:ext uri="{BB962C8B-B14F-4D97-AF65-F5344CB8AC3E}">
-        <p14:creationId xmlns:p14="http://schemas.microsoft.com/office/powerpoint/2010/main" val="3477499616"/>
-      </p:ext>
-    </p:extLst>
-  </p:cSld>
-  <p:clrMapOvr>
-    <a:masterClrMapping/>
-  </p:clrMapOvr>
-</p:sld>
-</file>
-
-<file path=ppt/slides/slide3.xml><?xml version="1.0" encoding="utf-8"?>
-<p:sld xmlns:a="http://schemas.openxmlformats.org/drawingml/2006/main" xmlns:r="http://schemas.openxmlformats.org/officeDocument/2006/relationships" xmlns:p="http://schemas.openxmlformats.org/presentationml/2006/main">
-  <p:cSld>
-    <p:bg>
-      <p:bgPr>
-        <a:blipFill rotWithShape="1">
-          <a:blip r:embed="rId2">
-            <a:duotone>
-              <a:schemeClr val="bg2">
-                <a:shade val="28000"/>
-                <a:satMod val="94000"/>
-                <a:lumMod val="20000"/>
-              </a:schemeClr>
-              <a:schemeClr val="bg2">
-                <a:tint val="94000"/>
-                <a:shade val="84000"/>
-                <a:satMod val="148000"/>
-                <a:lumMod val="114000"/>
-              </a:schemeClr>
-            </a:duotone>
-            <a:extLst>
-              <a:ext uri="{BEBA8EAE-BF5A-486C-A8C5-ECC9F3942E4B}">
-                <a14:imgProps xmlns:a14="http://schemas.microsoft.com/office/drawing/2010/main">
-                  <a14:imgLayer r:embed="rId3">
-                    <a14:imgEffect>
-                      <a14:brightnessContrast bright="-42000"/>
-                    </a14:imgEffect>
-                  </a14:imgLayer>
-                </a14:imgProps>
-              </a:ext>
-            </a:extLst>
-          </a:blip>
-          <a:stretch/>
-        </a:blipFill>
-        <a:effectLst/>
-      </p:bgPr>
-    </p:bg>
-    <p:spTree>
-      <p:nvGrpSpPr>
-        <p:cNvPr id="1" name=""/>
-        <p:cNvGrpSpPr/>
-        <p:nvPr/>
-      </p:nvGrpSpPr>
-      <p:grpSpPr>
-        <a:xfrm>
-          <a:off x="0" y="0"/>
-          <a:ext cx="0" cy="0"/>
-          <a:chOff x="0" y="0"/>
-          <a:chExt cx="0" cy="0"/>
-        </a:xfrm>
-      </p:grpSpPr>
-      <p:sp>
-        <p:nvSpPr>
-          <p:cNvPr id="2" name="Titolo 1">
-            <a:extLst>
-              <a:ext uri="{FF2B5EF4-FFF2-40B4-BE49-F238E27FC236}">
-                <a16:creationId xmlns:a16="http://schemas.microsoft.com/office/drawing/2014/main" id="{373FE621-EF18-4E57-88EA-FD8C33792183}"/>
-              </a:ext>
-            </a:extLst>
-          </p:cNvPr>
-          <p:cNvSpPr>
-            <a:spLocks noGrp="1"/>
-          </p:cNvSpPr>
-          <p:nvPr>
-            <p:ph type="ctrTitle"/>
-          </p:nvPr>
-        </p:nvSpPr>
-        <p:spPr>
-          <a:xfrm>
-            <a:off x="1751012" y="609601"/>
-            <a:ext cx="5624700" cy="1339339"/>
-          </a:xfrm>
-        </p:spPr>
-        <p:txBody>
-          <a:bodyPr/>
-          <a:lstStyle/>
-          <a:p>
-            <a:r>
-              <a:rPr lang="it-IT" dirty="0"/>
-              <a:t>Clock</a:t>
-            </a:r>
-          </a:p>
-        </p:txBody>
-      </p:sp>
-      <p:sp>
-        <p:nvSpPr>
-          <p:cNvPr id="4" name="Ovale 3">
-            <a:extLst>
-              <a:ext uri="{FF2B5EF4-FFF2-40B4-BE49-F238E27FC236}">
-                <a16:creationId xmlns:a16="http://schemas.microsoft.com/office/drawing/2014/main" id="{2A9077DA-3B14-4E6F-9731-BAC3AFB24766}"/>
-              </a:ext>
-            </a:extLst>
-          </p:cNvPr>
-          <p:cNvSpPr/>
-          <p:nvPr/>
-        </p:nvSpPr>
-        <p:spPr>
-          <a:xfrm>
-            <a:off x="8058149" y="2128063"/>
-            <a:ext cx="2714625" cy="2739213"/>
-          </a:xfrm>
-          <a:prstGeom prst="ellipse">
-            <a:avLst/>
-          </a:prstGeom>
-          <a:noFill/>
-          <a:ln w="34925">
-            <a:solidFill>
-              <a:srgbClr val="2DDCFF"/>
-            </a:solidFill>
-          </a:ln>
-        </p:spPr>
-        <p:style>
-          <a:lnRef idx="2">
-            <a:schemeClr val="accent1">
-              <a:shade val="50000"/>
-            </a:schemeClr>
-          </a:lnRef>
-          <a:fillRef idx="1">
-            <a:schemeClr val="accent1"/>
-          </a:fillRef>
-          <a:effectRef idx="0">
-            <a:schemeClr val="accent1"/>
-          </a:effectRef>
-          <a:fontRef idx="minor">
-            <a:schemeClr val="lt1"/>
-          </a:fontRef>
-        </p:style>
-        <p:txBody>
-          <a:bodyPr rtlCol="0" anchor="ctr"/>
-          <a:lstStyle/>
-          <a:p>
-            <a:pPr algn="ctr"/>
-            <a:endParaRPr lang="it-IT"/>
-          </a:p>
-        </p:txBody>
-      </p:sp>
-      <p:sp>
-        <p:nvSpPr>
-          <p:cNvPr id="6" name="Ovale 5">
-            <a:extLst>
-              <a:ext uri="{FF2B5EF4-FFF2-40B4-BE49-F238E27FC236}">
-                <a16:creationId xmlns:a16="http://schemas.microsoft.com/office/drawing/2014/main" id="{B52F08B3-8092-4831-86FC-3F13AA622B07}"/>
-              </a:ext>
-            </a:extLst>
-          </p:cNvPr>
-          <p:cNvSpPr/>
-          <p:nvPr/>
-        </p:nvSpPr>
-        <p:spPr>
-          <a:xfrm>
-            <a:off x="8105773" y="2176118"/>
-            <a:ext cx="2619376" cy="2643101"/>
-          </a:xfrm>
-          <a:prstGeom prst="ellipse">
-            <a:avLst/>
-          </a:prstGeom>
-          <a:noFill/>
-          <a:ln w="34925">
-            <a:solidFill>
-              <a:srgbClr val="FFFF00"/>
-            </a:solidFill>
-          </a:ln>
-        </p:spPr>
-        <p:style>
-          <a:lnRef idx="2">
-            <a:schemeClr val="accent1">
-              <a:shade val="50000"/>
-            </a:schemeClr>
-          </a:lnRef>
-          <a:fillRef idx="1">
-            <a:schemeClr val="accent1"/>
-          </a:fillRef>
-          <a:effectRef idx="0">
-            <a:schemeClr val="accent1"/>
-          </a:effectRef>
-          <a:fontRef idx="minor">
-            <a:schemeClr val="lt1"/>
-          </a:fontRef>
-        </p:style>
-        <p:txBody>
-          <a:bodyPr rtlCol="0" anchor="ctr"/>
-          <a:lstStyle/>
-          <a:p>
-            <a:pPr algn="ctr"/>
-            <a:endParaRPr lang="it-IT"/>
-          </a:p>
-        </p:txBody>
-      </p:sp>
-      <p:sp>
-        <p:nvSpPr>
-          <p:cNvPr id="9" name="Ovale 8">
-            <a:extLst>
-              <a:ext uri="{FF2B5EF4-FFF2-40B4-BE49-F238E27FC236}">
-                <a16:creationId xmlns:a16="http://schemas.microsoft.com/office/drawing/2014/main" id="{0AF16896-4642-44A4-8720-6425D9DD6D49}"/>
-              </a:ext>
-            </a:extLst>
-          </p:cNvPr>
-          <p:cNvSpPr/>
-          <p:nvPr/>
-        </p:nvSpPr>
-        <p:spPr>
-          <a:xfrm>
-            <a:off x="8253411" y="2324099"/>
-            <a:ext cx="2330614" cy="2351724"/>
-          </a:xfrm>
-          <a:prstGeom prst="ellipse">
-            <a:avLst/>
-          </a:prstGeom>
-          <a:noFill/>
-          <a:ln w="190500">
-            <a:solidFill>
-              <a:srgbClr val="FF0000"/>
-            </a:solidFill>
-          </a:ln>
-        </p:spPr>
-        <p:style>
-          <a:lnRef idx="2">
-            <a:schemeClr val="accent1">
-              <a:shade val="50000"/>
-            </a:schemeClr>
-          </a:lnRef>
-          <a:fillRef idx="1">
-            <a:schemeClr val="accent1"/>
-          </a:fillRef>
-          <a:effectRef idx="0">
-            <a:schemeClr val="accent1"/>
-          </a:effectRef>
-          <a:fontRef idx="minor">
-            <a:schemeClr val="lt1"/>
-          </a:fontRef>
-        </p:style>
-        <p:txBody>
-          <a:bodyPr rtlCol="0" anchor="ctr"/>
-          <a:lstStyle/>
-          <a:p>
-            <a:pPr algn="ctr"/>
-            <a:endParaRPr lang="it-IT"/>
-          </a:p>
-        </p:txBody>
-      </p:sp>
-      <p:sp>
-        <p:nvSpPr>
-          <p:cNvPr id="5" name="Ovale 4">
-            <a:extLst>
-              <a:ext uri="{FF2B5EF4-FFF2-40B4-BE49-F238E27FC236}">
-                <a16:creationId xmlns:a16="http://schemas.microsoft.com/office/drawing/2014/main" id="{41AA144A-385A-488C-8EF2-F4A80AD86F3F}"/>
-              </a:ext>
-            </a:extLst>
-          </p:cNvPr>
-          <p:cNvSpPr/>
-          <p:nvPr/>
-        </p:nvSpPr>
-        <p:spPr>
-          <a:xfrm>
-            <a:off x="8892534" y="2629736"/>
-            <a:ext cx="665284" cy="647422"/>
-          </a:xfrm>
-          <a:prstGeom prst="ellipse">
-            <a:avLst/>
-          </a:prstGeom>
-        </p:spPr>
-        <p:style>
-          <a:lnRef idx="2">
-            <a:schemeClr val="accent6">
-              <a:shade val="50000"/>
-            </a:schemeClr>
-          </a:lnRef>
-          <a:fillRef idx="1">
-            <a:schemeClr val="accent6"/>
-          </a:fillRef>
-          <a:effectRef idx="0">
-            <a:schemeClr val="accent6"/>
-          </a:effectRef>
-          <a:fontRef idx="minor">
-            <a:schemeClr val="lt1"/>
-          </a:fontRef>
-        </p:style>
-        <p:txBody>
-          <a:bodyPr rtlCol="0" anchor="ctr"/>
-          <a:lstStyle/>
-          <a:p>
-            <a:pPr algn="ctr"/>
-            <a:endParaRPr lang="it-IT"/>
-          </a:p>
-        </p:txBody>
-      </p:sp>
-      <p:sp>
-        <p:nvSpPr>
-          <p:cNvPr id="11" name="Ovale 10">
-            <a:extLst>
-              <a:ext uri="{FF2B5EF4-FFF2-40B4-BE49-F238E27FC236}">
-                <a16:creationId xmlns:a16="http://schemas.microsoft.com/office/drawing/2014/main" id="{491878E1-892F-4461-9F39-E3438B23E0E8}"/>
-              </a:ext>
-            </a:extLst>
-          </p:cNvPr>
-          <p:cNvSpPr/>
-          <p:nvPr/>
-        </p:nvSpPr>
-        <p:spPr>
-          <a:xfrm>
-            <a:off x="9751036" y="3173957"/>
-            <a:ext cx="665284" cy="647422"/>
-          </a:xfrm>
-          <a:prstGeom prst="ellipse">
-            <a:avLst/>
-          </a:prstGeom>
-        </p:spPr>
-        <p:style>
-          <a:lnRef idx="2">
-            <a:schemeClr val="accent2">
-              <a:shade val="50000"/>
-            </a:schemeClr>
-          </a:lnRef>
-          <a:fillRef idx="1">
-            <a:schemeClr val="accent2"/>
-          </a:fillRef>
-          <a:effectRef idx="0">
-            <a:schemeClr val="accent2"/>
-          </a:effectRef>
-          <a:fontRef idx="minor">
-            <a:schemeClr val="lt1"/>
-          </a:fontRef>
-        </p:style>
-        <p:txBody>
-          <a:bodyPr rtlCol="0" anchor="ctr"/>
-          <a:lstStyle/>
-          <a:p>
-            <a:pPr algn="ctr"/>
-            <a:endParaRPr lang="it-IT"/>
-          </a:p>
-        </p:txBody>
-      </p:sp>
-      <p:sp>
-        <p:nvSpPr>
-          <p:cNvPr id="12" name="Ovale 11">
-            <a:extLst>
-              <a:ext uri="{FF2B5EF4-FFF2-40B4-BE49-F238E27FC236}">
-                <a16:creationId xmlns:a16="http://schemas.microsoft.com/office/drawing/2014/main" id="{B816F1EA-A6EB-4AD6-B929-729B0365D4F2}"/>
-              </a:ext>
-            </a:extLst>
-          </p:cNvPr>
-          <p:cNvSpPr/>
-          <p:nvPr/>
-        </p:nvSpPr>
-        <p:spPr>
-          <a:xfrm>
-            <a:off x="8692638" y="3524111"/>
-            <a:ext cx="917663" cy="893025"/>
-          </a:xfrm>
-          <a:prstGeom prst="ellipse">
-            <a:avLst/>
-          </a:prstGeom>
-        </p:spPr>
-        <p:style>
-          <a:lnRef idx="2">
-            <a:schemeClr val="accent3">
-              <a:shade val="50000"/>
-            </a:schemeClr>
-          </a:lnRef>
-          <a:fillRef idx="1">
-            <a:schemeClr val="accent3"/>
-          </a:fillRef>
-          <a:effectRef idx="0">
-            <a:schemeClr val="accent3"/>
-          </a:effectRef>
-          <a:fontRef idx="minor">
-            <a:schemeClr val="lt1"/>
-          </a:fontRef>
-        </p:style>
-        <p:txBody>
-          <a:bodyPr rtlCol="0" anchor="ctr"/>
-          <a:lstStyle/>
-          <a:p>
-            <a:pPr algn="ctr"/>
-            <a:endParaRPr lang="it-IT"/>
-          </a:p>
-        </p:txBody>
-      </p:sp>
-      <p:sp>
-        <p:nvSpPr>
-          <p:cNvPr id="10" name="CasellaDiTesto 9">
-            <a:extLst>
-              <a:ext uri="{FF2B5EF4-FFF2-40B4-BE49-F238E27FC236}">
-                <a16:creationId xmlns:a16="http://schemas.microsoft.com/office/drawing/2014/main" id="{58DB6A15-7FB0-4736-A7A3-193A59D1F951}"/>
-              </a:ext>
-            </a:extLst>
-          </p:cNvPr>
-          <p:cNvSpPr txBox="1"/>
-          <p:nvPr/>
-        </p:nvSpPr>
-        <p:spPr>
-          <a:xfrm>
-            <a:off x="3488293" y="2260404"/>
-            <a:ext cx="2055371" cy="369332"/>
-          </a:xfrm>
-          <a:prstGeom prst="rect">
-            <a:avLst/>
-          </a:prstGeom>
-          <a:noFill/>
-          <a:ln>
-            <a:noFill/>
-          </a:ln>
-        </p:spPr>
-        <p:style>
-          <a:lnRef idx="2">
-            <a:schemeClr val="accent1">
-              <a:shade val="50000"/>
-            </a:schemeClr>
-          </a:lnRef>
-          <a:fillRef idx="1">
-            <a:schemeClr val="accent1"/>
-          </a:fillRef>
-          <a:effectRef idx="0">
-            <a:schemeClr val="accent1"/>
-          </a:effectRef>
-          <a:fontRef idx="minor">
-            <a:schemeClr val="lt1"/>
-          </a:fontRef>
-        </p:style>
-        <p:txBody>
-          <a:bodyPr wrap="square" rtlCol="0">
-            <a:spAutoFit/>
-          </a:bodyPr>
-          <a:lstStyle/>
-          <a:p>
-            <a:pPr algn="ctr"/>
-            <a:r>
-              <a:rPr lang="it-IT" dirty="0" err="1">
-                <a:solidFill>
-                  <a:srgbClr val="2DDCFF"/>
-                </a:solidFill>
-              </a:rPr>
-              <a:t>Ice</a:t>
-            </a:r>
-            <a:r>
-              <a:rPr lang="it-IT" dirty="0">
-                <a:solidFill>
-                  <a:srgbClr val="2DDCFF"/>
-                </a:solidFill>
-              </a:rPr>
-              <a:t> </a:t>
-            </a:r>
-            <a:r>
-              <a:rPr lang="it-IT" dirty="0" err="1">
-                <a:solidFill>
-                  <a:srgbClr val="2DDCFF"/>
-                </a:solidFill>
-              </a:rPr>
-              <a:t>alerts</a:t>
-            </a:r>
-            <a:endParaRPr lang="it-IT" dirty="0">
-              <a:solidFill>
-                <a:srgbClr val="2DDCFF"/>
-              </a:solidFill>
-            </a:endParaRPr>
-          </a:p>
-        </p:txBody>
-      </p:sp>
-      <p:sp>
-        <p:nvSpPr>
-          <p:cNvPr id="16" name="CasellaDiTesto 15">
-            <a:extLst>
-              <a:ext uri="{FF2B5EF4-FFF2-40B4-BE49-F238E27FC236}">
-                <a16:creationId xmlns:a16="http://schemas.microsoft.com/office/drawing/2014/main" id="{A9700350-1337-4E6F-BC5E-CE4DEC5D13AE}"/>
-              </a:ext>
-            </a:extLst>
-          </p:cNvPr>
-          <p:cNvSpPr txBox="1"/>
-          <p:nvPr/>
-        </p:nvSpPr>
-        <p:spPr>
-          <a:xfrm>
-            <a:off x="3488292" y="2716242"/>
-            <a:ext cx="2055371" cy="369332"/>
-          </a:xfrm>
-          <a:prstGeom prst="rect">
-            <a:avLst/>
-          </a:prstGeom>
-          <a:noFill/>
-          <a:ln>
-            <a:noFill/>
-          </a:ln>
-        </p:spPr>
-        <p:style>
-          <a:lnRef idx="2">
-            <a:schemeClr val="accent1">
-              <a:shade val="50000"/>
-            </a:schemeClr>
-          </a:lnRef>
-          <a:fillRef idx="1">
-            <a:schemeClr val="accent1"/>
-          </a:fillRef>
-          <a:effectRef idx="0">
-            <a:schemeClr val="accent1"/>
-          </a:effectRef>
-          <a:fontRef idx="minor">
-            <a:schemeClr val="lt1"/>
-          </a:fontRef>
-        </p:style>
-        <p:txBody>
-          <a:bodyPr wrap="square" rtlCol="0">
-            <a:spAutoFit/>
-          </a:bodyPr>
-          <a:lstStyle/>
-          <a:p>
-            <a:pPr algn="ctr"/>
-            <a:r>
-              <a:rPr lang="it-IT" dirty="0" err="1">
-                <a:solidFill>
-                  <a:srgbClr val="FFFF00"/>
-                </a:solidFill>
-              </a:rPr>
-              <a:t>Primary</a:t>
-            </a:r>
-            <a:r>
-              <a:rPr lang="it-IT" dirty="0">
-                <a:solidFill>
-                  <a:srgbClr val="FFFF00"/>
-                </a:solidFill>
-              </a:rPr>
-              <a:t> </a:t>
-            </a:r>
-            <a:r>
-              <a:rPr lang="it-IT" dirty="0" err="1">
-                <a:solidFill>
-                  <a:srgbClr val="FFFF00"/>
-                </a:solidFill>
-              </a:rPr>
-              <a:t>alerts</a:t>
-            </a:r>
-            <a:endParaRPr lang="it-IT" dirty="0">
-              <a:solidFill>
-                <a:srgbClr val="FFFF00"/>
-              </a:solidFill>
-            </a:endParaRPr>
-          </a:p>
-        </p:txBody>
-      </p:sp>
-      <p:sp>
-        <p:nvSpPr>
-          <p:cNvPr id="18" name="CasellaDiTesto 17">
-            <a:extLst>
-              <a:ext uri="{FF2B5EF4-FFF2-40B4-BE49-F238E27FC236}">
-                <a16:creationId xmlns:a16="http://schemas.microsoft.com/office/drawing/2014/main" id="{89DC49A1-3B65-48D2-8CA0-20E0A122BDB5}"/>
-              </a:ext>
-            </a:extLst>
-          </p:cNvPr>
-          <p:cNvSpPr txBox="1"/>
-          <p:nvPr/>
-        </p:nvSpPr>
-        <p:spPr>
-          <a:xfrm>
-            <a:off x="3488293" y="3200059"/>
-            <a:ext cx="2055371" cy="369332"/>
-          </a:xfrm>
-          <a:prstGeom prst="rect">
-            <a:avLst/>
-          </a:prstGeom>
-          <a:noFill/>
-          <a:ln>
-            <a:noFill/>
-          </a:ln>
-        </p:spPr>
-        <p:style>
-          <a:lnRef idx="2">
-            <a:schemeClr val="accent1">
-              <a:shade val="50000"/>
-            </a:schemeClr>
-          </a:lnRef>
-          <a:fillRef idx="1">
-            <a:schemeClr val="accent1"/>
-          </a:fillRef>
-          <a:effectRef idx="0">
-            <a:schemeClr val="accent1"/>
-          </a:effectRef>
-          <a:fontRef idx="minor">
-            <a:schemeClr val="lt1"/>
-          </a:fontRef>
-        </p:style>
-        <p:txBody>
-          <a:bodyPr wrap="none" rtlCol="0">
-            <a:spAutoFit/>
-          </a:bodyPr>
-          <a:lstStyle/>
-          <a:p>
-            <a:pPr algn="ctr"/>
-            <a:r>
-              <a:rPr lang="it-IT" dirty="0" err="1">
-                <a:solidFill>
-                  <a:srgbClr val="FF0000"/>
-                </a:solidFill>
-              </a:rPr>
-              <a:t>Secondary</a:t>
-            </a:r>
-            <a:r>
-              <a:rPr lang="it-IT" dirty="0">
-                <a:solidFill>
-                  <a:srgbClr val="FF0000"/>
-                </a:solidFill>
-              </a:rPr>
-              <a:t> </a:t>
-            </a:r>
-            <a:r>
-              <a:rPr lang="it-IT" dirty="0" err="1">
-                <a:solidFill>
-                  <a:srgbClr val="FF0000"/>
-                </a:solidFill>
-              </a:rPr>
-              <a:t>alerts</a:t>
-            </a:r>
-            <a:endParaRPr lang="it-IT" dirty="0">
-              <a:solidFill>
-                <a:srgbClr val="FF0000"/>
-              </a:solidFill>
-            </a:endParaRPr>
-          </a:p>
-        </p:txBody>
-      </p:sp>
-      <p:pic>
-        <p:nvPicPr>
-          <p:cNvPr id="15" name="Immagine 14">
-            <a:extLst>
-              <a:ext uri="{FF2B5EF4-FFF2-40B4-BE49-F238E27FC236}">
-                <a16:creationId xmlns:a16="http://schemas.microsoft.com/office/drawing/2014/main" id="{38557C3A-B5C5-4E65-8DE0-C7461F0D5AD2}"/>
-              </a:ext>
-            </a:extLst>
-          </p:cNvPr>
-          <p:cNvPicPr>
-            <a:picLocks noChangeAspect="1"/>
-          </p:cNvPicPr>
-          <p:nvPr/>
-        </p:nvPicPr>
-        <p:blipFill>
-          <a:blip r:embed="rId4"/>
-          <a:stretch>
-            <a:fillRect/>
-          </a:stretch>
-        </p:blipFill>
-        <p:spPr>
-          <a:xfrm>
-            <a:off x="7578988" y="820965"/>
-            <a:ext cx="3724289" cy="5104845"/>
-          </a:xfrm>
-          <a:prstGeom prst="rect">
-            <a:avLst/>
-          </a:prstGeom>
-        </p:spPr>
-      </p:pic>
-      <p:cxnSp>
-        <p:nvCxnSpPr>
-          <p:cNvPr id="19" name="Connettore a gomito 18">
-            <a:extLst>
-              <a:ext uri="{FF2B5EF4-FFF2-40B4-BE49-F238E27FC236}">
-                <a16:creationId xmlns:a16="http://schemas.microsoft.com/office/drawing/2014/main" id="{42ABB7C6-60AC-4287-BF6F-A799A2DE27D6}"/>
-              </a:ext>
-            </a:extLst>
-          </p:cNvPr>
-          <p:cNvCxnSpPr>
-            <a:cxnSpLocks/>
-            <a:stCxn id="10" idx="3"/>
-            <a:endCxn id="4" idx="1"/>
-          </p:cNvCxnSpPr>
-          <p:nvPr/>
-        </p:nvCxnSpPr>
-        <p:spPr>
-          <a:xfrm>
-            <a:off x="5543664" y="2445070"/>
-            <a:ext cx="2912033" cy="84141"/>
-          </a:xfrm>
-          <a:prstGeom prst="bentConnector4">
-            <a:avLst>
-              <a:gd name="adj1" fmla="val 43174"/>
-              <a:gd name="adj2" fmla="val 9951"/>
-            </a:avLst>
-          </a:prstGeom>
-          <a:ln w="25400">
-            <a:solidFill>
-              <a:srgbClr val="2DDCFF"/>
-            </a:solidFill>
-            <a:prstDash val="sysDash"/>
-            <a:headEnd type="oval"/>
-            <a:tailEnd type="none"/>
-          </a:ln>
-        </p:spPr>
-        <p:style>
-          <a:lnRef idx="1">
-            <a:schemeClr val="accent1"/>
-          </a:lnRef>
-          <a:fillRef idx="0">
-            <a:schemeClr val="accent1"/>
-          </a:fillRef>
-          <a:effectRef idx="0">
-            <a:schemeClr val="accent1"/>
-          </a:effectRef>
-          <a:fontRef idx="minor">
-            <a:schemeClr val="tx1"/>
-          </a:fontRef>
-        </p:style>
-      </p:cxnSp>
-      <p:cxnSp>
-        <p:nvCxnSpPr>
-          <p:cNvPr id="22" name="Connettore a gomito 21">
-            <a:extLst>
-              <a:ext uri="{FF2B5EF4-FFF2-40B4-BE49-F238E27FC236}">
-                <a16:creationId xmlns:a16="http://schemas.microsoft.com/office/drawing/2014/main" id="{9952BEBF-A17E-4515-9933-F62B3089B4F4}"/>
-              </a:ext>
-            </a:extLst>
-          </p:cNvPr>
-          <p:cNvCxnSpPr>
-            <a:cxnSpLocks/>
-            <a:endCxn id="6" idx="2"/>
-          </p:cNvCxnSpPr>
-          <p:nvPr/>
-        </p:nvCxnSpPr>
-        <p:spPr>
-          <a:xfrm>
-            <a:off x="5543663" y="2907583"/>
-            <a:ext cx="2562110" cy="590086"/>
-          </a:xfrm>
-          <a:prstGeom prst="bentConnector3">
-            <a:avLst>
-              <a:gd name="adj1" fmla="val 86210"/>
-            </a:avLst>
-          </a:prstGeom>
-          <a:ln w="25400">
-            <a:solidFill>
-              <a:srgbClr val="FFFF00"/>
-            </a:solidFill>
-            <a:prstDash val="sysDash"/>
-            <a:headEnd type="oval"/>
-            <a:tailEnd type="none"/>
-          </a:ln>
-        </p:spPr>
-        <p:style>
-          <a:lnRef idx="1">
-            <a:schemeClr val="accent1"/>
-          </a:lnRef>
-          <a:fillRef idx="0">
-            <a:schemeClr val="accent1"/>
-          </a:fillRef>
-          <a:effectRef idx="0">
-            <a:schemeClr val="accent1"/>
-          </a:effectRef>
-          <a:fontRef idx="minor">
-            <a:schemeClr val="tx1"/>
-          </a:fontRef>
-        </p:style>
-      </p:cxnSp>
-      <p:cxnSp>
-        <p:nvCxnSpPr>
-          <p:cNvPr id="24" name="Connettore a gomito 23">
-            <a:extLst>
-              <a:ext uri="{FF2B5EF4-FFF2-40B4-BE49-F238E27FC236}">
-                <a16:creationId xmlns:a16="http://schemas.microsoft.com/office/drawing/2014/main" id="{C56688E9-D16F-4A69-957A-6113A8BBFF96}"/>
-              </a:ext>
-            </a:extLst>
-          </p:cNvPr>
-          <p:cNvCxnSpPr>
-            <a:cxnSpLocks/>
-            <a:stCxn id="18" idx="3"/>
-            <a:endCxn id="9" idx="3"/>
-          </p:cNvCxnSpPr>
-          <p:nvPr/>
-        </p:nvCxnSpPr>
-        <p:spPr>
-          <a:xfrm>
-            <a:off x="5543664" y="3384725"/>
-            <a:ext cx="3051058" cy="946696"/>
-          </a:xfrm>
-          <a:prstGeom prst="bentConnector4">
-            <a:avLst>
-              <a:gd name="adj1" fmla="val 44407"/>
-              <a:gd name="adj2" fmla="val 96651"/>
-            </a:avLst>
-          </a:prstGeom>
-          <a:ln w="25400">
-            <a:solidFill>
-              <a:srgbClr val="FF0000"/>
-            </a:solidFill>
-            <a:prstDash val="sysDash"/>
-            <a:headEnd type="oval"/>
-            <a:tailEnd type="none"/>
-          </a:ln>
-        </p:spPr>
-        <p:style>
-          <a:lnRef idx="1">
-            <a:schemeClr val="accent1"/>
-          </a:lnRef>
-          <a:fillRef idx="0">
-            <a:schemeClr val="accent1"/>
-          </a:fillRef>
-          <a:effectRef idx="0">
-            <a:schemeClr val="accent1"/>
-          </a:effectRef>
-          <a:fontRef idx="minor">
-            <a:schemeClr val="tx1"/>
-          </a:fontRef>
-        </p:style>
-      </p:cxnSp>
-    </p:spTree>
-    <p:extLst>
-      <p:ext uri="{BB962C8B-B14F-4D97-AF65-F5344CB8AC3E}">
-        <p14:creationId xmlns:p14="http://schemas.microsoft.com/office/powerpoint/2010/main" val="3218935020"/>
-      </p:ext>
-    </p:extLst>
-  </p:cSld>
-  <p:clrMapOvr>
-    <a:masterClrMapping/>
-  </p:clrMapOvr>
-</p:sld>
-</file>
-
-<file path=ppt/slides/slide4.xml><?xml version="1.0" encoding="utf-8"?>
-<p:sld xmlns:a="http://schemas.openxmlformats.org/drawingml/2006/main" xmlns:r="http://schemas.openxmlformats.org/officeDocument/2006/relationships" xmlns:p="http://schemas.openxmlformats.org/presentationml/2006/main">
-  <p:cSld>
-    <p:bg>
-      <p:bgPr>
-        <a:blipFill rotWithShape="1">
-          <a:blip r:embed="rId2">
-            <a:duotone>
-              <a:schemeClr val="bg2">
-                <a:shade val="28000"/>
-                <a:satMod val="94000"/>
-                <a:lumMod val="20000"/>
-              </a:schemeClr>
-              <a:schemeClr val="bg2">
-                <a:tint val="94000"/>
-                <a:shade val="84000"/>
-                <a:satMod val="148000"/>
-                <a:lumMod val="114000"/>
-              </a:schemeClr>
-            </a:duotone>
-            <a:extLst>
-              <a:ext uri="{BEBA8EAE-BF5A-486C-A8C5-ECC9F3942E4B}">
-                <a14:imgProps xmlns:a14="http://schemas.microsoft.com/office/drawing/2010/main">
-                  <a14:imgLayer r:embed="rId3">
-                    <a14:imgEffect>
-                      <a14:brightnessContrast bright="-42000"/>
-                    </a14:imgEffect>
-                  </a14:imgLayer>
-                </a14:imgProps>
-              </a:ext>
-            </a:extLst>
-          </a:blip>
-          <a:stretch/>
-        </a:blipFill>
-        <a:effectLst/>
-      </p:bgPr>
-    </p:bg>
-    <p:spTree>
-      <p:nvGrpSpPr>
-        <p:cNvPr id="1" name=""/>
-        <p:cNvGrpSpPr/>
-        <p:nvPr/>
-      </p:nvGrpSpPr>
-      <p:grpSpPr>
-        <a:xfrm>
-          <a:off x="0" y="0"/>
-          <a:ext cx="0" cy="0"/>
-          <a:chOff x="0" y="0"/>
-          <a:chExt cx="0" cy="0"/>
-        </a:xfrm>
-      </p:grpSpPr>
-      <p:sp>
-        <p:nvSpPr>
-          <p:cNvPr id="2" name="Titolo 1">
-            <a:extLst>
-              <a:ext uri="{FF2B5EF4-FFF2-40B4-BE49-F238E27FC236}">
-                <a16:creationId xmlns:a16="http://schemas.microsoft.com/office/drawing/2014/main" id="{373FE621-EF18-4E57-88EA-FD8C33792183}"/>
-              </a:ext>
-            </a:extLst>
-          </p:cNvPr>
-          <p:cNvSpPr>
-            <a:spLocks noGrp="1"/>
-          </p:cNvSpPr>
-          <p:nvPr>
-            <p:ph type="ctrTitle"/>
-          </p:nvPr>
-        </p:nvSpPr>
-        <p:spPr>
-          <a:xfrm>
-            <a:off x="1751012" y="609601"/>
-            <a:ext cx="5624700" cy="1339339"/>
-          </a:xfrm>
-        </p:spPr>
-        <p:txBody>
-          <a:bodyPr/>
-          <a:lstStyle/>
-          <a:p>
-            <a:r>
-              <a:rPr lang="it-IT" dirty="0"/>
-              <a:t>Alerts</a:t>
-            </a:r>
-          </a:p>
-        </p:txBody>
-      </p:sp>
-      <p:sp>
-        <p:nvSpPr>
-          <p:cNvPr id="4" name="Ovale 3">
-            <a:extLst>
-              <a:ext uri="{FF2B5EF4-FFF2-40B4-BE49-F238E27FC236}">
-                <a16:creationId xmlns:a16="http://schemas.microsoft.com/office/drawing/2014/main" id="{2A9077DA-3B14-4E6F-9731-BAC3AFB24766}"/>
-              </a:ext>
-            </a:extLst>
-          </p:cNvPr>
-          <p:cNvSpPr/>
-          <p:nvPr/>
-        </p:nvSpPr>
-        <p:spPr>
-          <a:xfrm>
-            <a:off x="8058149" y="2128063"/>
-            <a:ext cx="2714625" cy="2739213"/>
-          </a:xfrm>
-          <a:prstGeom prst="ellipse">
-            <a:avLst/>
-          </a:prstGeom>
-          <a:noFill/>
-          <a:ln w="34925">
-            <a:solidFill>
-              <a:srgbClr val="2DDCFF"/>
-            </a:solidFill>
-          </a:ln>
-        </p:spPr>
-        <p:style>
-          <a:lnRef idx="2">
-            <a:schemeClr val="accent1">
-              <a:shade val="50000"/>
-            </a:schemeClr>
-          </a:lnRef>
-          <a:fillRef idx="1">
-            <a:schemeClr val="accent1"/>
-          </a:fillRef>
-          <a:effectRef idx="0">
-            <a:schemeClr val="accent1"/>
-          </a:effectRef>
-          <a:fontRef idx="minor">
-            <a:schemeClr val="lt1"/>
-          </a:fontRef>
-        </p:style>
-        <p:txBody>
-          <a:bodyPr rtlCol="0" anchor="ctr"/>
-          <a:lstStyle/>
-          <a:p>
-            <a:pPr algn="ctr"/>
-            <a:endParaRPr lang="it-IT"/>
-          </a:p>
-        </p:txBody>
-      </p:sp>
-      <p:sp>
-        <p:nvSpPr>
-          <p:cNvPr id="6" name="Ovale 5">
-            <a:extLst>
-              <a:ext uri="{FF2B5EF4-FFF2-40B4-BE49-F238E27FC236}">
-                <a16:creationId xmlns:a16="http://schemas.microsoft.com/office/drawing/2014/main" id="{B52F08B3-8092-4831-86FC-3F13AA622B07}"/>
-              </a:ext>
-            </a:extLst>
-          </p:cNvPr>
-          <p:cNvSpPr/>
-          <p:nvPr/>
-        </p:nvSpPr>
-        <p:spPr>
-          <a:xfrm>
-            <a:off x="8105773" y="2176118"/>
-            <a:ext cx="2619376" cy="2643101"/>
-          </a:xfrm>
-          <a:prstGeom prst="ellipse">
-            <a:avLst/>
-          </a:prstGeom>
-          <a:noFill/>
-          <a:ln w="34925">
-            <a:solidFill>
-              <a:srgbClr val="FFFF00"/>
-            </a:solidFill>
-          </a:ln>
-        </p:spPr>
-        <p:style>
-          <a:lnRef idx="2">
-            <a:schemeClr val="accent1">
-              <a:shade val="50000"/>
-            </a:schemeClr>
-          </a:lnRef>
-          <a:fillRef idx="1">
-            <a:schemeClr val="accent1"/>
-          </a:fillRef>
-          <a:effectRef idx="0">
-            <a:schemeClr val="accent1"/>
-          </a:effectRef>
-          <a:fontRef idx="minor">
-            <a:schemeClr val="lt1"/>
-          </a:fontRef>
-        </p:style>
-        <p:txBody>
-          <a:bodyPr rtlCol="0" anchor="ctr"/>
-          <a:lstStyle/>
-          <a:p>
-            <a:pPr algn="ctr"/>
-            <a:endParaRPr lang="it-IT"/>
-          </a:p>
-        </p:txBody>
-      </p:sp>
-      <p:sp>
-        <p:nvSpPr>
-          <p:cNvPr id="9" name="Ovale 8">
-            <a:extLst>
-              <a:ext uri="{FF2B5EF4-FFF2-40B4-BE49-F238E27FC236}">
-                <a16:creationId xmlns:a16="http://schemas.microsoft.com/office/drawing/2014/main" id="{0AF16896-4642-44A4-8720-6425D9DD6D49}"/>
-              </a:ext>
-            </a:extLst>
-          </p:cNvPr>
-          <p:cNvSpPr/>
-          <p:nvPr/>
-        </p:nvSpPr>
-        <p:spPr>
-          <a:xfrm>
-            <a:off x="8253411" y="2324099"/>
-            <a:ext cx="2330614" cy="2351724"/>
-          </a:xfrm>
-          <a:prstGeom prst="ellipse">
-            <a:avLst/>
-          </a:prstGeom>
-          <a:noFill/>
-          <a:ln w="190500">
-            <a:solidFill>
-              <a:srgbClr val="FF0000"/>
-            </a:solidFill>
-          </a:ln>
-        </p:spPr>
-        <p:style>
-          <a:lnRef idx="2">
-            <a:schemeClr val="accent1">
-              <a:shade val="50000"/>
-            </a:schemeClr>
-          </a:lnRef>
-          <a:fillRef idx="1">
-            <a:schemeClr val="accent1"/>
-          </a:fillRef>
-          <a:effectRef idx="0">
-            <a:schemeClr val="accent1"/>
-          </a:effectRef>
-          <a:fontRef idx="minor">
-            <a:schemeClr val="lt1"/>
-          </a:fontRef>
-        </p:style>
-        <p:txBody>
-          <a:bodyPr rtlCol="0" anchor="ctr"/>
-          <a:lstStyle/>
-          <a:p>
-            <a:pPr algn="ctr"/>
-            <a:endParaRPr lang="it-IT"/>
-          </a:p>
-        </p:txBody>
-      </p:sp>
-      <p:sp>
-        <p:nvSpPr>
-          <p:cNvPr id="5" name="Ovale 4">
-            <a:extLst>
-              <a:ext uri="{FF2B5EF4-FFF2-40B4-BE49-F238E27FC236}">
-                <a16:creationId xmlns:a16="http://schemas.microsoft.com/office/drawing/2014/main" id="{41AA144A-385A-488C-8EF2-F4A80AD86F3F}"/>
-              </a:ext>
-            </a:extLst>
-          </p:cNvPr>
-          <p:cNvSpPr/>
-          <p:nvPr/>
-        </p:nvSpPr>
-        <p:spPr>
-          <a:xfrm>
-            <a:off x="8892534" y="2629736"/>
-            <a:ext cx="665284" cy="647422"/>
-          </a:xfrm>
-          <a:prstGeom prst="ellipse">
-            <a:avLst/>
-          </a:prstGeom>
-        </p:spPr>
-        <p:style>
-          <a:lnRef idx="2">
-            <a:schemeClr val="accent6">
-              <a:shade val="50000"/>
-            </a:schemeClr>
-          </a:lnRef>
-          <a:fillRef idx="1">
-            <a:schemeClr val="accent6"/>
-          </a:fillRef>
-          <a:effectRef idx="0">
-            <a:schemeClr val="accent6"/>
-          </a:effectRef>
-          <a:fontRef idx="minor">
-            <a:schemeClr val="lt1"/>
-          </a:fontRef>
-        </p:style>
-        <p:txBody>
-          <a:bodyPr rtlCol="0" anchor="ctr"/>
-          <a:lstStyle/>
-          <a:p>
-            <a:pPr algn="ctr"/>
-            <a:endParaRPr lang="it-IT"/>
-          </a:p>
-        </p:txBody>
-      </p:sp>
-      <p:sp>
-        <p:nvSpPr>
-          <p:cNvPr id="11" name="Ovale 10">
-            <a:extLst>
-              <a:ext uri="{FF2B5EF4-FFF2-40B4-BE49-F238E27FC236}">
-                <a16:creationId xmlns:a16="http://schemas.microsoft.com/office/drawing/2014/main" id="{491878E1-892F-4461-9F39-E3438B23E0E8}"/>
-              </a:ext>
-            </a:extLst>
-          </p:cNvPr>
-          <p:cNvSpPr/>
-          <p:nvPr/>
-        </p:nvSpPr>
-        <p:spPr>
-          <a:xfrm>
-            <a:off x="9751036" y="3173957"/>
-            <a:ext cx="665284" cy="647422"/>
-          </a:xfrm>
-          <a:prstGeom prst="ellipse">
-            <a:avLst/>
-          </a:prstGeom>
-        </p:spPr>
-        <p:style>
-          <a:lnRef idx="2">
-            <a:schemeClr val="accent2">
-              <a:shade val="50000"/>
-            </a:schemeClr>
-          </a:lnRef>
-          <a:fillRef idx="1">
-            <a:schemeClr val="accent2"/>
-          </a:fillRef>
-          <a:effectRef idx="0">
-            <a:schemeClr val="accent2"/>
-          </a:effectRef>
-          <a:fontRef idx="minor">
-            <a:schemeClr val="lt1"/>
-          </a:fontRef>
-        </p:style>
-        <p:txBody>
-          <a:bodyPr rtlCol="0" anchor="ctr"/>
-          <a:lstStyle/>
-          <a:p>
-            <a:pPr algn="ctr"/>
-            <a:endParaRPr lang="it-IT"/>
-          </a:p>
-        </p:txBody>
-      </p:sp>
-      <p:sp>
-        <p:nvSpPr>
-          <p:cNvPr id="12" name="Ovale 11">
-            <a:extLst>
-              <a:ext uri="{FF2B5EF4-FFF2-40B4-BE49-F238E27FC236}">
-                <a16:creationId xmlns:a16="http://schemas.microsoft.com/office/drawing/2014/main" id="{B816F1EA-A6EB-4AD6-B929-729B0365D4F2}"/>
-              </a:ext>
-            </a:extLst>
-          </p:cNvPr>
-          <p:cNvSpPr/>
-          <p:nvPr/>
-        </p:nvSpPr>
-        <p:spPr>
-          <a:xfrm>
-            <a:off x="8692638" y="3524111"/>
-            <a:ext cx="917663" cy="893025"/>
-          </a:xfrm>
-          <a:prstGeom prst="ellipse">
-            <a:avLst/>
-          </a:prstGeom>
-        </p:spPr>
-        <p:style>
-          <a:lnRef idx="2">
-            <a:schemeClr val="accent3">
-              <a:shade val="50000"/>
-            </a:schemeClr>
-          </a:lnRef>
-          <a:fillRef idx="1">
-            <a:schemeClr val="accent3"/>
-          </a:fillRef>
-          <a:effectRef idx="0">
-            <a:schemeClr val="accent3"/>
-          </a:effectRef>
-          <a:fontRef idx="minor">
-            <a:schemeClr val="lt1"/>
-          </a:fontRef>
-        </p:style>
-        <p:txBody>
-          <a:bodyPr rtlCol="0" anchor="ctr"/>
-          <a:lstStyle/>
-          <a:p>
-            <a:pPr algn="ctr"/>
-            <a:endParaRPr lang="it-IT"/>
-          </a:p>
-        </p:txBody>
-      </p:sp>
-      <p:sp>
-        <p:nvSpPr>
-          <p:cNvPr id="10" name="CasellaDiTesto 9">
-            <a:extLst>
-              <a:ext uri="{FF2B5EF4-FFF2-40B4-BE49-F238E27FC236}">
-                <a16:creationId xmlns:a16="http://schemas.microsoft.com/office/drawing/2014/main" id="{58DB6A15-7FB0-4736-A7A3-193A59D1F951}"/>
-              </a:ext>
-            </a:extLst>
-          </p:cNvPr>
-          <p:cNvSpPr txBox="1"/>
-          <p:nvPr/>
-        </p:nvSpPr>
-        <p:spPr>
-          <a:xfrm>
-            <a:off x="3488293" y="2260404"/>
-            <a:ext cx="2055371" cy="369332"/>
-          </a:xfrm>
-          <a:prstGeom prst="rect">
-            <a:avLst/>
-          </a:prstGeom>
-          <a:noFill/>
-          <a:ln>
-            <a:noFill/>
-          </a:ln>
-        </p:spPr>
-        <p:style>
-          <a:lnRef idx="2">
-            <a:schemeClr val="accent1">
-              <a:shade val="50000"/>
-            </a:schemeClr>
-          </a:lnRef>
-          <a:fillRef idx="1">
-            <a:schemeClr val="accent1"/>
-          </a:fillRef>
-          <a:effectRef idx="0">
-            <a:schemeClr val="accent1"/>
-          </a:effectRef>
-          <a:fontRef idx="minor">
-            <a:schemeClr val="lt1"/>
-          </a:fontRef>
-        </p:style>
-        <p:txBody>
-          <a:bodyPr wrap="square" rtlCol="0">
-            <a:spAutoFit/>
-          </a:bodyPr>
-          <a:lstStyle/>
-          <a:p>
-            <a:pPr algn="ctr"/>
-            <a:r>
-              <a:rPr lang="it-IT" dirty="0" err="1">
-                <a:solidFill>
-                  <a:srgbClr val="2DDCFF"/>
-                </a:solidFill>
-              </a:rPr>
-              <a:t>Ice</a:t>
-            </a:r>
-            <a:r>
-              <a:rPr lang="it-IT" dirty="0">
-                <a:solidFill>
-                  <a:srgbClr val="2DDCFF"/>
-                </a:solidFill>
-              </a:rPr>
-              <a:t> </a:t>
-            </a:r>
-            <a:r>
-              <a:rPr lang="it-IT" dirty="0" err="1">
-                <a:solidFill>
-                  <a:srgbClr val="2DDCFF"/>
-                </a:solidFill>
-              </a:rPr>
-              <a:t>alerts</a:t>
-            </a:r>
-            <a:endParaRPr lang="it-IT" dirty="0">
-              <a:solidFill>
-                <a:srgbClr val="2DDCFF"/>
-              </a:solidFill>
-            </a:endParaRPr>
-          </a:p>
-        </p:txBody>
-      </p:sp>
-      <p:sp>
-        <p:nvSpPr>
-          <p:cNvPr id="16" name="CasellaDiTesto 15">
-            <a:extLst>
-              <a:ext uri="{FF2B5EF4-FFF2-40B4-BE49-F238E27FC236}">
-                <a16:creationId xmlns:a16="http://schemas.microsoft.com/office/drawing/2014/main" id="{A9700350-1337-4E6F-BC5E-CE4DEC5D13AE}"/>
-              </a:ext>
-            </a:extLst>
-          </p:cNvPr>
-          <p:cNvSpPr txBox="1"/>
-          <p:nvPr/>
-        </p:nvSpPr>
-        <p:spPr>
-          <a:xfrm>
-            <a:off x="3488292" y="2716242"/>
-            <a:ext cx="2055371" cy="369332"/>
-          </a:xfrm>
-          <a:prstGeom prst="rect">
-            <a:avLst/>
-          </a:prstGeom>
-          <a:noFill/>
-          <a:ln>
-            <a:noFill/>
-          </a:ln>
-        </p:spPr>
-        <p:style>
-          <a:lnRef idx="2">
-            <a:schemeClr val="accent1">
-              <a:shade val="50000"/>
-            </a:schemeClr>
-          </a:lnRef>
-          <a:fillRef idx="1">
-            <a:schemeClr val="accent1"/>
-          </a:fillRef>
-          <a:effectRef idx="0">
-            <a:schemeClr val="accent1"/>
-          </a:effectRef>
-          <a:fontRef idx="minor">
-            <a:schemeClr val="lt1"/>
-          </a:fontRef>
-        </p:style>
-        <p:txBody>
-          <a:bodyPr wrap="square" rtlCol="0">
-            <a:spAutoFit/>
-          </a:bodyPr>
-          <a:lstStyle/>
-          <a:p>
-            <a:pPr algn="ctr"/>
-            <a:r>
-              <a:rPr lang="it-IT" dirty="0" err="1">
-                <a:solidFill>
-                  <a:srgbClr val="FFFF00"/>
-                </a:solidFill>
-              </a:rPr>
-              <a:t>Primary</a:t>
-            </a:r>
-            <a:r>
-              <a:rPr lang="it-IT" dirty="0">
-                <a:solidFill>
-                  <a:srgbClr val="FFFF00"/>
-                </a:solidFill>
-              </a:rPr>
-              <a:t> </a:t>
-            </a:r>
-            <a:r>
-              <a:rPr lang="it-IT" dirty="0" err="1">
-                <a:solidFill>
-                  <a:srgbClr val="FFFF00"/>
-                </a:solidFill>
-              </a:rPr>
-              <a:t>alerts</a:t>
-            </a:r>
-            <a:endParaRPr lang="it-IT" dirty="0">
-              <a:solidFill>
-                <a:srgbClr val="FFFF00"/>
-              </a:solidFill>
-            </a:endParaRPr>
-          </a:p>
-        </p:txBody>
-      </p:sp>
-      <p:sp>
-        <p:nvSpPr>
-          <p:cNvPr id="18" name="CasellaDiTesto 17">
-            <a:extLst>
-              <a:ext uri="{FF2B5EF4-FFF2-40B4-BE49-F238E27FC236}">
-                <a16:creationId xmlns:a16="http://schemas.microsoft.com/office/drawing/2014/main" id="{89DC49A1-3B65-48D2-8CA0-20E0A122BDB5}"/>
-              </a:ext>
-            </a:extLst>
-          </p:cNvPr>
-          <p:cNvSpPr txBox="1"/>
-          <p:nvPr/>
-        </p:nvSpPr>
-        <p:spPr>
-          <a:xfrm>
-            <a:off x="3488293" y="3200059"/>
-            <a:ext cx="2055371" cy="369332"/>
-          </a:xfrm>
-          <a:prstGeom prst="rect">
-            <a:avLst/>
-          </a:prstGeom>
-          <a:noFill/>
-          <a:ln>
-            <a:noFill/>
-          </a:ln>
-        </p:spPr>
-        <p:style>
-          <a:lnRef idx="2">
-            <a:schemeClr val="accent1">
-              <a:shade val="50000"/>
-            </a:schemeClr>
-          </a:lnRef>
-          <a:fillRef idx="1">
-            <a:schemeClr val="accent1"/>
-          </a:fillRef>
-          <a:effectRef idx="0">
-            <a:schemeClr val="accent1"/>
-          </a:effectRef>
-          <a:fontRef idx="minor">
-            <a:schemeClr val="lt1"/>
-          </a:fontRef>
-        </p:style>
-        <p:txBody>
-          <a:bodyPr wrap="none" rtlCol="0">
-            <a:spAutoFit/>
-          </a:bodyPr>
-          <a:lstStyle/>
-          <a:p>
-            <a:pPr algn="ctr"/>
-            <a:r>
-              <a:rPr lang="it-IT" dirty="0" err="1">
-                <a:solidFill>
-                  <a:srgbClr val="FF0000"/>
-                </a:solidFill>
-              </a:rPr>
-              <a:t>Secondary</a:t>
-            </a:r>
-            <a:r>
-              <a:rPr lang="it-IT" dirty="0">
-                <a:solidFill>
-                  <a:srgbClr val="FF0000"/>
-                </a:solidFill>
-              </a:rPr>
-              <a:t> </a:t>
-            </a:r>
-            <a:r>
-              <a:rPr lang="it-IT" dirty="0" err="1">
-                <a:solidFill>
-                  <a:srgbClr val="FF0000"/>
-                </a:solidFill>
-              </a:rPr>
-              <a:t>alerts</a:t>
-            </a:r>
-            <a:endParaRPr lang="it-IT" dirty="0">
-              <a:solidFill>
-                <a:srgbClr val="FF0000"/>
-              </a:solidFill>
-            </a:endParaRPr>
-          </a:p>
-        </p:txBody>
-      </p:sp>
-      <p:cxnSp>
-        <p:nvCxnSpPr>
-          <p:cNvPr id="19" name="Connettore a gomito 18">
-            <a:extLst>
-              <a:ext uri="{FF2B5EF4-FFF2-40B4-BE49-F238E27FC236}">
-                <a16:creationId xmlns:a16="http://schemas.microsoft.com/office/drawing/2014/main" id="{42ABB7C6-60AC-4287-BF6F-A799A2DE27D6}"/>
-              </a:ext>
-            </a:extLst>
-          </p:cNvPr>
-          <p:cNvCxnSpPr>
-            <a:cxnSpLocks/>
-            <a:stCxn id="10" idx="3"/>
-            <a:endCxn id="4" idx="1"/>
-          </p:cNvCxnSpPr>
-          <p:nvPr/>
-        </p:nvCxnSpPr>
-        <p:spPr>
-          <a:xfrm>
-            <a:off x="5543664" y="2445070"/>
-            <a:ext cx="2912033" cy="84141"/>
-          </a:xfrm>
-          <a:prstGeom prst="bentConnector4">
-            <a:avLst>
-              <a:gd name="adj1" fmla="val 43174"/>
-              <a:gd name="adj2" fmla="val 9951"/>
-            </a:avLst>
-          </a:prstGeom>
-          <a:ln w="25400">
-            <a:solidFill>
-              <a:srgbClr val="2DDCFF"/>
-            </a:solidFill>
-            <a:prstDash val="sysDash"/>
-            <a:headEnd type="oval"/>
-            <a:tailEnd type="none"/>
-          </a:ln>
-        </p:spPr>
-        <p:style>
-          <a:lnRef idx="1">
-            <a:schemeClr val="accent1"/>
-          </a:lnRef>
-          <a:fillRef idx="0">
-            <a:schemeClr val="accent1"/>
-          </a:fillRef>
-          <a:effectRef idx="0">
-            <a:schemeClr val="accent1"/>
-          </a:effectRef>
-          <a:fontRef idx="minor">
-            <a:schemeClr val="tx1"/>
-          </a:fontRef>
-        </p:style>
-      </p:cxnSp>
-      <p:cxnSp>
-        <p:nvCxnSpPr>
-          <p:cNvPr id="22" name="Connettore a gomito 21">
-            <a:extLst>
-              <a:ext uri="{FF2B5EF4-FFF2-40B4-BE49-F238E27FC236}">
-                <a16:creationId xmlns:a16="http://schemas.microsoft.com/office/drawing/2014/main" id="{9952BEBF-A17E-4515-9933-F62B3089B4F4}"/>
-              </a:ext>
-            </a:extLst>
-          </p:cNvPr>
-          <p:cNvCxnSpPr>
-            <a:cxnSpLocks/>
-            <a:endCxn id="6" idx="2"/>
-          </p:cNvCxnSpPr>
-          <p:nvPr/>
-        </p:nvCxnSpPr>
-        <p:spPr>
-          <a:xfrm>
-            <a:off x="5543663" y="2907583"/>
-            <a:ext cx="2562110" cy="590086"/>
-          </a:xfrm>
-          <a:prstGeom prst="bentConnector3">
-            <a:avLst>
-              <a:gd name="adj1" fmla="val 86210"/>
-            </a:avLst>
-          </a:prstGeom>
-          <a:ln w="25400">
-            <a:solidFill>
-              <a:srgbClr val="FFFF00"/>
-            </a:solidFill>
-            <a:prstDash val="sysDash"/>
-            <a:headEnd type="oval"/>
-            <a:tailEnd type="none"/>
-          </a:ln>
-        </p:spPr>
-        <p:style>
-          <a:lnRef idx="1">
-            <a:schemeClr val="accent1"/>
-          </a:lnRef>
-          <a:fillRef idx="0">
-            <a:schemeClr val="accent1"/>
-          </a:fillRef>
-          <a:effectRef idx="0">
-            <a:schemeClr val="accent1"/>
-          </a:effectRef>
-          <a:fontRef idx="minor">
-            <a:schemeClr val="tx1"/>
-          </a:fontRef>
-        </p:style>
-      </p:cxnSp>
-      <p:cxnSp>
-        <p:nvCxnSpPr>
-          <p:cNvPr id="24" name="Connettore a gomito 23">
-            <a:extLst>
-              <a:ext uri="{FF2B5EF4-FFF2-40B4-BE49-F238E27FC236}">
-                <a16:creationId xmlns:a16="http://schemas.microsoft.com/office/drawing/2014/main" id="{C56688E9-D16F-4A69-957A-6113A8BBFF96}"/>
-              </a:ext>
-            </a:extLst>
-          </p:cNvPr>
-          <p:cNvCxnSpPr>
-            <a:cxnSpLocks/>
-            <a:stCxn id="18" idx="3"/>
-            <a:endCxn id="9" idx="3"/>
-          </p:cNvCxnSpPr>
-          <p:nvPr/>
-        </p:nvCxnSpPr>
-        <p:spPr>
-          <a:xfrm>
-            <a:off x="5543664" y="3384725"/>
-            <a:ext cx="3051058" cy="946696"/>
-          </a:xfrm>
-          <a:prstGeom prst="bentConnector4">
-            <a:avLst>
-              <a:gd name="adj1" fmla="val 44407"/>
-              <a:gd name="adj2" fmla="val 96651"/>
-            </a:avLst>
-          </a:prstGeom>
-          <a:ln w="25400">
-            <a:solidFill>
-              <a:srgbClr val="FF0000"/>
-            </a:solidFill>
-            <a:prstDash val="sysDash"/>
-            <a:headEnd type="oval"/>
-            <a:tailEnd type="none"/>
-          </a:ln>
-        </p:spPr>
-        <p:style>
-          <a:lnRef idx="1">
-            <a:schemeClr val="accent1"/>
-          </a:lnRef>
-          <a:fillRef idx="0">
-            <a:schemeClr val="accent1"/>
-          </a:fillRef>
-          <a:effectRef idx="0">
-            <a:schemeClr val="accent1"/>
-          </a:effectRef>
-          <a:fontRef idx="minor">
-            <a:schemeClr val="tx1"/>
-          </a:fontRef>
-        </p:style>
-      </p:cxnSp>
-    </p:spTree>
-    <p:extLst>
-      <p:ext uri="{BB962C8B-B14F-4D97-AF65-F5344CB8AC3E}">
-        <p14:creationId xmlns:p14="http://schemas.microsoft.com/office/powerpoint/2010/main" val="680264624"/>
-      </p:ext>
-    </p:extLst>
-  </p:cSld>
-  <p:clrMapOvr>
-    <a:masterClrMapping/>
-  </p:clrMapOvr>
-</p:sld>
-</file>
-
-<file path=ppt/slides/slide5.xml><?xml version="1.0" encoding="utf-8"?>
+<file path=ppt/slides/slide10.xml><?xml version="1.0" encoding="utf-8"?>
 <p:sld xmlns:a="http://schemas.openxmlformats.org/drawingml/2006/main" xmlns:r="http://schemas.openxmlformats.org/officeDocument/2006/relationships" xmlns:p="http://schemas.openxmlformats.org/presentationml/2006/main">
   <p:cSld>
     <p:bg>
@@ -9032,7 +6502,7 @@
 </p:sld>
 </file>
 
-<file path=ppt/slides/slide6.xml><?xml version="1.0" encoding="utf-8"?>
+<file path=ppt/slides/slide11.xml><?xml version="1.0" encoding="utf-8"?>
 <p:sld xmlns:a="http://schemas.openxmlformats.org/drawingml/2006/main" xmlns:r="http://schemas.openxmlformats.org/officeDocument/2006/relationships" xmlns:p="http://schemas.openxmlformats.org/presentationml/2006/main">
   <p:cSld>
     <p:spTree>
@@ -9137,6 +6607,3449 @@
     <p:extLst>
       <p:ext uri="{BB962C8B-B14F-4D97-AF65-F5344CB8AC3E}">
         <p14:creationId xmlns:p14="http://schemas.microsoft.com/office/powerpoint/2010/main" val="1125894704"/>
+      </p:ext>
+    </p:extLst>
+  </p:cSld>
+  <p:clrMapOvr>
+    <a:masterClrMapping/>
+  </p:clrMapOvr>
+</p:sld>
+</file>
+
+<file path=ppt/slides/slide2.xml><?xml version="1.0" encoding="utf-8"?>
+<p:sld xmlns:a="http://schemas.openxmlformats.org/drawingml/2006/main" xmlns:r="http://schemas.openxmlformats.org/officeDocument/2006/relationships" xmlns:p="http://schemas.openxmlformats.org/presentationml/2006/main">
+  <p:cSld>
+    <p:bg>
+      <p:bgPr>
+        <a:blipFill rotWithShape="1">
+          <a:blip r:embed="rId2">
+            <a:duotone>
+              <a:schemeClr val="bg2">
+                <a:shade val="28000"/>
+                <a:satMod val="94000"/>
+                <a:lumMod val="20000"/>
+              </a:schemeClr>
+              <a:schemeClr val="bg2">
+                <a:tint val="94000"/>
+                <a:shade val="84000"/>
+                <a:satMod val="148000"/>
+                <a:lumMod val="114000"/>
+              </a:schemeClr>
+            </a:duotone>
+            <a:extLst>
+              <a:ext uri="{BEBA8EAE-BF5A-486C-A8C5-ECC9F3942E4B}">
+                <a14:imgProps xmlns:a14="http://schemas.microsoft.com/office/drawing/2010/main">
+                  <a14:imgLayer r:embed="rId3">
+                    <a14:imgEffect>
+                      <a14:brightnessContrast bright="-42000"/>
+                    </a14:imgEffect>
+                  </a14:imgLayer>
+                </a14:imgProps>
+              </a:ext>
+            </a:extLst>
+          </a:blip>
+          <a:stretch/>
+        </a:blipFill>
+        <a:effectLst/>
+      </p:bgPr>
+    </p:bg>
+    <p:spTree>
+      <p:nvGrpSpPr>
+        <p:cNvPr id="1" name=""/>
+        <p:cNvGrpSpPr/>
+        <p:nvPr/>
+      </p:nvGrpSpPr>
+      <p:grpSpPr>
+        <a:xfrm>
+          <a:off x="0" y="0"/>
+          <a:ext cx="0" cy="0"/>
+          <a:chOff x="0" y="0"/>
+          <a:chExt cx="0" cy="0"/>
+        </a:xfrm>
+      </p:grpSpPr>
+      <p:pic>
+        <p:nvPicPr>
+          <p:cNvPr id="10" name="Immagine 9">
+            <a:extLst>
+              <a:ext uri="{FF2B5EF4-FFF2-40B4-BE49-F238E27FC236}">
+                <a16:creationId xmlns:a16="http://schemas.microsoft.com/office/drawing/2014/main" id="{9CAB1FF8-34BE-4F52-AEFA-32A783E68060}"/>
+              </a:ext>
+            </a:extLst>
+          </p:cNvPr>
+          <p:cNvPicPr>
+            <a:picLocks noChangeAspect="1"/>
+          </p:cNvPicPr>
+          <p:nvPr/>
+        </p:nvPicPr>
+        <p:blipFill>
+          <a:blip r:embed="rId4"/>
+          <a:stretch>
+            <a:fillRect/>
+          </a:stretch>
+        </p:blipFill>
+        <p:spPr>
+          <a:xfrm>
+            <a:off x="4495800" y="1894596"/>
+            <a:ext cx="3200401" cy="3200401"/>
+          </a:xfrm>
+          <a:prstGeom prst="rect">
+            <a:avLst/>
+          </a:prstGeom>
+        </p:spPr>
+      </p:pic>
+      <p:sp>
+        <p:nvSpPr>
+          <p:cNvPr id="2" name="Titolo 1">
+            <a:extLst>
+              <a:ext uri="{FF2B5EF4-FFF2-40B4-BE49-F238E27FC236}">
+                <a16:creationId xmlns:a16="http://schemas.microsoft.com/office/drawing/2014/main" id="{373FE621-EF18-4E57-88EA-FD8C33792183}"/>
+              </a:ext>
+            </a:extLst>
+          </p:cNvPr>
+          <p:cNvSpPr>
+            <a:spLocks noGrp="1"/>
+          </p:cNvSpPr>
+          <p:nvPr>
+            <p:ph type="ctrTitle"/>
+          </p:nvPr>
+        </p:nvSpPr>
+        <p:spPr>
+          <a:xfrm>
+            <a:off x="1751012" y="609601"/>
+            <a:ext cx="8574366" cy="1029762"/>
+          </a:xfrm>
+        </p:spPr>
+        <p:txBody>
+          <a:bodyPr>
+            <a:normAutofit/>
+          </a:bodyPr>
+          <a:lstStyle/>
+          <a:p>
+            <a:r>
+              <a:rPr lang="it-IT" dirty="0" err="1"/>
+              <a:t>Anatomy</a:t>
+            </a:r>
+            <a:endParaRPr lang="it-IT" dirty="0"/>
+          </a:p>
+        </p:txBody>
+      </p:sp>
+      <p:sp>
+        <p:nvSpPr>
+          <p:cNvPr id="48" name="CasellaDiTesto 47">
+            <a:extLst>
+              <a:ext uri="{FF2B5EF4-FFF2-40B4-BE49-F238E27FC236}">
+                <a16:creationId xmlns:a16="http://schemas.microsoft.com/office/drawing/2014/main" id="{FB017343-BE84-43A6-85A7-47EEF3967F96}"/>
+              </a:ext>
+            </a:extLst>
+          </p:cNvPr>
+          <p:cNvSpPr txBox="1"/>
+          <p:nvPr/>
+        </p:nvSpPr>
+        <p:spPr>
+          <a:xfrm>
+            <a:off x="8213307" y="2674879"/>
+            <a:ext cx="949299" cy="369332"/>
+          </a:xfrm>
+          <a:prstGeom prst="rect">
+            <a:avLst/>
+          </a:prstGeom>
+          <a:noFill/>
+        </p:spPr>
+        <p:txBody>
+          <a:bodyPr wrap="none" rtlCol="0">
+            <a:spAutoFit/>
+          </a:bodyPr>
+          <a:lstStyle/>
+          <a:p>
+            <a:r>
+              <a:rPr lang="it-IT" dirty="0"/>
+              <a:t>Datum</a:t>
+            </a:r>
+          </a:p>
+        </p:txBody>
+      </p:sp>
+      <p:cxnSp>
+        <p:nvCxnSpPr>
+          <p:cNvPr id="58" name="Connettore 2 57">
+            <a:extLst>
+              <a:ext uri="{FF2B5EF4-FFF2-40B4-BE49-F238E27FC236}">
+                <a16:creationId xmlns:a16="http://schemas.microsoft.com/office/drawing/2014/main" id="{216F2E8C-A307-4FE8-9ADF-8A43D09FF057}"/>
+              </a:ext>
+            </a:extLst>
+          </p:cNvPr>
+          <p:cNvCxnSpPr>
+            <a:cxnSpLocks/>
+            <a:stCxn id="48" idx="1"/>
+          </p:cNvCxnSpPr>
+          <p:nvPr/>
+        </p:nvCxnSpPr>
+        <p:spPr>
+          <a:xfrm flipH="1">
+            <a:off x="7098113" y="2859545"/>
+            <a:ext cx="1115194" cy="600707"/>
+          </a:xfrm>
+          <a:prstGeom prst="straightConnector1">
+            <a:avLst/>
+          </a:prstGeom>
+          <a:ln w="25400">
+            <a:solidFill>
+              <a:schemeClr val="tx1"/>
+            </a:solidFill>
+            <a:prstDash val="sysDash"/>
+            <a:tailEnd type="oval"/>
+          </a:ln>
+        </p:spPr>
+        <p:style>
+          <a:lnRef idx="1">
+            <a:schemeClr val="accent1"/>
+          </a:lnRef>
+          <a:fillRef idx="0">
+            <a:schemeClr val="accent1"/>
+          </a:fillRef>
+          <a:effectRef idx="0">
+            <a:schemeClr val="accent1"/>
+          </a:effectRef>
+          <a:fontRef idx="minor">
+            <a:schemeClr val="tx1"/>
+          </a:fontRef>
+        </p:style>
+      </p:cxnSp>
+      <p:sp>
+        <p:nvSpPr>
+          <p:cNvPr id="61" name="CasellaDiTesto 60">
+            <a:extLst>
+              <a:ext uri="{FF2B5EF4-FFF2-40B4-BE49-F238E27FC236}">
+                <a16:creationId xmlns:a16="http://schemas.microsoft.com/office/drawing/2014/main" id="{528D5303-A4D1-4050-A26F-7D91C32A6EF0}"/>
+              </a:ext>
+            </a:extLst>
+          </p:cNvPr>
+          <p:cNvSpPr txBox="1"/>
+          <p:nvPr/>
+        </p:nvSpPr>
+        <p:spPr>
+          <a:xfrm>
+            <a:off x="8213307" y="2068866"/>
+            <a:ext cx="2053767" cy="369332"/>
+          </a:xfrm>
+          <a:prstGeom prst="rect">
+            <a:avLst/>
+          </a:prstGeom>
+          <a:noFill/>
+        </p:spPr>
+        <p:txBody>
+          <a:bodyPr wrap="none" rtlCol="0">
+            <a:spAutoFit/>
+          </a:bodyPr>
+          <a:lstStyle/>
+          <a:p>
+            <a:r>
+              <a:rPr lang="it-IT" dirty="0" err="1"/>
+              <a:t>Current</a:t>
+            </a:r>
+            <a:r>
+              <a:rPr lang="it-IT" dirty="0"/>
+              <a:t> </a:t>
+            </a:r>
+            <a:r>
+              <a:rPr lang="it-IT" dirty="0" err="1"/>
+              <a:t>Weather</a:t>
+            </a:r>
+            <a:endParaRPr lang="it-IT" dirty="0"/>
+          </a:p>
+        </p:txBody>
+      </p:sp>
+      <p:cxnSp>
+        <p:nvCxnSpPr>
+          <p:cNvPr id="62" name="Connettore 2 61">
+            <a:extLst>
+              <a:ext uri="{FF2B5EF4-FFF2-40B4-BE49-F238E27FC236}">
+                <a16:creationId xmlns:a16="http://schemas.microsoft.com/office/drawing/2014/main" id="{AAB0BE7F-2D3F-476F-B2CD-CE7A52B1ABB0}"/>
+              </a:ext>
+            </a:extLst>
+          </p:cNvPr>
+          <p:cNvCxnSpPr>
+            <a:cxnSpLocks/>
+            <a:stCxn id="61" idx="1"/>
+          </p:cNvCxnSpPr>
+          <p:nvPr/>
+        </p:nvCxnSpPr>
+        <p:spPr>
+          <a:xfrm flipH="1">
+            <a:off x="6096001" y="2253532"/>
+            <a:ext cx="2117306" cy="565753"/>
+          </a:xfrm>
+          <a:prstGeom prst="straightConnector1">
+            <a:avLst/>
+          </a:prstGeom>
+          <a:ln w="25400">
+            <a:solidFill>
+              <a:schemeClr val="tx1"/>
+            </a:solidFill>
+            <a:prstDash val="sysDash"/>
+            <a:tailEnd type="oval"/>
+          </a:ln>
+        </p:spPr>
+        <p:style>
+          <a:lnRef idx="1">
+            <a:schemeClr val="accent1"/>
+          </a:lnRef>
+          <a:fillRef idx="0">
+            <a:schemeClr val="accent1"/>
+          </a:fillRef>
+          <a:effectRef idx="0">
+            <a:schemeClr val="accent1"/>
+          </a:effectRef>
+          <a:fontRef idx="minor">
+            <a:schemeClr val="tx1"/>
+          </a:fontRef>
+        </p:style>
+      </p:cxnSp>
+      <p:sp>
+        <p:nvSpPr>
+          <p:cNvPr id="68" name="CasellaDiTesto 67">
+            <a:extLst>
+              <a:ext uri="{FF2B5EF4-FFF2-40B4-BE49-F238E27FC236}">
+                <a16:creationId xmlns:a16="http://schemas.microsoft.com/office/drawing/2014/main" id="{2DB2745E-614F-414B-A368-56CF2C12A557}"/>
+              </a:ext>
+            </a:extLst>
+          </p:cNvPr>
+          <p:cNvSpPr txBox="1"/>
+          <p:nvPr/>
+        </p:nvSpPr>
+        <p:spPr>
+          <a:xfrm>
+            <a:off x="8213307" y="3886906"/>
+            <a:ext cx="1530680" cy="369332"/>
+          </a:xfrm>
+          <a:prstGeom prst="rect">
+            <a:avLst/>
+          </a:prstGeom>
+          <a:noFill/>
+        </p:spPr>
+        <p:txBody>
+          <a:bodyPr wrap="square" rtlCol="0">
+            <a:spAutoFit/>
+          </a:bodyPr>
+          <a:lstStyle/>
+          <a:p>
+            <a:r>
+              <a:rPr lang="it-IT" dirty="0"/>
+              <a:t>Fitness data</a:t>
+            </a:r>
+          </a:p>
+        </p:txBody>
+      </p:sp>
+      <p:cxnSp>
+        <p:nvCxnSpPr>
+          <p:cNvPr id="69" name="Connettore 2 68">
+            <a:extLst>
+              <a:ext uri="{FF2B5EF4-FFF2-40B4-BE49-F238E27FC236}">
+                <a16:creationId xmlns:a16="http://schemas.microsoft.com/office/drawing/2014/main" id="{182FA75B-9CB8-4CA3-BC81-65003744673F}"/>
+              </a:ext>
+            </a:extLst>
+          </p:cNvPr>
+          <p:cNvCxnSpPr>
+            <a:cxnSpLocks/>
+            <a:stCxn id="68" idx="1"/>
+          </p:cNvCxnSpPr>
+          <p:nvPr/>
+        </p:nvCxnSpPr>
+        <p:spPr>
+          <a:xfrm flipH="1" flipV="1">
+            <a:off x="6096001" y="4061684"/>
+            <a:ext cx="2117306" cy="9888"/>
+          </a:xfrm>
+          <a:prstGeom prst="straightConnector1">
+            <a:avLst/>
+          </a:prstGeom>
+          <a:ln w="25400">
+            <a:solidFill>
+              <a:schemeClr val="tx1"/>
+            </a:solidFill>
+            <a:prstDash val="sysDash"/>
+            <a:tailEnd type="oval"/>
+          </a:ln>
+        </p:spPr>
+        <p:style>
+          <a:lnRef idx="1">
+            <a:schemeClr val="accent1"/>
+          </a:lnRef>
+          <a:fillRef idx="0">
+            <a:schemeClr val="accent1"/>
+          </a:fillRef>
+          <a:effectRef idx="0">
+            <a:schemeClr val="accent1"/>
+          </a:effectRef>
+          <a:fontRef idx="minor">
+            <a:schemeClr val="tx1"/>
+          </a:fontRef>
+        </p:style>
+      </p:cxnSp>
+      <p:sp>
+        <p:nvSpPr>
+          <p:cNvPr id="75" name="CasellaDiTesto 74">
+            <a:extLst>
+              <a:ext uri="{FF2B5EF4-FFF2-40B4-BE49-F238E27FC236}">
+                <a16:creationId xmlns:a16="http://schemas.microsoft.com/office/drawing/2014/main" id="{3CC3F860-219C-4F81-994D-D2EB532A1AE0}"/>
+              </a:ext>
+            </a:extLst>
+          </p:cNvPr>
+          <p:cNvSpPr txBox="1"/>
+          <p:nvPr/>
+        </p:nvSpPr>
+        <p:spPr>
+          <a:xfrm>
+            <a:off x="2296530" y="4900219"/>
+            <a:ext cx="1563248" cy="369332"/>
+          </a:xfrm>
+          <a:prstGeom prst="rect">
+            <a:avLst/>
+          </a:prstGeom>
+          <a:noFill/>
+        </p:spPr>
+        <p:txBody>
+          <a:bodyPr wrap="none" rtlCol="0">
+            <a:spAutoFit/>
+          </a:bodyPr>
+          <a:lstStyle/>
+          <a:p>
+            <a:r>
+              <a:rPr lang="it-IT" dirty="0" err="1"/>
+              <a:t>Sunset</a:t>
+            </a:r>
+            <a:r>
+              <a:rPr lang="it-IT" dirty="0"/>
+              <a:t> hand</a:t>
+            </a:r>
+          </a:p>
+        </p:txBody>
+      </p:sp>
+      <p:cxnSp>
+        <p:nvCxnSpPr>
+          <p:cNvPr id="76" name="Connettore 2 75">
+            <a:extLst>
+              <a:ext uri="{FF2B5EF4-FFF2-40B4-BE49-F238E27FC236}">
+                <a16:creationId xmlns:a16="http://schemas.microsoft.com/office/drawing/2014/main" id="{589A5440-1E69-4595-A3BB-56B5E6CD8C47}"/>
+              </a:ext>
+            </a:extLst>
+          </p:cNvPr>
+          <p:cNvCxnSpPr>
+            <a:cxnSpLocks/>
+            <a:stCxn id="75" idx="3"/>
+          </p:cNvCxnSpPr>
+          <p:nvPr/>
+        </p:nvCxnSpPr>
+        <p:spPr>
+          <a:xfrm flipV="1">
+            <a:off x="3859778" y="5017848"/>
+            <a:ext cx="1666093" cy="67037"/>
+          </a:xfrm>
+          <a:prstGeom prst="straightConnector1">
+            <a:avLst/>
+          </a:prstGeom>
+          <a:ln w="25400">
+            <a:solidFill>
+              <a:schemeClr val="tx1"/>
+            </a:solidFill>
+            <a:prstDash val="sysDash"/>
+            <a:tailEnd type="oval"/>
+          </a:ln>
+        </p:spPr>
+        <p:style>
+          <a:lnRef idx="1">
+            <a:schemeClr val="accent1"/>
+          </a:lnRef>
+          <a:fillRef idx="0">
+            <a:schemeClr val="accent1"/>
+          </a:fillRef>
+          <a:effectRef idx="0">
+            <a:schemeClr val="accent1"/>
+          </a:effectRef>
+          <a:fontRef idx="minor">
+            <a:schemeClr val="tx1"/>
+          </a:fontRef>
+        </p:style>
+      </p:cxnSp>
+      <p:sp>
+        <p:nvSpPr>
+          <p:cNvPr id="77" name="CasellaDiTesto 76">
+            <a:extLst>
+              <a:ext uri="{FF2B5EF4-FFF2-40B4-BE49-F238E27FC236}">
+                <a16:creationId xmlns:a16="http://schemas.microsoft.com/office/drawing/2014/main" id="{3893C9A7-80B1-43FD-90BE-14F9B8DE926F}"/>
+              </a:ext>
+            </a:extLst>
+          </p:cNvPr>
+          <p:cNvSpPr txBox="1"/>
+          <p:nvPr/>
+        </p:nvSpPr>
+        <p:spPr>
+          <a:xfrm>
+            <a:off x="2259660" y="3366217"/>
+            <a:ext cx="1600118" cy="369332"/>
+          </a:xfrm>
+          <a:prstGeom prst="rect">
+            <a:avLst/>
+          </a:prstGeom>
+          <a:noFill/>
+        </p:spPr>
+        <p:txBody>
+          <a:bodyPr wrap="none" rtlCol="0">
+            <a:spAutoFit/>
+          </a:bodyPr>
+          <a:lstStyle/>
+          <a:p>
+            <a:r>
+              <a:rPr lang="it-IT" dirty="0"/>
+              <a:t>Sunrise hand</a:t>
+            </a:r>
+          </a:p>
+        </p:txBody>
+      </p:sp>
+      <p:cxnSp>
+        <p:nvCxnSpPr>
+          <p:cNvPr id="78" name="Connettore 2 77">
+            <a:extLst>
+              <a:ext uri="{FF2B5EF4-FFF2-40B4-BE49-F238E27FC236}">
+                <a16:creationId xmlns:a16="http://schemas.microsoft.com/office/drawing/2014/main" id="{E1256AB1-CA54-44B5-B393-3F6D4B6C35AC}"/>
+              </a:ext>
+            </a:extLst>
+          </p:cNvPr>
+          <p:cNvCxnSpPr>
+            <a:cxnSpLocks/>
+            <a:stCxn id="77" idx="3"/>
+          </p:cNvCxnSpPr>
+          <p:nvPr/>
+        </p:nvCxnSpPr>
+        <p:spPr>
+          <a:xfrm>
+            <a:off x="3859778" y="3550883"/>
+            <a:ext cx="1008251" cy="725739"/>
+          </a:xfrm>
+          <a:prstGeom prst="straightConnector1">
+            <a:avLst/>
+          </a:prstGeom>
+          <a:ln w="25400">
+            <a:solidFill>
+              <a:schemeClr val="tx1"/>
+            </a:solidFill>
+            <a:prstDash val="sysDash"/>
+            <a:tailEnd type="oval"/>
+          </a:ln>
+        </p:spPr>
+        <p:style>
+          <a:lnRef idx="1">
+            <a:schemeClr val="accent1"/>
+          </a:lnRef>
+          <a:fillRef idx="0">
+            <a:schemeClr val="accent1"/>
+          </a:fillRef>
+          <a:effectRef idx="0">
+            <a:schemeClr val="accent1"/>
+          </a:effectRef>
+          <a:fontRef idx="minor">
+            <a:schemeClr val="tx1"/>
+          </a:fontRef>
+        </p:style>
+      </p:cxnSp>
+      <p:sp>
+        <p:nvSpPr>
+          <p:cNvPr id="79" name="CasellaDiTesto 78">
+            <a:extLst>
+              <a:ext uri="{FF2B5EF4-FFF2-40B4-BE49-F238E27FC236}">
+                <a16:creationId xmlns:a16="http://schemas.microsoft.com/office/drawing/2014/main" id="{95B2AC82-8593-47B9-82BF-F7F29E99D792}"/>
+              </a:ext>
+            </a:extLst>
+          </p:cNvPr>
+          <p:cNvSpPr txBox="1"/>
+          <p:nvPr/>
+        </p:nvSpPr>
+        <p:spPr>
+          <a:xfrm>
+            <a:off x="8213307" y="3280892"/>
+            <a:ext cx="2326278" cy="369332"/>
+          </a:xfrm>
+          <a:prstGeom prst="rect">
+            <a:avLst/>
+          </a:prstGeom>
+          <a:noFill/>
+        </p:spPr>
+        <p:txBody>
+          <a:bodyPr wrap="none" rtlCol="0">
+            <a:spAutoFit/>
+          </a:bodyPr>
+          <a:lstStyle/>
+          <a:p>
+            <a:r>
+              <a:rPr lang="it-IT" dirty="0" err="1"/>
+              <a:t>Battery</a:t>
+            </a:r>
+            <a:r>
+              <a:rPr lang="it-IT" dirty="0"/>
+              <a:t> dead hand</a:t>
+            </a:r>
+          </a:p>
+        </p:txBody>
+      </p:sp>
+      <p:cxnSp>
+        <p:nvCxnSpPr>
+          <p:cNvPr id="80" name="Connettore 2 79">
+            <a:extLst>
+              <a:ext uri="{FF2B5EF4-FFF2-40B4-BE49-F238E27FC236}">
+                <a16:creationId xmlns:a16="http://schemas.microsoft.com/office/drawing/2014/main" id="{19A7256F-3D9F-4464-BE98-27228778ACA8}"/>
+              </a:ext>
+            </a:extLst>
+          </p:cNvPr>
+          <p:cNvCxnSpPr>
+            <a:cxnSpLocks/>
+            <a:stCxn id="79" idx="1"/>
+          </p:cNvCxnSpPr>
+          <p:nvPr/>
+        </p:nvCxnSpPr>
+        <p:spPr>
+          <a:xfrm flipH="1">
+            <a:off x="7696203" y="3465558"/>
+            <a:ext cx="517104" cy="447355"/>
+          </a:xfrm>
+          <a:prstGeom prst="straightConnector1">
+            <a:avLst/>
+          </a:prstGeom>
+          <a:ln w="25400">
+            <a:solidFill>
+              <a:schemeClr val="tx1"/>
+            </a:solidFill>
+            <a:prstDash val="sysDash"/>
+            <a:tailEnd type="oval"/>
+          </a:ln>
+        </p:spPr>
+        <p:style>
+          <a:lnRef idx="1">
+            <a:schemeClr val="accent1"/>
+          </a:lnRef>
+          <a:fillRef idx="0">
+            <a:schemeClr val="accent1"/>
+          </a:fillRef>
+          <a:effectRef idx="0">
+            <a:schemeClr val="accent1"/>
+          </a:effectRef>
+          <a:fontRef idx="minor">
+            <a:schemeClr val="tx1"/>
+          </a:fontRef>
+        </p:style>
+      </p:cxnSp>
+      <p:sp>
+        <p:nvSpPr>
+          <p:cNvPr id="87" name="CasellaDiTesto 86">
+            <a:extLst>
+              <a:ext uri="{FF2B5EF4-FFF2-40B4-BE49-F238E27FC236}">
+                <a16:creationId xmlns:a16="http://schemas.microsoft.com/office/drawing/2014/main" id="{E96058ED-615D-4A35-A2C8-2F37534BF644}"/>
+              </a:ext>
+            </a:extLst>
+          </p:cNvPr>
+          <p:cNvSpPr txBox="1"/>
+          <p:nvPr/>
+        </p:nvSpPr>
+        <p:spPr>
+          <a:xfrm>
+            <a:off x="2277294" y="2599217"/>
+            <a:ext cx="1582484" cy="369332"/>
+          </a:xfrm>
+          <a:prstGeom prst="rect">
+            <a:avLst/>
+          </a:prstGeom>
+          <a:noFill/>
+        </p:spPr>
+        <p:txBody>
+          <a:bodyPr wrap="none" rtlCol="0">
+            <a:spAutoFit/>
+          </a:bodyPr>
+          <a:lstStyle/>
+          <a:p>
+            <a:r>
+              <a:rPr lang="it-IT" dirty="0"/>
+              <a:t>Meteo </a:t>
+            </a:r>
+            <a:r>
+              <a:rPr lang="it-IT" dirty="0" err="1"/>
+              <a:t>alerts</a:t>
+            </a:r>
+            <a:endParaRPr lang="it-IT" dirty="0"/>
+          </a:p>
+        </p:txBody>
+      </p:sp>
+      <p:cxnSp>
+        <p:nvCxnSpPr>
+          <p:cNvPr id="88" name="Connettore 2 87">
+            <a:extLst>
+              <a:ext uri="{FF2B5EF4-FFF2-40B4-BE49-F238E27FC236}">
+                <a16:creationId xmlns:a16="http://schemas.microsoft.com/office/drawing/2014/main" id="{087B66DB-9CCE-4336-8E5B-96210D070480}"/>
+              </a:ext>
+            </a:extLst>
+          </p:cNvPr>
+          <p:cNvCxnSpPr>
+            <a:cxnSpLocks/>
+            <a:stCxn id="87" idx="3"/>
+          </p:cNvCxnSpPr>
+          <p:nvPr/>
+        </p:nvCxnSpPr>
+        <p:spPr>
+          <a:xfrm>
+            <a:off x="3859778" y="2783883"/>
+            <a:ext cx="849201" cy="0"/>
+          </a:xfrm>
+          <a:prstGeom prst="straightConnector1">
+            <a:avLst/>
+          </a:prstGeom>
+          <a:ln w="25400">
+            <a:solidFill>
+              <a:schemeClr val="tx1"/>
+            </a:solidFill>
+            <a:prstDash val="sysDash"/>
+            <a:tailEnd type="oval"/>
+          </a:ln>
+        </p:spPr>
+        <p:style>
+          <a:lnRef idx="1">
+            <a:schemeClr val="accent1"/>
+          </a:lnRef>
+          <a:fillRef idx="0">
+            <a:schemeClr val="accent1"/>
+          </a:fillRef>
+          <a:effectRef idx="0">
+            <a:schemeClr val="accent1"/>
+          </a:effectRef>
+          <a:fontRef idx="minor">
+            <a:schemeClr val="tx1"/>
+          </a:fontRef>
+        </p:style>
+      </p:cxnSp>
+      <p:sp>
+        <p:nvSpPr>
+          <p:cNvPr id="92" name="CasellaDiTesto 91">
+            <a:extLst>
+              <a:ext uri="{FF2B5EF4-FFF2-40B4-BE49-F238E27FC236}">
+                <a16:creationId xmlns:a16="http://schemas.microsoft.com/office/drawing/2014/main" id="{773AE9FC-270D-42CF-9EBD-03EAC47C8A34}"/>
+              </a:ext>
+            </a:extLst>
+          </p:cNvPr>
+          <p:cNvSpPr txBox="1"/>
+          <p:nvPr/>
+        </p:nvSpPr>
+        <p:spPr>
+          <a:xfrm>
+            <a:off x="1788377" y="1832217"/>
+            <a:ext cx="2071401" cy="369332"/>
+          </a:xfrm>
+          <a:prstGeom prst="rect">
+            <a:avLst/>
+          </a:prstGeom>
+          <a:noFill/>
+        </p:spPr>
+        <p:txBody>
+          <a:bodyPr wrap="none" rtlCol="0">
+            <a:spAutoFit/>
+          </a:bodyPr>
+          <a:lstStyle/>
+          <a:p>
+            <a:r>
+              <a:rPr lang="it-IT" dirty="0" err="1"/>
+              <a:t>Connetion</a:t>
+            </a:r>
+            <a:r>
+              <a:rPr lang="it-IT" dirty="0"/>
+              <a:t> status</a:t>
+            </a:r>
+          </a:p>
+        </p:txBody>
+      </p:sp>
+      <p:cxnSp>
+        <p:nvCxnSpPr>
+          <p:cNvPr id="93" name="Connettore 2 92">
+            <a:extLst>
+              <a:ext uri="{FF2B5EF4-FFF2-40B4-BE49-F238E27FC236}">
+                <a16:creationId xmlns:a16="http://schemas.microsoft.com/office/drawing/2014/main" id="{81FC07AA-8782-45C5-B3AC-92DED60706BB}"/>
+              </a:ext>
+            </a:extLst>
+          </p:cNvPr>
+          <p:cNvCxnSpPr>
+            <a:cxnSpLocks/>
+            <a:stCxn id="92" idx="3"/>
+          </p:cNvCxnSpPr>
+          <p:nvPr/>
+        </p:nvCxnSpPr>
+        <p:spPr>
+          <a:xfrm>
+            <a:off x="3859778" y="2016883"/>
+            <a:ext cx="935888" cy="197251"/>
+          </a:xfrm>
+          <a:prstGeom prst="straightConnector1">
+            <a:avLst/>
+          </a:prstGeom>
+          <a:ln w="25400">
+            <a:solidFill>
+              <a:schemeClr val="tx1"/>
+            </a:solidFill>
+            <a:prstDash val="sysDash"/>
+            <a:tailEnd type="oval"/>
+          </a:ln>
+        </p:spPr>
+        <p:style>
+          <a:lnRef idx="1">
+            <a:schemeClr val="accent1"/>
+          </a:lnRef>
+          <a:fillRef idx="0">
+            <a:schemeClr val="accent1"/>
+          </a:fillRef>
+          <a:effectRef idx="0">
+            <a:schemeClr val="accent1"/>
+          </a:effectRef>
+          <a:fontRef idx="minor">
+            <a:schemeClr val="tx1"/>
+          </a:fontRef>
+        </p:style>
+      </p:cxnSp>
+      <p:sp>
+        <p:nvSpPr>
+          <p:cNvPr id="105" name="CasellaDiTesto 104">
+            <a:extLst>
+              <a:ext uri="{FF2B5EF4-FFF2-40B4-BE49-F238E27FC236}">
+                <a16:creationId xmlns:a16="http://schemas.microsoft.com/office/drawing/2014/main" id="{621469ED-7768-48FA-9BF2-23F7319A7470}"/>
+              </a:ext>
+            </a:extLst>
+          </p:cNvPr>
+          <p:cNvSpPr txBox="1"/>
+          <p:nvPr/>
+        </p:nvSpPr>
+        <p:spPr>
+          <a:xfrm>
+            <a:off x="8213307" y="4492920"/>
+            <a:ext cx="1340432" cy="369332"/>
+          </a:xfrm>
+          <a:prstGeom prst="rect">
+            <a:avLst/>
+          </a:prstGeom>
+          <a:noFill/>
+        </p:spPr>
+        <p:txBody>
+          <a:bodyPr wrap="none" rtlCol="0">
+            <a:spAutoFit/>
+          </a:bodyPr>
+          <a:lstStyle/>
+          <a:p>
+            <a:r>
+              <a:rPr lang="it-IT" dirty="0"/>
+              <a:t>Hands </a:t>
+            </a:r>
+            <a:r>
+              <a:rPr lang="it-IT" dirty="0" err="1"/>
+              <a:t>rest</a:t>
+            </a:r>
+            <a:endParaRPr lang="it-IT" dirty="0"/>
+          </a:p>
+        </p:txBody>
+      </p:sp>
+      <p:cxnSp>
+        <p:nvCxnSpPr>
+          <p:cNvPr id="106" name="Connettore 2 105">
+            <a:extLst>
+              <a:ext uri="{FF2B5EF4-FFF2-40B4-BE49-F238E27FC236}">
+                <a16:creationId xmlns:a16="http://schemas.microsoft.com/office/drawing/2014/main" id="{79BAF8E4-8D74-464C-B055-F85C300B9D59}"/>
+              </a:ext>
+            </a:extLst>
+          </p:cNvPr>
+          <p:cNvCxnSpPr>
+            <a:cxnSpLocks/>
+            <a:stCxn id="105" idx="1"/>
+          </p:cNvCxnSpPr>
+          <p:nvPr/>
+        </p:nvCxnSpPr>
+        <p:spPr>
+          <a:xfrm flipH="1" flipV="1">
+            <a:off x="7538866" y="4591735"/>
+            <a:ext cx="674441" cy="85851"/>
+          </a:xfrm>
+          <a:prstGeom prst="straightConnector1">
+            <a:avLst/>
+          </a:prstGeom>
+          <a:ln w="25400">
+            <a:solidFill>
+              <a:schemeClr val="tx1"/>
+            </a:solidFill>
+            <a:prstDash val="sysDash"/>
+            <a:tailEnd type="oval"/>
+          </a:ln>
+        </p:spPr>
+        <p:style>
+          <a:lnRef idx="1">
+            <a:schemeClr val="accent1"/>
+          </a:lnRef>
+          <a:fillRef idx="0">
+            <a:schemeClr val="accent1"/>
+          </a:fillRef>
+          <a:effectRef idx="0">
+            <a:schemeClr val="accent1"/>
+          </a:effectRef>
+          <a:fontRef idx="minor">
+            <a:schemeClr val="tx1"/>
+          </a:fontRef>
+        </p:style>
+      </p:cxnSp>
+      <p:sp>
+        <p:nvSpPr>
+          <p:cNvPr id="50" name="CasellaDiTesto 49">
+            <a:extLst>
+              <a:ext uri="{FF2B5EF4-FFF2-40B4-BE49-F238E27FC236}">
+                <a16:creationId xmlns:a16="http://schemas.microsoft.com/office/drawing/2014/main" id="{74B5B89F-6313-498B-B304-5A9713843FEC}"/>
+              </a:ext>
+            </a:extLst>
+          </p:cNvPr>
+          <p:cNvSpPr txBox="1"/>
+          <p:nvPr/>
+        </p:nvSpPr>
+        <p:spPr>
+          <a:xfrm>
+            <a:off x="2328590" y="4133217"/>
+            <a:ext cx="1531188" cy="369332"/>
+          </a:xfrm>
+          <a:prstGeom prst="rect">
+            <a:avLst/>
+          </a:prstGeom>
+          <a:noFill/>
+        </p:spPr>
+        <p:txBody>
+          <a:bodyPr wrap="none" rtlCol="0">
+            <a:spAutoFit/>
+          </a:bodyPr>
+          <a:lstStyle/>
+          <a:p>
+            <a:r>
+              <a:rPr lang="it-IT" dirty="0"/>
+              <a:t>Alerts mode</a:t>
+            </a:r>
+          </a:p>
+        </p:txBody>
+      </p:sp>
+      <p:cxnSp>
+        <p:nvCxnSpPr>
+          <p:cNvPr id="51" name="Connettore 2 50">
+            <a:extLst>
+              <a:ext uri="{FF2B5EF4-FFF2-40B4-BE49-F238E27FC236}">
+                <a16:creationId xmlns:a16="http://schemas.microsoft.com/office/drawing/2014/main" id="{07CF4581-C598-43D2-A1E9-B8B702301120}"/>
+              </a:ext>
+            </a:extLst>
+          </p:cNvPr>
+          <p:cNvCxnSpPr>
+            <a:cxnSpLocks/>
+            <a:stCxn id="50" idx="3"/>
+          </p:cNvCxnSpPr>
+          <p:nvPr/>
+        </p:nvCxnSpPr>
+        <p:spPr>
+          <a:xfrm>
+            <a:off x="3859778" y="4317883"/>
+            <a:ext cx="772953" cy="89721"/>
+          </a:xfrm>
+          <a:prstGeom prst="straightConnector1">
+            <a:avLst/>
+          </a:prstGeom>
+          <a:ln w="25400">
+            <a:solidFill>
+              <a:schemeClr val="tx1"/>
+            </a:solidFill>
+            <a:prstDash val="sysDash"/>
+            <a:tailEnd type="oval"/>
+          </a:ln>
+        </p:spPr>
+        <p:style>
+          <a:lnRef idx="1">
+            <a:schemeClr val="accent1"/>
+          </a:lnRef>
+          <a:fillRef idx="0">
+            <a:schemeClr val="accent1"/>
+          </a:fillRef>
+          <a:effectRef idx="0">
+            <a:schemeClr val="accent1"/>
+          </a:effectRef>
+          <a:fontRef idx="minor">
+            <a:schemeClr val="tx1"/>
+          </a:fontRef>
+        </p:style>
+      </p:cxnSp>
+    </p:spTree>
+    <p:extLst>
+      <p:ext uri="{BB962C8B-B14F-4D97-AF65-F5344CB8AC3E}">
+        <p14:creationId xmlns:p14="http://schemas.microsoft.com/office/powerpoint/2010/main" val="3477499616"/>
+      </p:ext>
+    </p:extLst>
+  </p:cSld>
+  <p:clrMapOvr>
+    <a:masterClrMapping/>
+  </p:clrMapOvr>
+</p:sld>
+</file>
+
+<file path=ppt/slides/slide3.xml><?xml version="1.0" encoding="utf-8"?>
+<p:sld xmlns:a="http://schemas.openxmlformats.org/drawingml/2006/main" xmlns:r="http://schemas.openxmlformats.org/officeDocument/2006/relationships" xmlns:p="http://schemas.openxmlformats.org/presentationml/2006/main">
+  <p:cSld>
+    <p:spTree>
+      <p:nvGrpSpPr>
+        <p:cNvPr id="1" name=""/>
+        <p:cNvGrpSpPr/>
+        <p:nvPr/>
+      </p:nvGrpSpPr>
+      <p:grpSpPr>
+        <a:xfrm>
+          <a:off x="0" y="0"/>
+          <a:ext cx="0" cy="0"/>
+          <a:chOff x="0" y="0"/>
+          <a:chExt cx="0" cy="0"/>
+        </a:xfrm>
+      </p:grpSpPr>
+      <p:sp>
+        <p:nvSpPr>
+          <p:cNvPr id="2" name="Titolo 1">
+            <a:extLst>
+              <a:ext uri="{FF2B5EF4-FFF2-40B4-BE49-F238E27FC236}">
+                <a16:creationId xmlns:a16="http://schemas.microsoft.com/office/drawing/2014/main" id="{373FE621-EF18-4E57-88EA-FD8C33792183}"/>
+              </a:ext>
+            </a:extLst>
+          </p:cNvPr>
+          <p:cNvSpPr>
+            <a:spLocks noGrp="1"/>
+          </p:cNvSpPr>
+          <p:nvPr>
+            <p:ph type="ctrTitle"/>
+          </p:nvPr>
+        </p:nvSpPr>
+        <p:spPr>
+          <a:xfrm>
+            <a:off x="1751012" y="609601"/>
+            <a:ext cx="8574366" cy="1029762"/>
+          </a:xfrm>
+        </p:spPr>
+        <p:txBody>
+          <a:bodyPr>
+            <a:normAutofit/>
+          </a:bodyPr>
+          <a:lstStyle/>
+          <a:p>
+            <a:r>
+              <a:rPr lang="it-IT" dirty="0"/>
+              <a:t>Meteo Alerts</a:t>
+            </a:r>
+          </a:p>
+        </p:txBody>
+      </p:sp>
+      <p:sp>
+        <p:nvSpPr>
+          <p:cNvPr id="28" name="CasellaDiTesto 27">
+            <a:extLst>
+              <a:ext uri="{FF2B5EF4-FFF2-40B4-BE49-F238E27FC236}">
+                <a16:creationId xmlns:a16="http://schemas.microsoft.com/office/drawing/2014/main" id="{00E952B8-08F4-4919-B908-CAA30FBFCCAE}"/>
+              </a:ext>
+            </a:extLst>
+          </p:cNvPr>
+          <p:cNvSpPr txBox="1"/>
+          <p:nvPr/>
+        </p:nvSpPr>
+        <p:spPr>
+          <a:xfrm>
+            <a:off x="2329401" y="2397587"/>
+            <a:ext cx="4932404" cy="2862322"/>
+          </a:xfrm>
+          <a:prstGeom prst="rect">
+            <a:avLst/>
+          </a:prstGeom>
+          <a:noFill/>
+        </p:spPr>
+        <p:txBody>
+          <a:bodyPr wrap="square" rtlCol="0">
+            <a:spAutoFit/>
+          </a:bodyPr>
+          <a:lstStyle/>
+          <a:p>
+            <a:r>
+              <a:rPr lang="it-IT" dirty="0" err="1"/>
+              <a:t>Alert</a:t>
+            </a:r>
+            <a:r>
+              <a:rPr lang="it-IT" dirty="0"/>
+              <a:t> are the 3 rings </a:t>
+            </a:r>
+            <a:r>
+              <a:rPr lang="it-IT" dirty="0" err="1"/>
+              <a:t>around</a:t>
+            </a:r>
+            <a:r>
+              <a:rPr lang="it-IT" dirty="0"/>
+              <a:t> the clock.</a:t>
+            </a:r>
+          </a:p>
+          <a:p>
+            <a:pPr marL="285750" indent="-285750">
+              <a:buFont typeface="Arial" panose="020B0604020202020204" pitchFamily="34" charset="0"/>
+              <a:buChar char="•"/>
+            </a:pPr>
+            <a:endParaRPr lang="it-IT" dirty="0"/>
+          </a:p>
+          <a:p>
+            <a:pPr marL="342900" indent="-342900">
+              <a:buFont typeface="+mj-lt"/>
+              <a:buAutoNum type="arabicPeriod"/>
+            </a:pPr>
+            <a:r>
+              <a:rPr lang="it-IT" dirty="0" err="1"/>
+              <a:t>Primary</a:t>
+            </a:r>
+            <a:r>
+              <a:rPr lang="it-IT" dirty="0"/>
+              <a:t> </a:t>
+            </a:r>
+            <a:r>
+              <a:rPr lang="it-IT" dirty="0" err="1"/>
+              <a:t>alert</a:t>
+            </a:r>
+            <a:r>
+              <a:rPr lang="it-IT" dirty="0"/>
+              <a:t> </a:t>
+            </a:r>
+            <a:r>
+              <a:rPr lang="it-IT" dirty="0" err="1"/>
+              <a:t>is</a:t>
+            </a:r>
+            <a:r>
+              <a:rPr lang="it-IT" dirty="0"/>
+              <a:t> the </a:t>
+            </a:r>
+            <a:r>
+              <a:rPr lang="it-IT" dirty="0" err="1"/>
+              <a:t>inner</a:t>
+            </a:r>
+            <a:r>
+              <a:rPr lang="it-IT" dirty="0"/>
+              <a:t> ring and </a:t>
+            </a:r>
+            <a:r>
+              <a:rPr lang="it-IT" dirty="0" err="1"/>
+              <a:t>it</a:t>
+            </a:r>
+            <a:r>
+              <a:rPr lang="it-IT" dirty="0"/>
+              <a:t> shows the </a:t>
+            </a:r>
+            <a:r>
+              <a:rPr lang="it-IT" dirty="0" err="1"/>
+              <a:t>primary</a:t>
+            </a:r>
+            <a:r>
+              <a:rPr lang="it-IT" dirty="0"/>
+              <a:t> feature </a:t>
+            </a:r>
+          </a:p>
+          <a:p>
+            <a:pPr marL="342900" indent="-342900">
+              <a:buFont typeface="+mj-lt"/>
+              <a:buAutoNum type="arabicPeriod"/>
+            </a:pPr>
+            <a:endParaRPr lang="it-IT" dirty="0"/>
+          </a:p>
+          <a:p>
+            <a:pPr marL="342900" indent="-342900">
+              <a:buFont typeface="+mj-lt"/>
+              <a:buAutoNum type="arabicPeriod"/>
+            </a:pPr>
+            <a:r>
+              <a:rPr lang="it-IT" dirty="0" err="1"/>
+              <a:t>Secondary</a:t>
+            </a:r>
+            <a:r>
+              <a:rPr lang="it-IT" dirty="0"/>
+              <a:t> </a:t>
+            </a:r>
+            <a:r>
+              <a:rPr lang="it-IT" dirty="0" err="1"/>
+              <a:t>alert</a:t>
+            </a:r>
+            <a:r>
+              <a:rPr lang="it-IT" dirty="0"/>
+              <a:t> </a:t>
+            </a:r>
+            <a:r>
+              <a:rPr lang="it-IT" dirty="0" err="1"/>
+              <a:t>is</a:t>
+            </a:r>
+            <a:r>
+              <a:rPr lang="it-IT" dirty="0"/>
+              <a:t> the middle ring and </a:t>
+            </a:r>
+            <a:r>
+              <a:rPr lang="it-IT" dirty="0" err="1"/>
+              <a:t>it</a:t>
+            </a:r>
+            <a:r>
+              <a:rPr lang="it-IT" dirty="0"/>
+              <a:t> shows the </a:t>
+            </a:r>
+            <a:r>
+              <a:rPr lang="it-IT" dirty="0" err="1"/>
+              <a:t>secondary</a:t>
+            </a:r>
+            <a:r>
+              <a:rPr lang="it-IT" dirty="0"/>
+              <a:t> feature</a:t>
+            </a:r>
+          </a:p>
+          <a:p>
+            <a:pPr marL="342900" indent="-342900">
+              <a:buFont typeface="+mj-lt"/>
+              <a:buAutoNum type="arabicPeriod"/>
+            </a:pPr>
+            <a:endParaRPr lang="it-IT" dirty="0"/>
+          </a:p>
+          <a:p>
+            <a:pPr marL="342900" indent="-342900">
+              <a:buFont typeface="+mj-lt"/>
+              <a:buAutoNum type="arabicPeriod"/>
+            </a:pPr>
+            <a:r>
+              <a:rPr lang="it-IT" dirty="0" err="1"/>
+              <a:t>Ice</a:t>
+            </a:r>
+            <a:r>
+              <a:rPr lang="it-IT" dirty="0"/>
+              <a:t> </a:t>
+            </a:r>
+            <a:r>
+              <a:rPr lang="it-IT" dirty="0" err="1"/>
+              <a:t>alert</a:t>
+            </a:r>
+            <a:r>
+              <a:rPr lang="it-IT" dirty="0"/>
+              <a:t> </a:t>
+            </a:r>
+            <a:r>
+              <a:rPr lang="it-IT" dirty="0" err="1"/>
+              <a:t>is</a:t>
+            </a:r>
+            <a:r>
+              <a:rPr lang="it-IT" dirty="0"/>
+              <a:t> the </a:t>
+            </a:r>
+            <a:r>
+              <a:rPr lang="it-IT" dirty="0" err="1"/>
+              <a:t>outer</a:t>
+            </a:r>
+            <a:r>
+              <a:rPr lang="it-IT" dirty="0"/>
+              <a:t> ring</a:t>
+            </a:r>
+          </a:p>
+          <a:p>
+            <a:pPr marL="285750" indent="-285750">
+              <a:buFont typeface="Arial" panose="020B0604020202020204" pitchFamily="34" charset="0"/>
+              <a:buChar char="•"/>
+            </a:pPr>
+            <a:endParaRPr lang="it-IT" dirty="0"/>
+          </a:p>
+        </p:txBody>
+      </p:sp>
+      <p:pic>
+        <p:nvPicPr>
+          <p:cNvPr id="10" name="Immagine 9">
+            <a:extLst>
+              <a:ext uri="{FF2B5EF4-FFF2-40B4-BE49-F238E27FC236}">
+                <a16:creationId xmlns:a16="http://schemas.microsoft.com/office/drawing/2014/main" id="{9CAB1FF8-34BE-4F52-AEFA-32A783E68060}"/>
+              </a:ext>
+            </a:extLst>
+          </p:cNvPr>
+          <p:cNvPicPr>
+            <a:picLocks noChangeAspect="1"/>
+          </p:cNvPicPr>
+          <p:nvPr/>
+        </p:nvPicPr>
+        <p:blipFill>
+          <a:blip r:embed="rId2"/>
+          <a:stretch>
+            <a:fillRect/>
+          </a:stretch>
+        </p:blipFill>
+        <p:spPr>
+          <a:xfrm>
+            <a:off x="7469514" y="2223628"/>
+            <a:ext cx="2656243" cy="2656243"/>
+          </a:xfrm>
+          <a:prstGeom prst="rect">
+            <a:avLst/>
+          </a:prstGeom>
+        </p:spPr>
+      </p:pic>
+    </p:spTree>
+    <p:extLst>
+      <p:ext uri="{BB962C8B-B14F-4D97-AF65-F5344CB8AC3E}">
+        <p14:creationId xmlns:p14="http://schemas.microsoft.com/office/powerpoint/2010/main" val="3504899895"/>
+      </p:ext>
+    </p:extLst>
+  </p:cSld>
+  <p:clrMapOvr>
+    <a:masterClrMapping/>
+  </p:clrMapOvr>
+</p:sld>
+</file>
+
+<file path=ppt/slides/slide4.xml><?xml version="1.0" encoding="utf-8"?>
+<p:sld xmlns:a="http://schemas.openxmlformats.org/drawingml/2006/main" xmlns:r="http://schemas.openxmlformats.org/officeDocument/2006/relationships" xmlns:p="http://schemas.openxmlformats.org/presentationml/2006/main">
+  <p:cSld>
+    <p:spTree>
+      <p:nvGrpSpPr>
+        <p:cNvPr id="1" name=""/>
+        <p:cNvGrpSpPr/>
+        <p:nvPr/>
+      </p:nvGrpSpPr>
+      <p:grpSpPr>
+        <a:xfrm>
+          <a:off x="0" y="0"/>
+          <a:ext cx="0" cy="0"/>
+          <a:chOff x="0" y="0"/>
+          <a:chExt cx="0" cy="0"/>
+        </a:xfrm>
+      </p:grpSpPr>
+      <p:sp>
+        <p:nvSpPr>
+          <p:cNvPr id="2" name="Titolo 1">
+            <a:extLst>
+              <a:ext uri="{FF2B5EF4-FFF2-40B4-BE49-F238E27FC236}">
+                <a16:creationId xmlns:a16="http://schemas.microsoft.com/office/drawing/2014/main" id="{373FE621-EF18-4E57-88EA-FD8C33792183}"/>
+              </a:ext>
+            </a:extLst>
+          </p:cNvPr>
+          <p:cNvSpPr>
+            <a:spLocks noGrp="1"/>
+          </p:cNvSpPr>
+          <p:nvPr>
+            <p:ph type="ctrTitle"/>
+          </p:nvPr>
+        </p:nvSpPr>
+        <p:spPr>
+          <a:xfrm>
+            <a:off x="1751012" y="609601"/>
+            <a:ext cx="8574366" cy="1029762"/>
+          </a:xfrm>
+        </p:spPr>
+        <p:txBody>
+          <a:bodyPr>
+            <a:normAutofit/>
+          </a:bodyPr>
+          <a:lstStyle/>
+          <a:p>
+            <a:r>
+              <a:rPr lang="it-IT" dirty="0"/>
+              <a:t>Meteo </a:t>
+            </a:r>
+            <a:r>
+              <a:rPr lang="it-IT" dirty="0" err="1"/>
+              <a:t>Alert</a:t>
+            </a:r>
+            <a:r>
+              <a:rPr lang="it-IT" dirty="0"/>
+              <a:t> </a:t>
+            </a:r>
+            <a:r>
+              <a:rPr lang="it-IT" dirty="0" err="1"/>
+              <a:t>modes</a:t>
+            </a:r>
+            <a:endParaRPr lang="it-IT" dirty="0"/>
+          </a:p>
+        </p:txBody>
+      </p:sp>
+      <p:grpSp>
+        <p:nvGrpSpPr>
+          <p:cNvPr id="40" name="Gruppo 39">
+            <a:extLst>
+              <a:ext uri="{FF2B5EF4-FFF2-40B4-BE49-F238E27FC236}">
+                <a16:creationId xmlns:a16="http://schemas.microsoft.com/office/drawing/2014/main" id="{331B9E66-FCF1-4BBB-BBA7-E42F58E51B54}"/>
+              </a:ext>
+            </a:extLst>
+          </p:cNvPr>
+          <p:cNvGrpSpPr/>
+          <p:nvPr/>
+        </p:nvGrpSpPr>
+        <p:grpSpPr>
+          <a:xfrm>
+            <a:off x="3533004" y="3742930"/>
+            <a:ext cx="5026101" cy="1973236"/>
+            <a:chOff x="3533004" y="3742930"/>
+            <a:chExt cx="5026101" cy="1973236"/>
+          </a:xfrm>
+        </p:grpSpPr>
+        <p:pic>
+          <p:nvPicPr>
+            <p:cNvPr id="23" name="Immagine 22">
+              <a:extLst>
+                <a:ext uri="{FF2B5EF4-FFF2-40B4-BE49-F238E27FC236}">
+                  <a16:creationId xmlns:a16="http://schemas.microsoft.com/office/drawing/2014/main" id="{D6CEA687-061A-49A8-989F-C8D485E9AF62}"/>
+                </a:ext>
+              </a:extLst>
+            </p:cNvPr>
+            <p:cNvPicPr>
+              <a:picLocks noChangeAspect="1"/>
+            </p:cNvPicPr>
+            <p:nvPr/>
+          </p:nvPicPr>
+          <p:blipFill>
+            <a:blip r:embed="rId2"/>
+            <a:stretch>
+              <a:fillRect/>
+            </a:stretch>
+          </p:blipFill>
+          <p:spPr>
+            <a:xfrm>
+              <a:off x="3533004" y="3742930"/>
+              <a:ext cx="1973236" cy="1973236"/>
+            </a:xfrm>
+            <a:prstGeom prst="rect">
+              <a:avLst/>
+            </a:prstGeom>
+          </p:spPr>
+        </p:pic>
+        <p:pic>
+          <p:nvPicPr>
+            <p:cNvPr id="25" name="Immagine 24">
+              <a:extLst>
+                <a:ext uri="{FF2B5EF4-FFF2-40B4-BE49-F238E27FC236}">
+                  <a16:creationId xmlns:a16="http://schemas.microsoft.com/office/drawing/2014/main" id="{5C2FC4BB-D292-4C88-A859-CD3D53FAF88B}"/>
+                </a:ext>
+              </a:extLst>
+            </p:cNvPr>
+            <p:cNvPicPr>
+              <a:picLocks noChangeAspect="1"/>
+            </p:cNvPicPr>
+            <p:nvPr/>
+          </p:nvPicPr>
+          <p:blipFill>
+            <a:blip r:embed="rId3"/>
+            <a:stretch>
+              <a:fillRect/>
+            </a:stretch>
+          </p:blipFill>
+          <p:spPr>
+            <a:xfrm>
+              <a:off x="6585869" y="3742930"/>
+              <a:ext cx="1973236" cy="1973236"/>
+            </a:xfrm>
+            <a:prstGeom prst="rect">
+              <a:avLst/>
+            </a:prstGeom>
+          </p:spPr>
+        </p:pic>
+      </p:grpSp>
+      <p:sp>
+        <p:nvSpPr>
+          <p:cNvPr id="26" name="CasellaDiTesto 25">
+            <a:extLst>
+              <a:ext uri="{FF2B5EF4-FFF2-40B4-BE49-F238E27FC236}">
+                <a16:creationId xmlns:a16="http://schemas.microsoft.com/office/drawing/2014/main" id="{BB23F414-51F1-449C-AF4D-07FFD7EEC6F9}"/>
+              </a:ext>
+            </a:extLst>
+          </p:cNvPr>
+          <p:cNvSpPr txBox="1"/>
+          <p:nvPr/>
+        </p:nvSpPr>
+        <p:spPr>
+          <a:xfrm>
+            <a:off x="3560887" y="2505670"/>
+            <a:ext cx="4970335" cy="923330"/>
+          </a:xfrm>
+          <a:prstGeom prst="rect">
+            <a:avLst/>
+          </a:prstGeom>
+          <a:noFill/>
+        </p:spPr>
+        <p:txBody>
+          <a:bodyPr wrap="square" rtlCol="0">
+            <a:spAutoFit/>
+          </a:bodyPr>
+          <a:lstStyle/>
+          <a:p>
+            <a:r>
+              <a:rPr lang="it-IT" dirty="0"/>
+              <a:t>By tapping the bottom </a:t>
+            </a:r>
+            <a:r>
+              <a:rPr lang="it-IT" dirty="0" err="1"/>
+              <a:t>left</a:t>
+            </a:r>
+            <a:r>
+              <a:rPr lang="it-IT" dirty="0"/>
+              <a:t> corner </a:t>
+            </a:r>
+            <a:r>
+              <a:rPr lang="it-IT" dirty="0" err="1"/>
+              <a:t>you</a:t>
+            </a:r>
+            <a:r>
+              <a:rPr lang="it-IT" dirty="0"/>
+              <a:t> </a:t>
+            </a:r>
+            <a:r>
+              <a:rPr lang="it-IT" dirty="0" err="1"/>
+              <a:t>will</a:t>
+            </a:r>
+            <a:r>
+              <a:rPr lang="it-IT" dirty="0"/>
+              <a:t> switch </a:t>
+            </a:r>
+            <a:r>
+              <a:rPr lang="it-IT" dirty="0" err="1"/>
+              <a:t>between</a:t>
+            </a:r>
+            <a:r>
+              <a:rPr lang="it-IT" dirty="0"/>
+              <a:t> </a:t>
+            </a:r>
+            <a:r>
+              <a:rPr lang="it-IT" dirty="0" err="1"/>
+              <a:t>precipitation</a:t>
+            </a:r>
+            <a:r>
+              <a:rPr lang="it-IT" dirty="0"/>
+              <a:t> and wind </a:t>
+            </a:r>
+            <a:r>
+              <a:rPr lang="it-IT" dirty="0" err="1"/>
+              <a:t>as</a:t>
+            </a:r>
+            <a:r>
+              <a:rPr lang="it-IT" dirty="0"/>
+              <a:t> </a:t>
+            </a:r>
+            <a:r>
+              <a:rPr lang="it-IT" dirty="0" err="1"/>
+              <a:t>primary</a:t>
+            </a:r>
+            <a:r>
+              <a:rPr lang="it-IT" dirty="0"/>
+              <a:t> feature.</a:t>
+            </a:r>
+          </a:p>
+        </p:txBody>
+      </p:sp>
+    </p:spTree>
+    <p:extLst>
+      <p:ext uri="{BB962C8B-B14F-4D97-AF65-F5344CB8AC3E}">
+        <p14:creationId xmlns:p14="http://schemas.microsoft.com/office/powerpoint/2010/main" val="2540511967"/>
+      </p:ext>
+    </p:extLst>
+  </p:cSld>
+  <p:clrMapOvr>
+    <a:masterClrMapping/>
+  </p:clrMapOvr>
+</p:sld>
+</file>
+
+<file path=ppt/slides/slide5.xml><?xml version="1.0" encoding="utf-8"?>
+<p:sld xmlns:a="http://schemas.openxmlformats.org/drawingml/2006/main" xmlns:r="http://schemas.openxmlformats.org/officeDocument/2006/relationships" xmlns:p="http://schemas.openxmlformats.org/presentationml/2006/main">
+  <p:cSld>
+    <p:spTree>
+      <p:nvGrpSpPr>
+        <p:cNvPr id="1" name=""/>
+        <p:cNvGrpSpPr/>
+        <p:nvPr/>
+      </p:nvGrpSpPr>
+      <p:grpSpPr>
+        <a:xfrm>
+          <a:off x="0" y="0"/>
+          <a:ext cx="0" cy="0"/>
+          <a:chOff x="0" y="0"/>
+          <a:chExt cx="0" cy="0"/>
+        </a:xfrm>
+      </p:grpSpPr>
+      <p:sp>
+        <p:nvSpPr>
+          <p:cNvPr id="2" name="Titolo 1">
+            <a:extLst>
+              <a:ext uri="{FF2B5EF4-FFF2-40B4-BE49-F238E27FC236}">
+                <a16:creationId xmlns:a16="http://schemas.microsoft.com/office/drawing/2014/main" id="{373FE621-EF18-4E57-88EA-FD8C33792183}"/>
+              </a:ext>
+            </a:extLst>
+          </p:cNvPr>
+          <p:cNvSpPr>
+            <a:spLocks noGrp="1"/>
+          </p:cNvSpPr>
+          <p:nvPr>
+            <p:ph type="ctrTitle"/>
+          </p:nvPr>
+        </p:nvSpPr>
+        <p:spPr>
+          <a:xfrm>
+            <a:off x="1751012" y="609601"/>
+            <a:ext cx="8574366" cy="1029762"/>
+          </a:xfrm>
+        </p:spPr>
+        <p:txBody>
+          <a:bodyPr>
+            <a:normAutofit/>
+          </a:bodyPr>
+          <a:lstStyle/>
+          <a:p>
+            <a:r>
+              <a:rPr lang="it-IT" dirty="0" err="1"/>
+              <a:t>Ice</a:t>
+            </a:r>
+            <a:r>
+              <a:rPr lang="it-IT" dirty="0"/>
+              <a:t> </a:t>
+            </a:r>
+            <a:r>
+              <a:rPr lang="it-IT" dirty="0" err="1"/>
+              <a:t>Alert</a:t>
+            </a:r>
+            <a:endParaRPr lang="it-IT" dirty="0"/>
+          </a:p>
+        </p:txBody>
+      </p:sp>
+      <p:sp>
+        <p:nvSpPr>
+          <p:cNvPr id="28" name="CasellaDiTesto 27">
+            <a:extLst>
+              <a:ext uri="{FF2B5EF4-FFF2-40B4-BE49-F238E27FC236}">
+                <a16:creationId xmlns:a16="http://schemas.microsoft.com/office/drawing/2014/main" id="{00E952B8-08F4-4919-B908-CAA30FBFCCAE}"/>
+              </a:ext>
+            </a:extLst>
+          </p:cNvPr>
+          <p:cNvSpPr txBox="1"/>
+          <p:nvPr/>
+        </p:nvSpPr>
+        <p:spPr>
+          <a:xfrm>
+            <a:off x="1348806" y="2967335"/>
+            <a:ext cx="6220572" cy="923330"/>
+          </a:xfrm>
+          <a:prstGeom prst="rect">
+            <a:avLst/>
+          </a:prstGeom>
+          <a:noFill/>
+        </p:spPr>
+        <p:txBody>
+          <a:bodyPr wrap="square" rtlCol="0">
+            <a:spAutoFit/>
+          </a:bodyPr>
+          <a:lstStyle/>
+          <a:p>
+            <a:r>
+              <a:rPr lang="en-US" dirty="0"/>
+              <a:t>Ice alert is indicated by cyan color in the outer ring.</a:t>
+            </a:r>
+          </a:p>
+          <a:p>
+            <a:endParaRPr lang="en-US" dirty="0"/>
+          </a:p>
+          <a:p>
+            <a:r>
+              <a:rPr lang="en-US" dirty="0"/>
+              <a:t>The more colorful it is, the more likely ice will form</a:t>
+            </a:r>
+          </a:p>
+        </p:txBody>
+      </p:sp>
+      <p:pic>
+        <p:nvPicPr>
+          <p:cNvPr id="4" name="Immagine 3">
+            <a:extLst>
+              <a:ext uri="{FF2B5EF4-FFF2-40B4-BE49-F238E27FC236}">
+                <a16:creationId xmlns:a16="http://schemas.microsoft.com/office/drawing/2014/main" id="{D71976F3-675C-4558-8D80-4070FC97951B}"/>
+              </a:ext>
+            </a:extLst>
+          </p:cNvPr>
+          <p:cNvPicPr>
+            <a:picLocks noChangeAspect="1"/>
+          </p:cNvPicPr>
+          <p:nvPr/>
+        </p:nvPicPr>
+        <p:blipFill>
+          <a:blip r:embed="rId2"/>
+          <a:stretch>
+            <a:fillRect/>
+          </a:stretch>
+        </p:blipFill>
+        <p:spPr>
+          <a:xfrm>
+            <a:off x="7732909" y="1990445"/>
+            <a:ext cx="3200400" cy="3200400"/>
+          </a:xfrm>
+          <a:prstGeom prst="rect">
+            <a:avLst/>
+          </a:prstGeom>
+        </p:spPr>
+      </p:pic>
+    </p:spTree>
+    <p:extLst>
+      <p:ext uri="{BB962C8B-B14F-4D97-AF65-F5344CB8AC3E}">
+        <p14:creationId xmlns:p14="http://schemas.microsoft.com/office/powerpoint/2010/main" val="127777900"/>
+      </p:ext>
+    </p:extLst>
+  </p:cSld>
+  <p:clrMapOvr>
+    <a:masterClrMapping/>
+  </p:clrMapOvr>
+</p:sld>
+</file>
+
+<file path=ppt/slides/slide6.xml><?xml version="1.0" encoding="utf-8"?>
+<p:sld xmlns:a="http://schemas.openxmlformats.org/drawingml/2006/main" xmlns:r="http://schemas.openxmlformats.org/officeDocument/2006/relationships" xmlns:p="http://schemas.openxmlformats.org/presentationml/2006/main">
+  <p:cSld>
+    <p:spTree>
+      <p:nvGrpSpPr>
+        <p:cNvPr id="1" name=""/>
+        <p:cNvGrpSpPr/>
+        <p:nvPr/>
+      </p:nvGrpSpPr>
+      <p:grpSpPr>
+        <a:xfrm>
+          <a:off x="0" y="0"/>
+          <a:ext cx="0" cy="0"/>
+          <a:chOff x="0" y="0"/>
+          <a:chExt cx="0" cy="0"/>
+        </a:xfrm>
+      </p:grpSpPr>
+      <p:sp>
+        <p:nvSpPr>
+          <p:cNvPr id="2" name="Titolo 1">
+            <a:extLst>
+              <a:ext uri="{FF2B5EF4-FFF2-40B4-BE49-F238E27FC236}">
+                <a16:creationId xmlns:a16="http://schemas.microsoft.com/office/drawing/2014/main" id="{373FE621-EF18-4E57-88EA-FD8C33792183}"/>
+              </a:ext>
+            </a:extLst>
+          </p:cNvPr>
+          <p:cNvSpPr>
+            <a:spLocks noGrp="1"/>
+          </p:cNvSpPr>
+          <p:nvPr>
+            <p:ph type="ctrTitle"/>
+          </p:nvPr>
+        </p:nvSpPr>
+        <p:spPr>
+          <a:xfrm>
+            <a:off x="1751012" y="609601"/>
+            <a:ext cx="8574366" cy="1029762"/>
+          </a:xfrm>
+        </p:spPr>
+        <p:txBody>
+          <a:bodyPr>
+            <a:normAutofit/>
+          </a:bodyPr>
+          <a:lstStyle/>
+          <a:p>
+            <a:r>
+              <a:rPr lang="it-IT" dirty="0" err="1"/>
+              <a:t>Precipitation</a:t>
+            </a:r>
+            <a:r>
+              <a:rPr lang="it-IT" dirty="0"/>
+              <a:t> </a:t>
+            </a:r>
+            <a:r>
+              <a:rPr lang="it-IT" dirty="0" err="1"/>
+              <a:t>Alert</a:t>
+            </a:r>
+            <a:endParaRPr lang="it-IT" dirty="0"/>
+          </a:p>
+        </p:txBody>
+      </p:sp>
+      <p:sp>
+        <p:nvSpPr>
+          <p:cNvPr id="28" name="CasellaDiTesto 27">
+            <a:extLst>
+              <a:ext uri="{FF2B5EF4-FFF2-40B4-BE49-F238E27FC236}">
+                <a16:creationId xmlns:a16="http://schemas.microsoft.com/office/drawing/2014/main" id="{00E952B8-08F4-4919-B908-CAA30FBFCCAE}"/>
+              </a:ext>
+            </a:extLst>
+          </p:cNvPr>
+          <p:cNvSpPr txBox="1"/>
+          <p:nvPr/>
+        </p:nvSpPr>
+        <p:spPr>
+          <a:xfrm>
+            <a:off x="1445575" y="2967335"/>
+            <a:ext cx="6220572" cy="2031325"/>
+          </a:xfrm>
+          <a:prstGeom prst="rect">
+            <a:avLst/>
+          </a:prstGeom>
+          <a:noFill/>
+        </p:spPr>
+        <p:txBody>
+          <a:bodyPr wrap="square" rtlCol="0">
+            <a:spAutoFit/>
+          </a:bodyPr>
+          <a:lstStyle/>
+          <a:p>
+            <a:r>
+              <a:rPr lang="en-US" dirty="0"/>
+              <a:t>Precipitation alert is indicated by red color.</a:t>
+            </a:r>
+          </a:p>
+          <a:p>
+            <a:endParaRPr lang="en-US" dirty="0"/>
+          </a:p>
+          <a:p>
+            <a:r>
+              <a:rPr lang="en-US" dirty="0"/>
+              <a:t>The more colorful it is, the more likely precipitation will come.</a:t>
+            </a:r>
+          </a:p>
+          <a:p>
+            <a:endParaRPr lang="en-US" dirty="0"/>
+          </a:p>
+          <a:p>
+            <a:r>
+              <a:rPr lang="en-US" dirty="0"/>
+              <a:t>When precipitation is the primary feature, the size indicates the precipitation amount.</a:t>
+            </a:r>
+          </a:p>
+        </p:txBody>
+      </p:sp>
+      <p:pic>
+        <p:nvPicPr>
+          <p:cNvPr id="5" name="Immagine 4">
+            <a:extLst>
+              <a:ext uri="{FF2B5EF4-FFF2-40B4-BE49-F238E27FC236}">
+                <a16:creationId xmlns:a16="http://schemas.microsoft.com/office/drawing/2014/main" id="{C84C30E9-4354-42C6-A664-60FD0980F279}"/>
+              </a:ext>
+            </a:extLst>
+          </p:cNvPr>
+          <p:cNvPicPr>
+            <a:picLocks noChangeAspect="1"/>
+          </p:cNvPicPr>
+          <p:nvPr/>
+        </p:nvPicPr>
+        <p:blipFill>
+          <a:blip r:embed="rId2"/>
+          <a:stretch>
+            <a:fillRect/>
+          </a:stretch>
+        </p:blipFill>
+        <p:spPr>
+          <a:xfrm>
+            <a:off x="8717365" y="4324198"/>
+            <a:ext cx="2125639" cy="2125639"/>
+          </a:xfrm>
+          <a:prstGeom prst="rect">
+            <a:avLst/>
+          </a:prstGeom>
+        </p:spPr>
+      </p:pic>
+      <p:pic>
+        <p:nvPicPr>
+          <p:cNvPr id="7" name="Immagine 6">
+            <a:extLst>
+              <a:ext uri="{FF2B5EF4-FFF2-40B4-BE49-F238E27FC236}">
+                <a16:creationId xmlns:a16="http://schemas.microsoft.com/office/drawing/2014/main" id="{78D3F9CD-709E-4B22-BB07-AA499E6CFD19}"/>
+              </a:ext>
+            </a:extLst>
+          </p:cNvPr>
+          <p:cNvPicPr>
+            <a:picLocks noChangeAspect="1"/>
+          </p:cNvPicPr>
+          <p:nvPr/>
+        </p:nvPicPr>
+        <p:blipFill>
+          <a:blip r:embed="rId3"/>
+          <a:stretch>
+            <a:fillRect/>
+          </a:stretch>
+        </p:blipFill>
+        <p:spPr>
+          <a:xfrm>
+            <a:off x="8717366" y="2094930"/>
+            <a:ext cx="2125639" cy="2125639"/>
+          </a:xfrm>
+          <a:prstGeom prst="rect">
+            <a:avLst/>
+          </a:prstGeom>
+        </p:spPr>
+      </p:pic>
+    </p:spTree>
+    <p:extLst>
+      <p:ext uri="{BB962C8B-B14F-4D97-AF65-F5344CB8AC3E}">
+        <p14:creationId xmlns:p14="http://schemas.microsoft.com/office/powerpoint/2010/main" val="2287530584"/>
+      </p:ext>
+    </p:extLst>
+  </p:cSld>
+  <p:clrMapOvr>
+    <a:masterClrMapping/>
+  </p:clrMapOvr>
+</p:sld>
+</file>
+
+<file path=ppt/slides/slide7.xml><?xml version="1.0" encoding="utf-8"?>
+<p:sld xmlns:a="http://schemas.openxmlformats.org/drawingml/2006/main" xmlns:r="http://schemas.openxmlformats.org/officeDocument/2006/relationships" xmlns:p="http://schemas.openxmlformats.org/presentationml/2006/main">
+  <p:cSld>
+    <p:spTree>
+      <p:nvGrpSpPr>
+        <p:cNvPr id="1" name=""/>
+        <p:cNvGrpSpPr/>
+        <p:nvPr/>
+      </p:nvGrpSpPr>
+      <p:grpSpPr>
+        <a:xfrm>
+          <a:off x="0" y="0"/>
+          <a:ext cx="0" cy="0"/>
+          <a:chOff x="0" y="0"/>
+          <a:chExt cx="0" cy="0"/>
+        </a:xfrm>
+      </p:grpSpPr>
+      <p:pic>
+        <p:nvPicPr>
+          <p:cNvPr id="10" name="Immagine 9">
+            <a:extLst>
+              <a:ext uri="{FF2B5EF4-FFF2-40B4-BE49-F238E27FC236}">
+                <a16:creationId xmlns:a16="http://schemas.microsoft.com/office/drawing/2014/main" id="{9CAB1FF8-34BE-4F52-AEFA-32A783E68060}"/>
+              </a:ext>
+            </a:extLst>
+          </p:cNvPr>
+          <p:cNvPicPr>
+            <a:picLocks noChangeAspect="1"/>
+          </p:cNvPicPr>
+          <p:nvPr/>
+        </p:nvPicPr>
+        <p:blipFill>
+          <a:blip r:embed="rId2"/>
+          <a:stretch>
+            <a:fillRect/>
+          </a:stretch>
+        </p:blipFill>
+        <p:spPr>
+          <a:xfrm>
+            <a:off x="2287154" y="1875710"/>
+            <a:ext cx="2145280" cy="2145280"/>
+          </a:xfrm>
+          <a:prstGeom prst="rect">
+            <a:avLst/>
+          </a:prstGeom>
+        </p:spPr>
+      </p:pic>
+      <p:sp>
+        <p:nvSpPr>
+          <p:cNvPr id="2" name="Titolo 1">
+            <a:extLst>
+              <a:ext uri="{FF2B5EF4-FFF2-40B4-BE49-F238E27FC236}">
+                <a16:creationId xmlns:a16="http://schemas.microsoft.com/office/drawing/2014/main" id="{373FE621-EF18-4E57-88EA-FD8C33792183}"/>
+              </a:ext>
+            </a:extLst>
+          </p:cNvPr>
+          <p:cNvSpPr>
+            <a:spLocks noGrp="1"/>
+          </p:cNvSpPr>
+          <p:nvPr>
+            <p:ph type="ctrTitle"/>
+          </p:nvPr>
+        </p:nvSpPr>
+        <p:spPr>
+          <a:xfrm>
+            <a:off x="1751012" y="609601"/>
+            <a:ext cx="8574366" cy="1029762"/>
+          </a:xfrm>
+        </p:spPr>
+        <p:txBody>
+          <a:bodyPr>
+            <a:normAutofit/>
+          </a:bodyPr>
+          <a:lstStyle/>
+          <a:p>
+            <a:r>
+              <a:rPr lang="it-IT" dirty="0"/>
+              <a:t>Meteo </a:t>
+            </a:r>
+            <a:r>
+              <a:rPr lang="it-IT" dirty="0" err="1"/>
+              <a:t>modes</a:t>
+            </a:r>
+            <a:endParaRPr lang="it-IT" dirty="0"/>
+          </a:p>
+        </p:txBody>
+      </p:sp>
+      <p:pic>
+        <p:nvPicPr>
+          <p:cNvPr id="4" name="Immagine 3">
+            <a:extLst>
+              <a:ext uri="{FF2B5EF4-FFF2-40B4-BE49-F238E27FC236}">
+                <a16:creationId xmlns:a16="http://schemas.microsoft.com/office/drawing/2014/main" id="{C5AD976D-45B3-4B16-90E7-C25E389CA508}"/>
+              </a:ext>
+            </a:extLst>
+          </p:cNvPr>
+          <p:cNvPicPr>
+            <a:picLocks noChangeAspect="1"/>
+          </p:cNvPicPr>
+          <p:nvPr/>
+        </p:nvPicPr>
+        <p:blipFill>
+          <a:blip r:embed="rId3"/>
+          <a:stretch>
+            <a:fillRect/>
+          </a:stretch>
+        </p:blipFill>
+        <p:spPr>
+          <a:xfrm>
+            <a:off x="2287155" y="4257337"/>
+            <a:ext cx="2145279" cy="2145279"/>
+          </a:xfrm>
+          <a:prstGeom prst="rect">
+            <a:avLst/>
+          </a:prstGeom>
+        </p:spPr>
+      </p:pic>
+      <p:pic>
+        <p:nvPicPr>
+          <p:cNvPr id="6" name="Immagine 5">
+            <a:extLst>
+              <a:ext uri="{FF2B5EF4-FFF2-40B4-BE49-F238E27FC236}">
+                <a16:creationId xmlns:a16="http://schemas.microsoft.com/office/drawing/2014/main" id="{A8913494-D063-42BC-976A-CDC990A4EBE4}"/>
+              </a:ext>
+            </a:extLst>
+          </p:cNvPr>
+          <p:cNvPicPr>
+            <a:picLocks noChangeAspect="1"/>
+          </p:cNvPicPr>
+          <p:nvPr/>
+        </p:nvPicPr>
+        <p:blipFill>
+          <a:blip r:embed="rId4"/>
+          <a:stretch>
+            <a:fillRect/>
+          </a:stretch>
+        </p:blipFill>
+        <p:spPr>
+          <a:xfrm>
+            <a:off x="7674629" y="1851588"/>
+            <a:ext cx="2148241" cy="2148241"/>
+          </a:xfrm>
+          <a:prstGeom prst="rect">
+            <a:avLst/>
+          </a:prstGeom>
+        </p:spPr>
+      </p:pic>
+      <p:pic>
+        <p:nvPicPr>
+          <p:cNvPr id="8" name="Immagine 7">
+            <a:extLst>
+              <a:ext uri="{FF2B5EF4-FFF2-40B4-BE49-F238E27FC236}">
+                <a16:creationId xmlns:a16="http://schemas.microsoft.com/office/drawing/2014/main" id="{08FBC414-76D9-4A91-A172-BB753075D406}"/>
+              </a:ext>
+            </a:extLst>
+          </p:cNvPr>
+          <p:cNvPicPr>
+            <a:picLocks noChangeAspect="1"/>
+          </p:cNvPicPr>
+          <p:nvPr/>
+        </p:nvPicPr>
+        <p:blipFill>
+          <a:blip r:embed="rId5"/>
+          <a:stretch>
+            <a:fillRect/>
+          </a:stretch>
+        </p:blipFill>
+        <p:spPr>
+          <a:xfrm>
+            <a:off x="7674629" y="4257336"/>
+            <a:ext cx="2145280" cy="2145280"/>
+          </a:xfrm>
+          <a:prstGeom prst="rect">
+            <a:avLst/>
+          </a:prstGeom>
+        </p:spPr>
+      </p:pic>
+      <p:sp>
+        <p:nvSpPr>
+          <p:cNvPr id="13" name="CasellaDiTesto 12">
+            <a:extLst>
+              <a:ext uri="{FF2B5EF4-FFF2-40B4-BE49-F238E27FC236}">
+                <a16:creationId xmlns:a16="http://schemas.microsoft.com/office/drawing/2014/main" id="{3E0AE5B4-24BD-4420-9BE3-95DFEBD30973}"/>
+              </a:ext>
+            </a:extLst>
+          </p:cNvPr>
+          <p:cNvSpPr txBox="1"/>
+          <p:nvPr/>
+        </p:nvSpPr>
+        <p:spPr>
+          <a:xfrm>
+            <a:off x="5106303" y="4758885"/>
+            <a:ext cx="1712328" cy="646331"/>
+          </a:xfrm>
+          <a:prstGeom prst="rect">
+            <a:avLst/>
+          </a:prstGeom>
+          <a:noFill/>
+        </p:spPr>
+        <p:txBody>
+          <a:bodyPr wrap="none" rtlCol="0">
+            <a:spAutoFit/>
+          </a:bodyPr>
+          <a:lstStyle/>
+          <a:p>
+            <a:r>
+              <a:rPr lang="it-IT" dirty="0"/>
+              <a:t>Switch mode </a:t>
+            </a:r>
+          </a:p>
+          <a:p>
+            <a:r>
+              <a:rPr lang="it-IT" dirty="0"/>
+              <a:t>by tapping</a:t>
+            </a:r>
+          </a:p>
+        </p:txBody>
+      </p:sp>
+      <p:sp>
+        <p:nvSpPr>
+          <p:cNvPr id="11" name="Ovale 10">
+            <a:extLst>
+              <a:ext uri="{FF2B5EF4-FFF2-40B4-BE49-F238E27FC236}">
+                <a16:creationId xmlns:a16="http://schemas.microsoft.com/office/drawing/2014/main" id="{10B49553-E326-4CAD-8C8A-6C3400723C89}"/>
+              </a:ext>
+            </a:extLst>
+          </p:cNvPr>
+          <p:cNvSpPr/>
+          <p:nvPr/>
+        </p:nvSpPr>
+        <p:spPr>
+          <a:xfrm>
+            <a:off x="2327539" y="3489491"/>
+            <a:ext cx="516117" cy="482019"/>
+          </a:xfrm>
+          <a:prstGeom prst="ellipse">
+            <a:avLst/>
+          </a:prstGeom>
+          <a:solidFill>
+            <a:srgbClr val="FFFF00">
+              <a:alpha val="56000"/>
+            </a:srgbClr>
+          </a:solidFill>
+          <a:ln>
+            <a:noFill/>
+          </a:ln>
+        </p:spPr>
+        <p:style>
+          <a:lnRef idx="2">
+            <a:schemeClr val="accent1">
+              <a:shade val="50000"/>
+            </a:schemeClr>
+          </a:lnRef>
+          <a:fillRef idx="1">
+            <a:schemeClr val="accent1"/>
+          </a:fillRef>
+          <a:effectRef idx="0">
+            <a:schemeClr val="accent1"/>
+          </a:effectRef>
+          <a:fontRef idx="minor">
+            <a:schemeClr val="lt1"/>
+          </a:fontRef>
+        </p:style>
+        <p:txBody>
+          <a:bodyPr rtlCol="0" anchor="ctr"/>
+          <a:lstStyle/>
+          <a:p>
+            <a:pPr algn="ctr"/>
+            <a:endParaRPr lang="it-IT"/>
+          </a:p>
+        </p:txBody>
+      </p:sp>
+      <p:sp>
+        <p:nvSpPr>
+          <p:cNvPr id="16" name="Ovale 15">
+            <a:extLst>
+              <a:ext uri="{FF2B5EF4-FFF2-40B4-BE49-F238E27FC236}">
+                <a16:creationId xmlns:a16="http://schemas.microsoft.com/office/drawing/2014/main" id="{FA1BCA43-860F-44E6-8154-971DD5D1A672}"/>
+              </a:ext>
+            </a:extLst>
+          </p:cNvPr>
+          <p:cNvSpPr/>
+          <p:nvPr/>
+        </p:nvSpPr>
+        <p:spPr>
+          <a:xfrm>
+            <a:off x="2344959" y="5898334"/>
+            <a:ext cx="516117" cy="482019"/>
+          </a:xfrm>
+          <a:prstGeom prst="ellipse">
+            <a:avLst/>
+          </a:prstGeom>
+          <a:solidFill>
+            <a:srgbClr val="FFFF00">
+              <a:alpha val="56000"/>
+            </a:srgbClr>
+          </a:solidFill>
+          <a:ln>
+            <a:noFill/>
+          </a:ln>
+        </p:spPr>
+        <p:style>
+          <a:lnRef idx="2">
+            <a:schemeClr val="accent1">
+              <a:shade val="50000"/>
+            </a:schemeClr>
+          </a:lnRef>
+          <a:fillRef idx="1">
+            <a:schemeClr val="accent1"/>
+          </a:fillRef>
+          <a:effectRef idx="0">
+            <a:schemeClr val="accent1"/>
+          </a:effectRef>
+          <a:fontRef idx="minor">
+            <a:schemeClr val="lt1"/>
+          </a:fontRef>
+        </p:style>
+        <p:txBody>
+          <a:bodyPr rtlCol="0" anchor="ctr"/>
+          <a:lstStyle/>
+          <a:p>
+            <a:pPr algn="ctr"/>
+            <a:endParaRPr lang="it-IT"/>
+          </a:p>
+        </p:txBody>
+      </p:sp>
+      <p:cxnSp>
+        <p:nvCxnSpPr>
+          <p:cNvPr id="14" name="Connettore a gomito 13">
+            <a:extLst>
+              <a:ext uri="{FF2B5EF4-FFF2-40B4-BE49-F238E27FC236}">
+                <a16:creationId xmlns:a16="http://schemas.microsoft.com/office/drawing/2014/main" id="{CC732D3B-D4E6-4462-94B7-D047CF9C1A87}"/>
+              </a:ext>
+            </a:extLst>
+          </p:cNvPr>
+          <p:cNvCxnSpPr>
+            <a:cxnSpLocks/>
+            <a:stCxn id="13" idx="0"/>
+            <a:endCxn id="11" idx="4"/>
+          </p:cNvCxnSpPr>
+          <p:nvPr/>
+        </p:nvCxnSpPr>
+        <p:spPr>
+          <a:xfrm rot="16200000" flipV="1">
+            <a:off x="3880346" y="2676763"/>
+            <a:ext cx="787375" cy="3376869"/>
+          </a:xfrm>
+          <a:prstGeom prst="bentConnector3">
+            <a:avLst>
+              <a:gd name="adj1" fmla="val 72888"/>
+            </a:avLst>
+          </a:prstGeom>
+          <a:ln w="25400">
+            <a:solidFill>
+              <a:srgbClr val="FFFF00"/>
+            </a:solidFill>
+            <a:prstDash val="sysDash"/>
+            <a:tailEnd type="triangle"/>
+          </a:ln>
+        </p:spPr>
+        <p:style>
+          <a:lnRef idx="1">
+            <a:schemeClr val="accent1"/>
+          </a:lnRef>
+          <a:fillRef idx="0">
+            <a:schemeClr val="accent1"/>
+          </a:fillRef>
+          <a:effectRef idx="0">
+            <a:schemeClr val="accent1"/>
+          </a:effectRef>
+          <a:fontRef idx="minor">
+            <a:schemeClr val="tx1"/>
+          </a:fontRef>
+        </p:style>
+      </p:cxnSp>
+      <p:cxnSp>
+        <p:nvCxnSpPr>
+          <p:cNvPr id="17" name="Connettore a gomito 16">
+            <a:extLst>
+              <a:ext uri="{FF2B5EF4-FFF2-40B4-BE49-F238E27FC236}">
+                <a16:creationId xmlns:a16="http://schemas.microsoft.com/office/drawing/2014/main" id="{516D8B35-1167-4655-854C-ACD39624B275}"/>
+              </a:ext>
+            </a:extLst>
+          </p:cNvPr>
+          <p:cNvCxnSpPr>
+            <a:cxnSpLocks/>
+            <a:stCxn id="13" idx="2"/>
+            <a:endCxn id="16" idx="4"/>
+          </p:cNvCxnSpPr>
+          <p:nvPr/>
+        </p:nvCxnSpPr>
+        <p:spPr>
+          <a:xfrm rot="5400000">
+            <a:off x="3795175" y="4213060"/>
+            <a:ext cx="975137" cy="3359449"/>
+          </a:xfrm>
+          <a:prstGeom prst="bentConnector3">
+            <a:avLst>
+              <a:gd name="adj1" fmla="val 123443"/>
+            </a:avLst>
+          </a:prstGeom>
+          <a:ln w="25400">
+            <a:solidFill>
+              <a:srgbClr val="FFFF00"/>
+            </a:solidFill>
+            <a:prstDash val="sysDash"/>
+            <a:tailEnd type="triangle"/>
+          </a:ln>
+        </p:spPr>
+        <p:style>
+          <a:lnRef idx="1">
+            <a:schemeClr val="accent1"/>
+          </a:lnRef>
+          <a:fillRef idx="0">
+            <a:schemeClr val="accent1"/>
+          </a:fillRef>
+          <a:effectRef idx="0">
+            <a:schemeClr val="accent1"/>
+          </a:effectRef>
+          <a:fontRef idx="minor">
+            <a:schemeClr val="tx1"/>
+          </a:fontRef>
+        </p:style>
+      </p:cxnSp>
+      <p:cxnSp>
+        <p:nvCxnSpPr>
+          <p:cNvPr id="28" name="Connettore a gomito 27">
+            <a:extLst>
+              <a:ext uri="{FF2B5EF4-FFF2-40B4-BE49-F238E27FC236}">
+                <a16:creationId xmlns:a16="http://schemas.microsoft.com/office/drawing/2014/main" id="{A858794A-1D04-4DEF-B34C-C4C13C1C1C6F}"/>
+              </a:ext>
+            </a:extLst>
+          </p:cNvPr>
+          <p:cNvCxnSpPr>
+            <a:cxnSpLocks/>
+            <a:stCxn id="13" idx="0"/>
+          </p:cNvCxnSpPr>
+          <p:nvPr/>
+        </p:nvCxnSpPr>
+        <p:spPr>
+          <a:xfrm rot="5400000" flipH="1" flipV="1">
+            <a:off x="6304354" y="3388612"/>
+            <a:ext cx="1028386" cy="1712160"/>
+          </a:xfrm>
+          <a:prstGeom prst="bentConnector2">
+            <a:avLst/>
+          </a:prstGeom>
+          <a:ln w="25400">
+            <a:solidFill>
+              <a:srgbClr val="FFFF00"/>
+            </a:solidFill>
+            <a:prstDash val="sysDash"/>
+            <a:tailEnd type="triangle"/>
+          </a:ln>
+        </p:spPr>
+        <p:style>
+          <a:lnRef idx="1">
+            <a:schemeClr val="accent1"/>
+          </a:lnRef>
+          <a:fillRef idx="0">
+            <a:schemeClr val="accent1"/>
+          </a:fillRef>
+          <a:effectRef idx="0">
+            <a:schemeClr val="accent1"/>
+          </a:effectRef>
+          <a:fontRef idx="minor">
+            <a:schemeClr val="tx1"/>
+          </a:fontRef>
+        </p:style>
+      </p:cxnSp>
+      <p:sp>
+        <p:nvSpPr>
+          <p:cNvPr id="30" name="Ovale 29">
+            <a:extLst>
+              <a:ext uri="{FF2B5EF4-FFF2-40B4-BE49-F238E27FC236}">
+                <a16:creationId xmlns:a16="http://schemas.microsoft.com/office/drawing/2014/main" id="{3500949B-94B9-478C-857B-8EDB7A2BABDC}"/>
+              </a:ext>
+            </a:extLst>
+          </p:cNvPr>
+          <p:cNvSpPr/>
+          <p:nvPr/>
+        </p:nvSpPr>
+        <p:spPr>
+          <a:xfrm>
+            <a:off x="7674628" y="3489490"/>
+            <a:ext cx="516117" cy="482019"/>
+          </a:xfrm>
+          <a:prstGeom prst="ellipse">
+            <a:avLst/>
+          </a:prstGeom>
+          <a:solidFill>
+            <a:srgbClr val="FFFF00">
+              <a:alpha val="56000"/>
+            </a:srgbClr>
+          </a:solidFill>
+          <a:ln>
+            <a:noFill/>
+          </a:ln>
+        </p:spPr>
+        <p:style>
+          <a:lnRef idx="2">
+            <a:schemeClr val="accent1">
+              <a:shade val="50000"/>
+            </a:schemeClr>
+          </a:lnRef>
+          <a:fillRef idx="1">
+            <a:schemeClr val="accent1"/>
+          </a:fillRef>
+          <a:effectRef idx="0">
+            <a:schemeClr val="accent1"/>
+          </a:effectRef>
+          <a:fontRef idx="minor">
+            <a:schemeClr val="lt1"/>
+          </a:fontRef>
+        </p:style>
+        <p:txBody>
+          <a:bodyPr rtlCol="0" anchor="ctr"/>
+          <a:lstStyle/>
+          <a:p>
+            <a:pPr algn="ctr"/>
+            <a:endParaRPr lang="it-IT"/>
+          </a:p>
+        </p:txBody>
+      </p:sp>
+      <p:sp>
+        <p:nvSpPr>
+          <p:cNvPr id="32" name="Ovale 31">
+            <a:extLst>
+              <a:ext uri="{FF2B5EF4-FFF2-40B4-BE49-F238E27FC236}">
+                <a16:creationId xmlns:a16="http://schemas.microsoft.com/office/drawing/2014/main" id="{3002937E-404A-4F25-B884-0E50A7B458DF}"/>
+              </a:ext>
+            </a:extLst>
+          </p:cNvPr>
+          <p:cNvSpPr/>
+          <p:nvPr/>
+        </p:nvSpPr>
+        <p:spPr>
+          <a:xfrm>
+            <a:off x="7674628" y="5900575"/>
+            <a:ext cx="516117" cy="482019"/>
+          </a:xfrm>
+          <a:prstGeom prst="ellipse">
+            <a:avLst/>
+          </a:prstGeom>
+          <a:solidFill>
+            <a:srgbClr val="FFFF00">
+              <a:alpha val="56000"/>
+            </a:srgbClr>
+          </a:solidFill>
+          <a:ln>
+            <a:noFill/>
+          </a:ln>
+        </p:spPr>
+        <p:style>
+          <a:lnRef idx="2">
+            <a:schemeClr val="accent1">
+              <a:shade val="50000"/>
+            </a:schemeClr>
+          </a:lnRef>
+          <a:fillRef idx="1">
+            <a:schemeClr val="accent1"/>
+          </a:fillRef>
+          <a:effectRef idx="0">
+            <a:schemeClr val="accent1"/>
+          </a:effectRef>
+          <a:fontRef idx="minor">
+            <a:schemeClr val="lt1"/>
+          </a:fontRef>
+        </p:style>
+        <p:txBody>
+          <a:bodyPr rtlCol="0" anchor="ctr"/>
+          <a:lstStyle/>
+          <a:p>
+            <a:pPr algn="ctr"/>
+            <a:endParaRPr lang="it-IT"/>
+          </a:p>
+        </p:txBody>
+      </p:sp>
+      <p:cxnSp>
+        <p:nvCxnSpPr>
+          <p:cNvPr id="33" name="Connettore a gomito 32">
+            <a:extLst>
+              <a:ext uri="{FF2B5EF4-FFF2-40B4-BE49-F238E27FC236}">
+                <a16:creationId xmlns:a16="http://schemas.microsoft.com/office/drawing/2014/main" id="{17B67545-61E3-450A-8FC2-8FF52D3C7AB6}"/>
+              </a:ext>
+            </a:extLst>
+          </p:cNvPr>
+          <p:cNvCxnSpPr>
+            <a:cxnSpLocks/>
+            <a:stCxn id="13" idx="2"/>
+            <a:endCxn id="32" idx="4"/>
+          </p:cNvCxnSpPr>
+          <p:nvPr/>
+        </p:nvCxnSpPr>
+        <p:spPr>
+          <a:xfrm rot="16200000" flipH="1">
+            <a:off x="6458888" y="4908795"/>
+            <a:ext cx="977378" cy="1970220"/>
+          </a:xfrm>
+          <a:prstGeom prst="bentConnector3">
+            <a:avLst>
+              <a:gd name="adj1" fmla="val 123389"/>
+            </a:avLst>
+          </a:prstGeom>
+          <a:ln w="25400">
+            <a:solidFill>
+              <a:srgbClr val="FFFF00"/>
+            </a:solidFill>
+            <a:prstDash val="sysDash"/>
+            <a:tailEnd type="triangle"/>
+          </a:ln>
+        </p:spPr>
+        <p:style>
+          <a:lnRef idx="1">
+            <a:schemeClr val="accent1"/>
+          </a:lnRef>
+          <a:fillRef idx="0">
+            <a:schemeClr val="accent1"/>
+          </a:fillRef>
+          <a:effectRef idx="0">
+            <a:schemeClr val="accent1"/>
+          </a:effectRef>
+          <a:fontRef idx="minor">
+            <a:schemeClr val="tx1"/>
+          </a:fontRef>
+        </p:style>
+      </p:cxnSp>
+    </p:spTree>
+    <p:extLst>
+      <p:ext uri="{BB962C8B-B14F-4D97-AF65-F5344CB8AC3E}">
+        <p14:creationId xmlns:p14="http://schemas.microsoft.com/office/powerpoint/2010/main" val="461535131"/>
+      </p:ext>
+    </p:extLst>
+  </p:cSld>
+  <p:clrMapOvr>
+    <a:masterClrMapping/>
+  </p:clrMapOvr>
+</p:sld>
+</file>
+
+<file path=ppt/slides/slide8.xml><?xml version="1.0" encoding="utf-8"?>
+<p:sld xmlns:a="http://schemas.openxmlformats.org/drawingml/2006/main" xmlns:r="http://schemas.openxmlformats.org/officeDocument/2006/relationships" xmlns:p="http://schemas.openxmlformats.org/presentationml/2006/main">
+  <p:cSld>
+    <p:bg>
+      <p:bgPr>
+        <a:blipFill rotWithShape="1">
+          <a:blip r:embed="rId2">
+            <a:duotone>
+              <a:schemeClr val="bg2">
+                <a:shade val="28000"/>
+                <a:satMod val="94000"/>
+                <a:lumMod val="20000"/>
+              </a:schemeClr>
+              <a:schemeClr val="bg2">
+                <a:tint val="94000"/>
+                <a:shade val="84000"/>
+                <a:satMod val="148000"/>
+                <a:lumMod val="114000"/>
+              </a:schemeClr>
+            </a:duotone>
+            <a:extLst>
+              <a:ext uri="{BEBA8EAE-BF5A-486C-A8C5-ECC9F3942E4B}">
+                <a14:imgProps xmlns:a14="http://schemas.microsoft.com/office/drawing/2010/main">
+                  <a14:imgLayer r:embed="rId3">
+                    <a14:imgEffect>
+                      <a14:brightnessContrast bright="-42000"/>
+                    </a14:imgEffect>
+                  </a14:imgLayer>
+                </a14:imgProps>
+              </a:ext>
+            </a:extLst>
+          </a:blip>
+          <a:stretch/>
+        </a:blipFill>
+        <a:effectLst/>
+      </p:bgPr>
+    </p:bg>
+    <p:spTree>
+      <p:nvGrpSpPr>
+        <p:cNvPr id="1" name=""/>
+        <p:cNvGrpSpPr/>
+        <p:nvPr/>
+      </p:nvGrpSpPr>
+      <p:grpSpPr>
+        <a:xfrm>
+          <a:off x="0" y="0"/>
+          <a:ext cx="0" cy="0"/>
+          <a:chOff x="0" y="0"/>
+          <a:chExt cx="0" cy="0"/>
+        </a:xfrm>
+      </p:grpSpPr>
+      <p:sp>
+        <p:nvSpPr>
+          <p:cNvPr id="2" name="Titolo 1">
+            <a:extLst>
+              <a:ext uri="{FF2B5EF4-FFF2-40B4-BE49-F238E27FC236}">
+                <a16:creationId xmlns:a16="http://schemas.microsoft.com/office/drawing/2014/main" id="{373FE621-EF18-4E57-88EA-FD8C33792183}"/>
+              </a:ext>
+            </a:extLst>
+          </p:cNvPr>
+          <p:cNvSpPr>
+            <a:spLocks noGrp="1"/>
+          </p:cNvSpPr>
+          <p:nvPr>
+            <p:ph type="ctrTitle"/>
+          </p:nvPr>
+        </p:nvSpPr>
+        <p:spPr>
+          <a:xfrm>
+            <a:off x="1751012" y="609601"/>
+            <a:ext cx="5624700" cy="1339339"/>
+          </a:xfrm>
+        </p:spPr>
+        <p:txBody>
+          <a:bodyPr/>
+          <a:lstStyle/>
+          <a:p>
+            <a:r>
+              <a:rPr lang="it-IT" dirty="0"/>
+              <a:t>Alerts</a:t>
+            </a:r>
+          </a:p>
+        </p:txBody>
+      </p:sp>
+      <p:pic>
+        <p:nvPicPr>
+          <p:cNvPr id="7" name="Immagine 6">
+            <a:extLst>
+              <a:ext uri="{FF2B5EF4-FFF2-40B4-BE49-F238E27FC236}">
+                <a16:creationId xmlns:a16="http://schemas.microsoft.com/office/drawing/2014/main" id="{3B8CCF75-1867-4400-81E2-E529D7ABA4CF}"/>
+              </a:ext>
+            </a:extLst>
+          </p:cNvPr>
+          <p:cNvPicPr>
+            <a:picLocks noChangeAspect="1"/>
+          </p:cNvPicPr>
+          <p:nvPr/>
+        </p:nvPicPr>
+        <p:blipFill>
+          <a:blip r:embed="rId4"/>
+          <a:stretch>
+            <a:fillRect/>
+          </a:stretch>
+        </p:blipFill>
+        <p:spPr>
+          <a:xfrm>
+            <a:off x="3764107" y="2309362"/>
+            <a:ext cx="3200400" cy="3200400"/>
+          </a:xfrm>
+          <a:prstGeom prst="rect">
+            <a:avLst/>
+          </a:prstGeom>
+        </p:spPr>
+      </p:pic>
+    </p:spTree>
+    <p:extLst>
+      <p:ext uri="{BB962C8B-B14F-4D97-AF65-F5344CB8AC3E}">
+        <p14:creationId xmlns:p14="http://schemas.microsoft.com/office/powerpoint/2010/main" val="680264624"/>
+      </p:ext>
+    </p:extLst>
+  </p:cSld>
+  <p:clrMapOvr>
+    <a:masterClrMapping/>
+  </p:clrMapOvr>
+</p:sld>
+</file>
+
+<file path=ppt/slides/slide9.xml><?xml version="1.0" encoding="utf-8"?>
+<p:sld xmlns:a="http://schemas.openxmlformats.org/drawingml/2006/main" xmlns:r="http://schemas.openxmlformats.org/officeDocument/2006/relationships" xmlns:p="http://schemas.openxmlformats.org/presentationml/2006/main">
+  <p:cSld>
+    <p:bg>
+      <p:bgPr>
+        <a:blipFill rotWithShape="1">
+          <a:blip r:embed="rId2">
+            <a:duotone>
+              <a:schemeClr val="bg2">
+                <a:shade val="28000"/>
+                <a:satMod val="94000"/>
+                <a:lumMod val="20000"/>
+              </a:schemeClr>
+              <a:schemeClr val="bg2">
+                <a:tint val="94000"/>
+                <a:shade val="84000"/>
+                <a:satMod val="148000"/>
+                <a:lumMod val="114000"/>
+              </a:schemeClr>
+            </a:duotone>
+            <a:extLst>
+              <a:ext uri="{BEBA8EAE-BF5A-486C-A8C5-ECC9F3942E4B}">
+                <a14:imgProps xmlns:a14="http://schemas.microsoft.com/office/drawing/2010/main">
+                  <a14:imgLayer r:embed="rId3">
+                    <a14:imgEffect>
+                      <a14:brightnessContrast bright="-42000"/>
+                    </a14:imgEffect>
+                  </a14:imgLayer>
+                </a14:imgProps>
+              </a:ext>
+            </a:extLst>
+          </a:blip>
+          <a:stretch/>
+        </a:blipFill>
+        <a:effectLst/>
+      </p:bgPr>
+    </p:bg>
+    <p:spTree>
+      <p:nvGrpSpPr>
+        <p:cNvPr id="1" name=""/>
+        <p:cNvGrpSpPr/>
+        <p:nvPr/>
+      </p:nvGrpSpPr>
+      <p:grpSpPr>
+        <a:xfrm>
+          <a:off x="0" y="0"/>
+          <a:ext cx="0" cy="0"/>
+          <a:chOff x="0" y="0"/>
+          <a:chExt cx="0" cy="0"/>
+        </a:xfrm>
+      </p:grpSpPr>
+      <p:sp>
+        <p:nvSpPr>
+          <p:cNvPr id="2" name="Titolo 1">
+            <a:extLst>
+              <a:ext uri="{FF2B5EF4-FFF2-40B4-BE49-F238E27FC236}">
+                <a16:creationId xmlns:a16="http://schemas.microsoft.com/office/drawing/2014/main" id="{373FE621-EF18-4E57-88EA-FD8C33792183}"/>
+              </a:ext>
+            </a:extLst>
+          </p:cNvPr>
+          <p:cNvSpPr>
+            <a:spLocks noGrp="1"/>
+          </p:cNvSpPr>
+          <p:nvPr>
+            <p:ph type="ctrTitle"/>
+          </p:nvPr>
+        </p:nvSpPr>
+        <p:spPr>
+          <a:xfrm>
+            <a:off x="1751012" y="609601"/>
+            <a:ext cx="5624700" cy="1339339"/>
+          </a:xfrm>
+        </p:spPr>
+        <p:txBody>
+          <a:bodyPr/>
+          <a:lstStyle/>
+          <a:p>
+            <a:r>
+              <a:rPr lang="it-IT" dirty="0"/>
+              <a:t>Clock</a:t>
+            </a:r>
+          </a:p>
+        </p:txBody>
+      </p:sp>
+      <p:sp>
+        <p:nvSpPr>
+          <p:cNvPr id="4" name="Ovale 3">
+            <a:extLst>
+              <a:ext uri="{FF2B5EF4-FFF2-40B4-BE49-F238E27FC236}">
+                <a16:creationId xmlns:a16="http://schemas.microsoft.com/office/drawing/2014/main" id="{2A9077DA-3B14-4E6F-9731-BAC3AFB24766}"/>
+              </a:ext>
+            </a:extLst>
+          </p:cNvPr>
+          <p:cNvSpPr/>
+          <p:nvPr/>
+        </p:nvSpPr>
+        <p:spPr>
+          <a:xfrm>
+            <a:off x="8058149" y="2128063"/>
+            <a:ext cx="2714625" cy="2739213"/>
+          </a:xfrm>
+          <a:prstGeom prst="ellipse">
+            <a:avLst/>
+          </a:prstGeom>
+          <a:noFill/>
+          <a:ln w="34925">
+            <a:solidFill>
+              <a:srgbClr val="2DDCFF"/>
+            </a:solidFill>
+          </a:ln>
+        </p:spPr>
+        <p:style>
+          <a:lnRef idx="2">
+            <a:schemeClr val="accent1">
+              <a:shade val="50000"/>
+            </a:schemeClr>
+          </a:lnRef>
+          <a:fillRef idx="1">
+            <a:schemeClr val="accent1"/>
+          </a:fillRef>
+          <a:effectRef idx="0">
+            <a:schemeClr val="accent1"/>
+          </a:effectRef>
+          <a:fontRef idx="minor">
+            <a:schemeClr val="lt1"/>
+          </a:fontRef>
+        </p:style>
+        <p:txBody>
+          <a:bodyPr rtlCol="0" anchor="ctr"/>
+          <a:lstStyle/>
+          <a:p>
+            <a:pPr algn="ctr"/>
+            <a:endParaRPr lang="it-IT"/>
+          </a:p>
+        </p:txBody>
+      </p:sp>
+      <p:sp>
+        <p:nvSpPr>
+          <p:cNvPr id="6" name="Ovale 5">
+            <a:extLst>
+              <a:ext uri="{FF2B5EF4-FFF2-40B4-BE49-F238E27FC236}">
+                <a16:creationId xmlns:a16="http://schemas.microsoft.com/office/drawing/2014/main" id="{B52F08B3-8092-4831-86FC-3F13AA622B07}"/>
+              </a:ext>
+            </a:extLst>
+          </p:cNvPr>
+          <p:cNvSpPr/>
+          <p:nvPr/>
+        </p:nvSpPr>
+        <p:spPr>
+          <a:xfrm>
+            <a:off x="8105773" y="2176118"/>
+            <a:ext cx="2619376" cy="2643101"/>
+          </a:xfrm>
+          <a:prstGeom prst="ellipse">
+            <a:avLst/>
+          </a:prstGeom>
+          <a:noFill/>
+          <a:ln w="34925">
+            <a:solidFill>
+              <a:srgbClr val="FFFF00"/>
+            </a:solidFill>
+          </a:ln>
+        </p:spPr>
+        <p:style>
+          <a:lnRef idx="2">
+            <a:schemeClr val="accent1">
+              <a:shade val="50000"/>
+            </a:schemeClr>
+          </a:lnRef>
+          <a:fillRef idx="1">
+            <a:schemeClr val="accent1"/>
+          </a:fillRef>
+          <a:effectRef idx="0">
+            <a:schemeClr val="accent1"/>
+          </a:effectRef>
+          <a:fontRef idx="minor">
+            <a:schemeClr val="lt1"/>
+          </a:fontRef>
+        </p:style>
+        <p:txBody>
+          <a:bodyPr rtlCol="0" anchor="ctr"/>
+          <a:lstStyle/>
+          <a:p>
+            <a:pPr algn="ctr"/>
+            <a:endParaRPr lang="it-IT"/>
+          </a:p>
+        </p:txBody>
+      </p:sp>
+      <p:sp>
+        <p:nvSpPr>
+          <p:cNvPr id="9" name="Ovale 8">
+            <a:extLst>
+              <a:ext uri="{FF2B5EF4-FFF2-40B4-BE49-F238E27FC236}">
+                <a16:creationId xmlns:a16="http://schemas.microsoft.com/office/drawing/2014/main" id="{0AF16896-4642-44A4-8720-6425D9DD6D49}"/>
+              </a:ext>
+            </a:extLst>
+          </p:cNvPr>
+          <p:cNvSpPr/>
+          <p:nvPr/>
+        </p:nvSpPr>
+        <p:spPr>
+          <a:xfrm>
+            <a:off x="8253411" y="2324099"/>
+            <a:ext cx="2330614" cy="2351724"/>
+          </a:xfrm>
+          <a:prstGeom prst="ellipse">
+            <a:avLst/>
+          </a:prstGeom>
+          <a:noFill/>
+          <a:ln w="190500">
+            <a:solidFill>
+              <a:srgbClr val="FF0000"/>
+            </a:solidFill>
+          </a:ln>
+        </p:spPr>
+        <p:style>
+          <a:lnRef idx="2">
+            <a:schemeClr val="accent1">
+              <a:shade val="50000"/>
+            </a:schemeClr>
+          </a:lnRef>
+          <a:fillRef idx="1">
+            <a:schemeClr val="accent1"/>
+          </a:fillRef>
+          <a:effectRef idx="0">
+            <a:schemeClr val="accent1"/>
+          </a:effectRef>
+          <a:fontRef idx="minor">
+            <a:schemeClr val="lt1"/>
+          </a:fontRef>
+        </p:style>
+        <p:txBody>
+          <a:bodyPr rtlCol="0" anchor="ctr"/>
+          <a:lstStyle/>
+          <a:p>
+            <a:pPr algn="ctr"/>
+            <a:endParaRPr lang="it-IT"/>
+          </a:p>
+        </p:txBody>
+      </p:sp>
+      <p:sp>
+        <p:nvSpPr>
+          <p:cNvPr id="5" name="Ovale 4">
+            <a:extLst>
+              <a:ext uri="{FF2B5EF4-FFF2-40B4-BE49-F238E27FC236}">
+                <a16:creationId xmlns:a16="http://schemas.microsoft.com/office/drawing/2014/main" id="{41AA144A-385A-488C-8EF2-F4A80AD86F3F}"/>
+              </a:ext>
+            </a:extLst>
+          </p:cNvPr>
+          <p:cNvSpPr/>
+          <p:nvPr/>
+        </p:nvSpPr>
+        <p:spPr>
+          <a:xfrm>
+            <a:off x="8892534" y="2629736"/>
+            <a:ext cx="665284" cy="647422"/>
+          </a:xfrm>
+          <a:prstGeom prst="ellipse">
+            <a:avLst/>
+          </a:prstGeom>
+        </p:spPr>
+        <p:style>
+          <a:lnRef idx="2">
+            <a:schemeClr val="accent6">
+              <a:shade val="50000"/>
+            </a:schemeClr>
+          </a:lnRef>
+          <a:fillRef idx="1">
+            <a:schemeClr val="accent6"/>
+          </a:fillRef>
+          <a:effectRef idx="0">
+            <a:schemeClr val="accent6"/>
+          </a:effectRef>
+          <a:fontRef idx="minor">
+            <a:schemeClr val="lt1"/>
+          </a:fontRef>
+        </p:style>
+        <p:txBody>
+          <a:bodyPr rtlCol="0" anchor="ctr"/>
+          <a:lstStyle/>
+          <a:p>
+            <a:pPr algn="ctr"/>
+            <a:endParaRPr lang="it-IT"/>
+          </a:p>
+        </p:txBody>
+      </p:sp>
+      <p:sp>
+        <p:nvSpPr>
+          <p:cNvPr id="11" name="Ovale 10">
+            <a:extLst>
+              <a:ext uri="{FF2B5EF4-FFF2-40B4-BE49-F238E27FC236}">
+                <a16:creationId xmlns:a16="http://schemas.microsoft.com/office/drawing/2014/main" id="{491878E1-892F-4461-9F39-E3438B23E0E8}"/>
+              </a:ext>
+            </a:extLst>
+          </p:cNvPr>
+          <p:cNvSpPr/>
+          <p:nvPr/>
+        </p:nvSpPr>
+        <p:spPr>
+          <a:xfrm>
+            <a:off x="9751036" y="3173957"/>
+            <a:ext cx="665284" cy="647422"/>
+          </a:xfrm>
+          <a:prstGeom prst="ellipse">
+            <a:avLst/>
+          </a:prstGeom>
+        </p:spPr>
+        <p:style>
+          <a:lnRef idx="2">
+            <a:schemeClr val="accent2">
+              <a:shade val="50000"/>
+            </a:schemeClr>
+          </a:lnRef>
+          <a:fillRef idx="1">
+            <a:schemeClr val="accent2"/>
+          </a:fillRef>
+          <a:effectRef idx="0">
+            <a:schemeClr val="accent2"/>
+          </a:effectRef>
+          <a:fontRef idx="minor">
+            <a:schemeClr val="lt1"/>
+          </a:fontRef>
+        </p:style>
+        <p:txBody>
+          <a:bodyPr rtlCol="0" anchor="ctr"/>
+          <a:lstStyle/>
+          <a:p>
+            <a:pPr algn="ctr"/>
+            <a:endParaRPr lang="it-IT"/>
+          </a:p>
+        </p:txBody>
+      </p:sp>
+      <p:sp>
+        <p:nvSpPr>
+          <p:cNvPr id="12" name="Ovale 11">
+            <a:extLst>
+              <a:ext uri="{FF2B5EF4-FFF2-40B4-BE49-F238E27FC236}">
+                <a16:creationId xmlns:a16="http://schemas.microsoft.com/office/drawing/2014/main" id="{B816F1EA-A6EB-4AD6-B929-729B0365D4F2}"/>
+              </a:ext>
+            </a:extLst>
+          </p:cNvPr>
+          <p:cNvSpPr/>
+          <p:nvPr/>
+        </p:nvSpPr>
+        <p:spPr>
+          <a:xfrm>
+            <a:off x="8692638" y="3524111"/>
+            <a:ext cx="917663" cy="893025"/>
+          </a:xfrm>
+          <a:prstGeom prst="ellipse">
+            <a:avLst/>
+          </a:prstGeom>
+        </p:spPr>
+        <p:style>
+          <a:lnRef idx="2">
+            <a:schemeClr val="accent3">
+              <a:shade val="50000"/>
+            </a:schemeClr>
+          </a:lnRef>
+          <a:fillRef idx="1">
+            <a:schemeClr val="accent3"/>
+          </a:fillRef>
+          <a:effectRef idx="0">
+            <a:schemeClr val="accent3"/>
+          </a:effectRef>
+          <a:fontRef idx="minor">
+            <a:schemeClr val="lt1"/>
+          </a:fontRef>
+        </p:style>
+        <p:txBody>
+          <a:bodyPr rtlCol="0" anchor="ctr"/>
+          <a:lstStyle/>
+          <a:p>
+            <a:pPr algn="ctr"/>
+            <a:endParaRPr lang="it-IT"/>
+          </a:p>
+        </p:txBody>
+      </p:sp>
+      <p:sp>
+        <p:nvSpPr>
+          <p:cNvPr id="10" name="CasellaDiTesto 9">
+            <a:extLst>
+              <a:ext uri="{FF2B5EF4-FFF2-40B4-BE49-F238E27FC236}">
+                <a16:creationId xmlns:a16="http://schemas.microsoft.com/office/drawing/2014/main" id="{58DB6A15-7FB0-4736-A7A3-193A59D1F951}"/>
+              </a:ext>
+            </a:extLst>
+          </p:cNvPr>
+          <p:cNvSpPr txBox="1"/>
+          <p:nvPr/>
+        </p:nvSpPr>
+        <p:spPr>
+          <a:xfrm>
+            <a:off x="3488293" y="2260404"/>
+            <a:ext cx="2055371" cy="369332"/>
+          </a:xfrm>
+          <a:prstGeom prst="rect">
+            <a:avLst/>
+          </a:prstGeom>
+          <a:noFill/>
+          <a:ln>
+            <a:noFill/>
+          </a:ln>
+        </p:spPr>
+        <p:style>
+          <a:lnRef idx="2">
+            <a:schemeClr val="accent1">
+              <a:shade val="50000"/>
+            </a:schemeClr>
+          </a:lnRef>
+          <a:fillRef idx="1">
+            <a:schemeClr val="accent1"/>
+          </a:fillRef>
+          <a:effectRef idx="0">
+            <a:schemeClr val="accent1"/>
+          </a:effectRef>
+          <a:fontRef idx="minor">
+            <a:schemeClr val="lt1"/>
+          </a:fontRef>
+        </p:style>
+        <p:txBody>
+          <a:bodyPr wrap="square" rtlCol="0">
+            <a:spAutoFit/>
+          </a:bodyPr>
+          <a:lstStyle/>
+          <a:p>
+            <a:pPr algn="ctr"/>
+            <a:r>
+              <a:rPr lang="it-IT" dirty="0" err="1">
+                <a:solidFill>
+                  <a:srgbClr val="2DDCFF"/>
+                </a:solidFill>
+              </a:rPr>
+              <a:t>Ice</a:t>
+            </a:r>
+            <a:r>
+              <a:rPr lang="it-IT" dirty="0">
+                <a:solidFill>
+                  <a:srgbClr val="2DDCFF"/>
+                </a:solidFill>
+              </a:rPr>
+              <a:t> </a:t>
+            </a:r>
+            <a:r>
+              <a:rPr lang="it-IT" dirty="0" err="1">
+                <a:solidFill>
+                  <a:srgbClr val="2DDCFF"/>
+                </a:solidFill>
+              </a:rPr>
+              <a:t>alerts</a:t>
+            </a:r>
+            <a:endParaRPr lang="it-IT" dirty="0">
+              <a:solidFill>
+                <a:srgbClr val="2DDCFF"/>
+              </a:solidFill>
+            </a:endParaRPr>
+          </a:p>
+        </p:txBody>
+      </p:sp>
+      <p:sp>
+        <p:nvSpPr>
+          <p:cNvPr id="16" name="CasellaDiTesto 15">
+            <a:extLst>
+              <a:ext uri="{FF2B5EF4-FFF2-40B4-BE49-F238E27FC236}">
+                <a16:creationId xmlns:a16="http://schemas.microsoft.com/office/drawing/2014/main" id="{A9700350-1337-4E6F-BC5E-CE4DEC5D13AE}"/>
+              </a:ext>
+            </a:extLst>
+          </p:cNvPr>
+          <p:cNvSpPr txBox="1"/>
+          <p:nvPr/>
+        </p:nvSpPr>
+        <p:spPr>
+          <a:xfrm>
+            <a:off x="3488292" y="2716242"/>
+            <a:ext cx="2055371" cy="369332"/>
+          </a:xfrm>
+          <a:prstGeom prst="rect">
+            <a:avLst/>
+          </a:prstGeom>
+          <a:noFill/>
+          <a:ln>
+            <a:noFill/>
+          </a:ln>
+        </p:spPr>
+        <p:style>
+          <a:lnRef idx="2">
+            <a:schemeClr val="accent1">
+              <a:shade val="50000"/>
+            </a:schemeClr>
+          </a:lnRef>
+          <a:fillRef idx="1">
+            <a:schemeClr val="accent1"/>
+          </a:fillRef>
+          <a:effectRef idx="0">
+            <a:schemeClr val="accent1"/>
+          </a:effectRef>
+          <a:fontRef idx="minor">
+            <a:schemeClr val="lt1"/>
+          </a:fontRef>
+        </p:style>
+        <p:txBody>
+          <a:bodyPr wrap="square" rtlCol="0">
+            <a:spAutoFit/>
+          </a:bodyPr>
+          <a:lstStyle/>
+          <a:p>
+            <a:pPr algn="ctr"/>
+            <a:r>
+              <a:rPr lang="it-IT" dirty="0" err="1">
+                <a:solidFill>
+                  <a:srgbClr val="FFFF00"/>
+                </a:solidFill>
+              </a:rPr>
+              <a:t>Primary</a:t>
+            </a:r>
+            <a:r>
+              <a:rPr lang="it-IT" dirty="0">
+                <a:solidFill>
+                  <a:srgbClr val="FFFF00"/>
+                </a:solidFill>
+              </a:rPr>
+              <a:t> </a:t>
+            </a:r>
+            <a:r>
+              <a:rPr lang="it-IT" dirty="0" err="1">
+                <a:solidFill>
+                  <a:srgbClr val="FFFF00"/>
+                </a:solidFill>
+              </a:rPr>
+              <a:t>alerts</a:t>
+            </a:r>
+            <a:endParaRPr lang="it-IT" dirty="0">
+              <a:solidFill>
+                <a:srgbClr val="FFFF00"/>
+              </a:solidFill>
+            </a:endParaRPr>
+          </a:p>
+        </p:txBody>
+      </p:sp>
+      <p:sp>
+        <p:nvSpPr>
+          <p:cNvPr id="18" name="CasellaDiTesto 17">
+            <a:extLst>
+              <a:ext uri="{FF2B5EF4-FFF2-40B4-BE49-F238E27FC236}">
+                <a16:creationId xmlns:a16="http://schemas.microsoft.com/office/drawing/2014/main" id="{89DC49A1-3B65-48D2-8CA0-20E0A122BDB5}"/>
+              </a:ext>
+            </a:extLst>
+          </p:cNvPr>
+          <p:cNvSpPr txBox="1"/>
+          <p:nvPr/>
+        </p:nvSpPr>
+        <p:spPr>
+          <a:xfrm>
+            <a:off x="3488293" y="3200059"/>
+            <a:ext cx="2055371" cy="369332"/>
+          </a:xfrm>
+          <a:prstGeom prst="rect">
+            <a:avLst/>
+          </a:prstGeom>
+          <a:noFill/>
+          <a:ln>
+            <a:noFill/>
+          </a:ln>
+        </p:spPr>
+        <p:style>
+          <a:lnRef idx="2">
+            <a:schemeClr val="accent1">
+              <a:shade val="50000"/>
+            </a:schemeClr>
+          </a:lnRef>
+          <a:fillRef idx="1">
+            <a:schemeClr val="accent1"/>
+          </a:fillRef>
+          <a:effectRef idx="0">
+            <a:schemeClr val="accent1"/>
+          </a:effectRef>
+          <a:fontRef idx="minor">
+            <a:schemeClr val="lt1"/>
+          </a:fontRef>
+        </p:style>
+        <p:txBody>
+          <a:bodyPr wrap="none" rtlCol="0">
+            <a:spAutoFit/>
+          </a:bodyPr>
+          <a:lstStyle/>
+          <a:p>
+            <a:pPr algn="ctr"/>
+            <a:r>
+              <a:rPr lang="it-IT" dirty="0" err="1">
+                <a:solidFill>
+                  <a:srgbClr val="FF0000"/>
+                </a:solidFill>
+              </a:rPr>
+              <a:t>Secondary</a:t>
+            </a:r>
+            <a:r>
+              <a:rPr lang="it-IT" dirty="0">
+                <a:solidFill>
+                  <a:srgbClr val="FF0000"/>
+                </a:solidFill>
+              </a:rPr>
+              <a:t> </a:t>
+            </a:r>
+            <a:r>
+              <a:rPr lang="it-IT" dirty="0" err="1">
+                <a:solidFill>
+                  <a:srgbClr val="FF0000"/>
+                </a:solidFill>
+              </a:rPr>
+              <a:t>alerts</a:t>
+            </a:r>
+            <a:endParaRPr lang="it-IT" dirty="0">
+              <a:solidFill>
+                <a:srgbClr val="FF0000"/>
+              </a:solidFill>
+            </a:endParaRPr>
+          </a:p>
+        </p:txBody>
+      </p:sp>
+      <p:pic>
+        <p:nvPicPr>
+          <p:cNvPr id="15" name="Immagine 14">
+            <a:extLst>
+              <a:ext uri="{FF2B5EF4-FFF2-40B4-BE49-F238E27FC236}">
+                <a16:creationId xmlns:a16="http://schemas.microsoft.com/office/drawing/2014/main" id="{38557C3A-B5C5-4E65-8DE0-C7461F0D5AD2}"/>
+              </a:ext>
+            </a:extLst>
+          </p:cNvPr>
+          <p:cNvPicPr>
+            <a:picLocks noChangeAspect="1"/>
+          </p:cNvPicPr>
+          <p:nvPr/>
+        </p:nvPicPr>
+        <p:blipFill>
+          <a:blip r:embed="rId4"/>
+          <a:stretch>
+            <a:fillRect/>
+          </a:stretch>
+        </p:blipFill>
+        <p:spPr>
+          <a:xfrm>
+            <a:off x="7578988" y="820965"/>
+            <a:ext cx="3724289" cy="5104845"/>
+          </a:xfrm>
+          <a:prstGeom prst="rect">
+            <a:avLst/>
+          </a:prstGeom>
+        </p:spPr>
+      </p:pic>
+      <p:cxnSp>
+        <p:nvCxnSpPr>
+          <p:cNvPr id="19" name="Connettore a gomito 18">
+            <a:extLst>
+              <a:ext uri="{FF2B5EF4-FFF2-40B4-BE49-F238E27FC236}">
+                <a16:creationId xmlns:a16="http://schemas.microsoft.com/office/drawing/2014/main" id="{42ABB7C6-60AC-4287-BF6F-A799A2DE27D6}"/>
+              </a:ext>
+            </a:extLst>
+          </p:cNvPr>
+          <p:cNvCxnSpPr>
+            <a:cxnSpLocks/>
+            <a:stCxn id="10" idx="3"/>
+            <a:endCxn id="4" idx="1"/>
+          </p:cNvCxnSpPr>
+          <p:nvPr/>
+        </p:nvCxnSpPr>
+        <p:spPr>
+          <a:xfrm>
+            <a:off x="5543664" y="2445070"/>
+            <a:ext cx="2912033" cy="84141"/>
+          </a:xfrm>
+          <a:prstGeom prst="bentConnector4">
+            <a:avLst>
+              <a:gd name="adj1" fmla="val 43174"/>
+              <a:gd name="adj2" fmla="val 9951"/>
+            </a:avLst>
+          </a:prstGeom>
+          <a:ln w="25400">
+            <a:solidFill>
+              <a:srgbClr val="2DDCFF"/>
+            </a:solidFill>
+            <a:prstDash val="sysDash"/>
+            <a:headEnd type="oval"/>
+            <a:tailEnd type="none"/>
+          </a:ln>
+        </p:spPr>
+        <p:style>
+          <a:lnRef idx="1">
+            <a:schemeClr val="accent1"/>
+          </a:lnRef>
+          <a:fillRef idx="0">
+            <a:schemeClr val="accent1"/>
+          </a:fillRef>
+          <a:effectRef idx="0">
+            <a:schemeClr val="accent1"/>
+          </a:effectRef>
+          <a:fontRef idx="minor">
+            <a:schemeClr val="tx1"/>
+          </a:fontRef>
+        </p:style>
+      </p:cxnSp>
+      <p:cxnSp>
+        <p:nvCxnSpPr>
+          <p:cNvPr id="22" name="Connettore a gomito 21">
+            <a:extLst>
+              <a:ext uri="{FF2B5EF4-FFF2-40B4-BE49-F238E27FC236}">
+                <a16:creationId xmlns:a16="http://schemas.microsoft.com/office/drawing/2014/main" id="{9952BEBF-A17E-4515-9933-F62B3089B4F4}"/>
+              </a:ext>
+            </a:extLst>
+          </p:cNvPr>
+          <p:cNvCxnSpPr>
+            <a:cxnSpLocks/>
+            <a:endCxn id="6" idx="2"/>
+          </p:cNvCxnSpPr>
+          <p:nvPr/>
+        </p:nvCxnSpPr>
+        <p:spPr>
+          <a:xfrm>
+            <a:off x="5543663" y="2907583"/>
+            <a:ext cx="2562110" cy="590086"/>
+          </a:xfrm>
+          <a:prstGeom prst="bentConnector3">
+            <a:avLst>
+              <a:gd name="adj1" fmla="val 86210"/>
+            </a:avLst>
+          </a:prstGeom>
+          <a:ln w="25400">
+            <a:solidFill>
+              <a:srgbClr val="FFFF00"/>
+            </a:solidFill>
+            <a:prstDash val="sysDash"/>
+            <a:headEnd type="oval"/>
+            <a:tailEnd type="none"/>
+          </a:ln>
+        </p:spPr>
+        <p:style>
+          <a:lnRef idx="1">
+            <a:schemeClr val="accent1"/>
+          </a:lnRef>
+          <a:fillRef idx="0">
+            <a:schemeClr val="accent1"/>
+          </a:fillRef>
+          <a:effectRef idx="0">
+            <a:schemeClr val="accent1"/>
+          </a:effectRef>
+          <a:fontRef idx="minor">
+            <a:schemeClr val="tx1"/>
+          </a:fontRef>
+        </p:style>
+      </p:cxnSp>
+      <p:cxnSp>
+        <p:nvCxnSpPr>
+          <p:cNvPr id="24" name="Connettore a gomito 23">
+            <a:extLst>
+              <a:ext uri="{FF2B5EF4-FFF2-40B4-BE49-F238E27FC236}">
+                <a16:creationId xmlns:a16="http://schemas.microsoft.com/office/drawing/2014/main" id="{C56688E9-D16F-4A69-957A-6113A8BBFF96}"/>
+              </a:ext>
+            </a:extLst>
+          </p:cNvPr>
+          <p:cNvCxnSpPr>
+            <a:cxnSpLocks/>
+            <a:stCxn id="18" idx="3"/>
+            <a:endCxn id="9" idx="3"/>
+          </p:cNvCxnSpPr>
+          <p:nvPr/>
+        </p:nvCxnSpPr>
+        <p:spPr>
+          <a:xfrm>
+            <a:off x="5543664" y="3384725"/>
+            <a:ext cx="3051058" cy="946696"/>
+          </a:xfrm>
+          <a:prstGeom prst="bentConnector4">
+            <a:avLst>
+              <a:gd name="adj1" fmla="val 44407"/>
+              <a:gd name="adj2" fmla="val 96651"/>
+            </a:avLst>
+          </a:prstGeom>
+          <a:ln w="25400">
+            <a:solidFill>
+              <a:srgbClr val="FF0000"/>
+            </a:solidFill>
+            <a:prstDash val="sysDash"/>
+            <a:headEnd type="oval"/>
+            <a:tailEnd type="none"/>
+          </a:ln>
+        </p:spPr>
+        <p:style>
+          <a:lnRef idx="1">
+            <a:schemeClr val="accent1"/>
+          </a:lnRef>
+          <a:fillRef idx="0">
+            <a:schemeClr val="accent1"/>
+          </a:fillRef>
+          <a:effectRef idx="0">
+            <a:schemeClr val="accent1"/>
+          </a:effectRef>
+          <a:fontRef idx="minor">
+            <a:schemeClr val="tx1"/>
+          </a:fontRef>
+        </p:style>
+      </p:cxnSp>
+    </p:spTree>
+    <p:extLst>
+      <p:ext uri="{BB962C8B-B14F-4D97-AF65-F5344CB8AC3E}">
+        <p14:creationId xmlns:p14="http://schemas.microsoft.com/office/powerpoint/2010/main" val="3218935020"/>
       </p:ext>
     </p:extLst>
   </p:cSld>

--- a/WeatherNerd - User manual.pptx
+++ b/WeatherNerd - User manual.pptx
@@ -336,7 +336,7 @@
             <a:fld id="{B61BEF0D-F0BB-DE4B-95CE-6DB70DBA9567}" type="datetimeFigureOut">
               <a:rPr lang="en-US" dirty="0"/>
               <a:pPr/>
-              <a:t>2/21/2021</a:t>
+              <a:t>2/22/2021</a:t>
             </a:fld>
             <a:endParaRPr lang="en-US" dirty="0"/>
           </a:p>
@@ -624,7 +624,7 @@
             <a:fld id="{B61BEF0D-F0BB-DE4B-95CE-6DB70DBA9567}" type="datetimeFigureOut">
               <a:rPr lang="en-US" dirty="0"/>
               <a:pPr/>
-              <a:t>2/21/2021</a:t>
+              <a:t>2/22/2021</a:t>
             </a:fld>
             <a:endParaRPr lang="en-US" dirty="0"/>
           </a:p>
@@ -880,7 +880,7 @@
             <a:fld id="{B61BEF0D-F0BB-DE4B-95CE-6DB70DBA9567}" type="datetimeFigureOut">
               <a:rPr lang="en-US" dirty="0"/>
               <a:pPr/>
-              <a:t>2/21/2021</a:t>
+              <a:t>2/22/2021</a:t>
             </a:fld>
             <a:endParaRPr lang="en-US" dirty="0"/>
           </a:p>
@@ -1346,7 +1346,7 @@
             <a:fld id="{B61BEF0D-F0BB-DE4B-95CE-6DB70DBA9567}" type="datetimeFigureOut">
               <a:rPr lang="en-US" dirty="0"/>
               <a:pPr/>
-              <a:t>2/21/2021</a:t>
+              <a:t>2/22/2021</a:t>
             </a:fld>
             <a:endParaRPr lang="en-US" dirty="0"/>
           </a:p>
@@ -1523,7 +1523,7 @@
             <a:fld id="{B61BEF0D-F0BB-DE4B-95CE-6DB70DBA9567}" type="datetimeFigureOut">
               <a:rPr lang="en-US" dirty="0"/>
               <a:pPr/>
-              <a:t>2/21/2021</a:t>
+              <a:t>2/22/2021</a:t>
             </a:fld>
             <a:endParaRPr lang="en-US" dirty="0"/>
           </a:p>
@@ -2096,7 +2096,7 @@
             <a:fld id="{B61BEF0D-F0BB-DE4B-95CE-6DB70DBA9567}" type="datetimeFigureOut">
               <a:rPr lang="en-US" dirty="0"/>
               <a:pPr/>
-              <a:t>2/21/2021</a:t>
+              <a:t>2/22/2021</a:t>
             </a:fld>
             <a:endParaRPr lang="en-US" dirty="0"/>
           </a:p>
@@ -2425,7 +2425,7 @@
             <a:fld id="{B61BEF0D-F0BB-DE4B-95CE-6DB70DBA9567}" type="datetimeFigureOut">
               <a:rPr lang="en-US" dirty="0"/>
               <a:pPr/>
-              <a:t>2/21/2021</a:t>
+              <a:t>2/22/2021</a:t>
             </a:fld>
             <a:endParaRPr lang="en-US" dirty="0"/>
           </a:p>
@@ -2597,7 +2597,7 @@
             <a:fld id="{B61BEF0D-F0BB-DE4B-95CE-6DB70DBA9567}" type="datetimeFigureOut">
               <a:rPr lang="en-US" dirty="0"/>
               <a:pPr/>
-              <a:t>2/21/2021</a:t>
+              <a:t>2/22/2021</a:t>
             </a:fld>
             <a:endParaRPr lang="en-US" dirty="0"/>
           </a:p>
@@ -2774,7 +2774,7 @@
             <a:fld id="{B61BEF0D-F0BB-DE4B-95CE-6DB70DBA9567}" type="datetimeFigureOut">
               <a:rPr lang="en-US" dirty="0"/>
               <a:pPr/>
-              <a:t>2/21/2021</a:t>
+              <a:t>2/22/2021</a:t>
             </a:fld>
             <a:endParaRPr lang="en-US" dirty="0"/>
           </a:p>
@@ -2941,7 +2941,7 @@
             <a:fld id="{B61BEF0D-F0BB-DE4B-95CE-6DB70DBA9567}" type="datetimeFigureOut">
               <a:rPr lang="en-US" dirty="0"/>
               <a:pPr/>
-              <a:t>2/21/2021</a:t>
+              <a:t>2/22/2021</a:t>
             </a:fld>
             <a:endParaRPr lang="en-US" dirty="0"/>
           </a:p>
@@ -3195,7 +3195,7 @@
             <a:fld id="{B61BEF0D-F0BB-DE4B-95CE-6DB70DBA9567}" type="datetimeFigureOut">
               <a:rPr lang="en-US" dirty="0"/>
               <a:pPr/>
-              <a:t>2/21/2021</a:t>
+              <a:t>2/22/2021</a:t>
             </a:fld>
             <a:endParaRPr lang="en-US" dirty="0"/>
           </a:p>
@@ -3484,7 +3484,7 @@
             <a:fld id="{B61BEF0D-F0BB-DE4B-95CE-6DB70DBA9567}" type="datetimeFigureOut">
               <a:rPr lang="en-US" dirty="0"/>
               <a:pPr/>
-              <a:t>2/21/2021</a:t>
+              <a:t>2/22/2021</a:t>
             </a:fld>
             <a:endParaRPr lang="en-US" dirty="0"/>
           </a:p>
@@ -3911,7 +3911,7 @@
             <a:fld id="{B61BEF0D-F0BB-DE4B-95CE-6DB70DBA9567}" type="datetimeFigureOut">
               <a:rPr lang="en-US" dirty="0"/>
               <a:pPr/>
-              <a:t>2/21/2021</a:t>
+              <a:t>2/22/2021</a:t>
             </a:fld>
             <a:endParaRPr lang="en-US" dirty="0"/>
           </a:p>
@@ -4026,7 +4026,7 @@
             <a:fld id="{B61BEF0D-F0BB-DE4B-95CE-6DB70DBA9567}" type="datetimeFigureOut">
               <a:rPr lang="en-US" dirty="0"/>
               <a:pPr/>
-              <a:t>2/21/2021</a:t>
+              <a:t>2/22/2021</a:t>
             </a:fld>
             <a:endParaRPr lang="en-US" dirty="0"/>
           </a:p>
@@ -4118,7 +4118,7 @@
             <a:fld id="{B61BEF0D-F0BB-DE4B-95CE-6DB70DBA9567}" type="datetimeFigureOut">
               <a:rPr lang="en-US" dirty="0"/>
               <a:pPr/>
-              <a:t>2/21/2021</a:t>
+              <a:t>2/22/2021</a:t>
             </a:fld>
             <a:endParaRPr lang="en-US" dirty="0"/>
           </a:p>
@@ -4398,7 +4398,7 @@
             <a:fld id="{B61BEF0D-F0BB-DE4B-95CE-6DB70DBA9567}" type="datetimeFigureOut">
               <a:rPr lang="en-US" dirty="0"/>
               <a:pPr/>
-              <a:t>2/21/2021</a:t>
+              <a:t>2/22/2021</a:t>
             </a:fld>
             <a:endParaRPr lang="en-US" dirty="0"/>
           </a:p>
@@ -4686,7 +4686,7 @@
             <a:fld id="{B61BEF0D-F0BB-DE4B-95CE-6DB70DBA9567}" type="datetimeFigureOut">
               <a:rPr lang="en-US" dirty="0"/>
               <a:pPr/>
-              <a:t>2/21/2021</a:t>
+              <a:t>2/22/2021</a:t>
             </a:fld>
             <a:endParaRPr lang="en-US" dirty="0"/>
           </a:p>
@@ -4914,7 +4914,7 @@
             <a:fld id="{B61BEF0D-F0BB-DE4B-95CE-6DB70DBA9567}" type="datetimeFigureOut">
               <a:rPr lang="en-US" dirty="0"/>
               <a:pPr/>
-              <a:t>2/21/2021</a:t>
+              <a:t>2/22/2021</a:t>
             </a:fld>
             <a:endParaRPr lang="en-US" dirty="0"/>
           </a:p>
@@ -7654,7 +7654,7 @@
         <p:spPr>
           <a:xfrm>
             <a:off x="2329401" y="2397587"/>
-            <a:ext cx="4932404" cy="2862322"/>
+            <a:ext cx="4932404" cy="3139321"/>
           </a:xfrm>
           <a:prstGeom prst="rect">
             <a:avLst/>
@@ -7673,7 +7673,19 @@
             </a:r>
             <a:r>
               <a:rPr lang="it-IT" dirty="0"/>
-              <a:t> are the 3 rings </a:t>
+              <a:t> are </a:t>
+            </a:r>
+            <a:r>
+              <a:rPr lang="it-IT" dirty="0" err="1"/>
+              <a:t>showed</a:t>
+            </a:r>
+            <a:r>
+              <a:rPr lang="it-IT"/>
+              <a:t> in the </a:t>
+            </a:r>
+            <a:r>
+              <a:rPr lang="it-IT" dirty="0"/>
+              <a:t>3 rings </a:t>
             </a:r>
             <a:r>
               <a:rPr lang="it-IT" dirty="0" err="1"/>
